--- a/Aymeric Beck Antoine Buirey Tanguy Horard.pptx
+++ b/Aymeric Beck Antoine Buirey Tanguy Horard.pptx
@@ -5,12 +5,13 @@
     <p:sldMasterId id="2147483648" r:id="rId1"/>
   </p:sldMasterIdLst>
   <p:notesMasterIdLst>
-    <p:notesMasterId r:id="rId5"/>
+    <p:notesMasterId r:id="rId6"/>
   </p:notesMasterIdLst>
   <p:sldIdLst>
     <p:sldId id="256" r:id="rId2"/>
     <p:sldId id="257" r:id="rId3"/>
     <p:sldId id="258" r:id="rId4"/>
+    <p:sldId id="259" r:id="rId5"/>
   </p:sldIdLst>
   <p:sldSz cx="12192000" cy="6858000"/>
   <p:notesSz cx="6858000" cy="9144000"/>
@@ -109,6 +110,11 @@
       </a:defRPr>
     </a:lvl9pPr>
   </p:defaultTextStyle>
+  <p:extLst>
+    <p:ext uri="{EFAFB233-063F-42B5-8137-9DF3F51BA10A}">
+      <p15:sldGuideLst xmlns:p15="http://schemas.microsoft.com/office/powerpoint/2012/main"/>
+    </p:ext>
+  </p:extLst>
 </p:presentation>
 </file>
 
@@ -4880,6 +4886,14 @@
 <file path=ppt/slides/slide3.xml><?xml version="1.0" encoding="utf-8"?>
 <p:sld xmlns:a="http://schemas.openxmlformats.org/drawingml/2006/main" xmlns:r="http://schemas.openxmlformats.org/officeDocument/2006/relationships" xmlns:p="http://schemas.openxmlformats.org/presentationml/2006/main">
   <p:cSld>
+    <p:bg>
+      <p:bgPr>
+        <a:solidFill>
+          <a:schemeClr val="bg1"/>
+        </a:solidFill>
+        <a:effectLst/>
+      </p:bgPr>
+    </p:bg>
     <p:spTree>
       <p:nvGrpSpPr>
         <p:cNvPr id="1" name=""/>
@@ -4896,6 +4910,106 @@
       </p:grpSpPr>
       <p:sp>
         <p:nvSpPr>
+          <p:cNvPr id="13" name="Rectangle 10">
+            <a:extLst>
+              <a:ext uri="{FF2B5EF4-FFF2-40B4-BE49-F238E27FC236}">
+                <a16:creationId xmlns:a16="http://schemas.microsoft.com/office/drawing/2014/main" id="{ADF2AA3E-C714-4E8D-9F46-9E6FFF7FBA36}"/>
+              </a:ext>
+              <a:ext uri="{C183D7F6-B498-43B3-948B-1728B52AA6E4}">
+                <adec:decorative xmlns:adec="http://schemas.microsoft.com/office/drawing/2017/decorative" val="1"/>
+              </a:ext>
+            </a:extLst>
+          </p:cNvPr>
+          <p:cNvSpPr>
+            <a:spLocks noGrp="1" noRot="1" noChangeAspect="1" noMove="1" noResize="1" noEditPoints="1" noAdjustHandles="1" noChangeArrowheads="1" noChangeShapeType="1" noTextEdit="1"/>
+          </p:cNvSpPr>
+          <p:nvPr>
+            <p:extLst>
+              <p:ext uri="{386F3935-93C4-4BCD-93E2-E3B085C9AB24}">
+                <p16:designElem xmlns:p16="http://schemas.microsoft.com/office/powerpoint/2015/main" val="1"/>
+              </p:ext>
+            </p:extLst>
+          </p:nvPr>
+        </p:nvSpPr>
+        <p:spPr bwMode="ltGray">
+          <a:xfrm>
+            <a:off x="393308" y="338328"/>
+            <a:ext cx="11438793" cy="1577725"/>
+          </a:xfrm>
+          <a:prstGeom prst="rect">
+            <a:avLst/>
+          </a:prstGeom>
+          <a:solidFill>
+            <a:schemeClr val="tx1">
+              <a:lumMod val="75000"/>
+              <a:lumOff val="25000"/>
+            </a:schemeClr>
+          </a:solidFill>
+          <a:ln w="127000" cap="sq" cmpd="thinThick">
+            <a:solidFill>
+              <a:schemeClr val="tx1">
+                <a:lumMod val="75000"/>
+                <a:lumOff val="25000"/>
+              </a:schemeClr>
+            </a:solidFill>
+          </a:ln>
+        </p:spPr>
+        <p:style>
+          <a:lnRef idx="2">
+            <a:schemeClr val="accent1">
+              <a:shade val="50000"/>
+            </a:schemeClr>
+          </a:lnRef>
+          <a:fillRef idx="1">
+            <a:schemeClr val="accent1"/>
+          </a:fillRef>
+          <a:effectRef idx="0">
+            <a:schemeClr val="accent1"/>
+          </a:effectRef>
+          <a:fontRef idx="minor">
+            <a:schemeClr val="lt1"/>
+          </a:fontRef>
+        </p:style>
+        <p:txBody>
+          <a:bodyPr rtlCol="0" anchor="ctr"/>
+          <a:lstStyle/>
+          <a:p>
+            <a:pPr marL="0" marR="0" lvl="0" indent="0" algn="ctr" defTabSz="914400" rtl="0" eaLnBrk="1" fontAlgn="auto" latinLnBrk="0" hangingPunct="1">
+              <a:lnSpc>
+                <a:spcPct val="100000"/>
+              </a:lnSpc>
+              <a:spcBef>
+                <a:spcPts val="0"/>
+              </a:spcBef>
+              <a:spcAft>
+                <a:spcPts val="0"/>
+              </a:spcAft>
+              <a:buClrTx/>
+              <a:buSzTx/>
+              <a:buFontTx/>
+              <a:buNone/>
+              <a:tabLst/>
+              <a:defRPr/>
+            </a:pPr>
+            <a:endParaRPr kumimoji="0" lang="en-US" sz="1800" b="0" i="0" u="none" strike="noStrike" kern="1200" cap="none" spc="0" normalizeH="0" baseline="0" noProof="0">
+              <a:ln>
+                <a:noFill/>
+              </a:ln>
+              <a:solidFill>
+                <a:prstClr val="white"/>
+              </a:solidFill>
+              <a:effectLst/>
+              <a:uLnTx/>
+              <a:uFillTx/>
+              <a:latin typeface="Calibri" panose="020F0502020204030204"/>
+              <a:ea typeface="+mn-ea"/>
+              <a:cs typeface="+mn-cs"/>
+            </a:endParaRPr>
+          </a:p>
+        </p:txBody>
+      </p:sp>
+      <p:sp>
+        <p:nvSpPr>
           <p:cNvPr id="2" name="Titre 1">
             <a:extLst>
               <a:ext uri="{FF2B5EF4-FFF2-40B4-BE49-F238E27FC236}">
@@ -4910,15 +5024,129 @@
             <p:ph type="title"/>
           </p:nvPr>
         </p:nvSpPr>
-        <p:spPr/>
-        <p:txBody>
-          <a:bodyPr/>
-          <a:lstStyle/>
-          <a:p>
-            <a:r>
-              <a:rPr lang="fr-FR" dirty="0"/>
+        <p:spPr>
+          <a:xfrm>
+            <a:off x="838200" y="467541"/>
+            <a:ext cx="10515600" cy="1325563"/>
+          </a:xfrm>
+        </p:spPr>
+        <p:txBody>
+          <a:bodyPr>
+            <a:normAutofit/>
+          </a:bodyPr>
+          <a:lstStyle/>
+          <a:p>
+            <a:r>
+              <a:rPr lang="fr-FR">
+                <a:solidFill>
+                  <a:schemeClr val="bg1"/>
+                </a:solidFill>
+              </a:rPr>
               <a:t>Le temps passé par tâche par personne</a:t>
             </a:r>
+          </a:p>
+        </p:txBody>
+      </p:sp>
+      <p:sp>
+        <p:nvSpPr>
+          <p:cNvPr id="4" name="Espace réservé du pied de page 3">
+            <a:extLst>
+              <a:ext uri="{FF2B5EF4-FFF2-40B4-BE49-F238E27FC236}">
+                <a16:creationId xmlns:a16="http://schemas.microsoft.com/office/drawing/2014/main" id="{3011EB7F-7B3C-8223-BD90-A08CD5953EB7}"/>
+              </a:ext>
+            </a:extLst>
+          </p:cNvPr>
+          <p:cNvSpPr>
+            <a:spLocks noGrp="1"/>
+          </p:cNvSpPr>
+          <p:nvPr>
+            <p:ph type="ftr" sz="quarter" idx="11"/>
+          </p:nvPr>
+        </p:nvSpPr>
+        <p:spPr>
+          <a:xfrm>
+            <a:off x="4038600" y="6356350"/>
+            <a:ext cx="4114800" cy="365125"/>
+          </a:xfrm>
+        </p:spPr>
+        <p:txBody>
+          <a:bodyPr>
+            <a:normAutofit/>
+          </a:bodyPr>
+          <a:lstStyle/>
+          <a:p>
+            <a:pPr>
+              <a:spcAft>
+                <a:spcPts val="600"/>
+              </a:spcAft>
+            </a:pPr>
+            <a:r>
+              <a:rPr lang="en-US">
+                <a:solidFill>
+                  <a:srgbClr val="898989"/>
+                </a:solidFill>
+              </a:rPr>
+              <a:t>Aymeric Beck, Antoine Buirey, Tanguy Horard</a:t>
+            </a:r>
+            <a:endParaRPr lang="fr-FR">
+              <a:solidFill>
+                <a:srgbClr val="898989"/>
+              </a:solidFill>
+            </a:endParaRPr>
+          </a:p>
+        </p:txBody>
+      </p:sp>
+      <p:sp>
+        <p:nvSpPr>
+          <p:cNvPr id="5" name="Espace réservé du numéro de diapositive 4">
+            <a:extLst>
+              <a:ext uri="{FF2B5EF4-FFF2-40B4-BE49-F238E27FC236}">
+                <a16:creationId xmlns:a16="http://schemas.microsoft.com/office/drawing/2014/main" id="{16B822C2-28A6-F6E0-3357-6600E094D6E6}"/>
+              </a:ext>
+            </a:extLst>
+          </p:cNvPr>
+          <p:cNvSpPr>
+            <a:spLocks noGrp="1"/>
+          </p:cNvSpPr>
+          <p:nvPr>
+            <p:ph type="sldNum" sz="quarter" idx="12"/>
+          </p:nvPr>
+        </p:nvSpPr>
+        <p:spPr>
+          <a:xfrm>
+            <a:off x="8610600" y="6356350"/>
+            <a:ext cx="2743200" cy="365125"/>
+          </a:xfrm>
+        </p:spPr>
+        <p:txBody>
+          <a:bodyPr>
+            <a:normAutofit/>
+          </a:bodyPr>
+          <a:lstStyle/>
+          <a:p>
+            <a:pPr>
+              <a:spcAft>
+                <a:spcPts val="600"/>
+              </a:spcAft>
+            </a:pPr>
+            <a:fld id="{E97370F3-AA7C-4DAF-B65C-4EE554D7E146}" type="slidenum">
+              <a:rPr lang="fr-FR">
+                <a:solidFill>
+                  <a:srgbClr val="898989"/>
+                </a:solidFill>
+              </a:rPr>
+              <a:pPr>
+                <a:spcAft>
+                  <a:spcPts val="600"/>
+                </a:spcAft>
+              </a:pPr>
+              <a:t>3</a:t>
+            </a:fld>
+            <a:endParaRPr lang="fr-FR">
+              <a:solidFill>
+                <a:srgbClr val="898989"/>
+              </a:solidFill>
+            </a:endParaRPr>
           </a:p>
         </p:txBody>
       </p:sp>
@@ -4938,14 +5166,14 @@
             <p:ph idx="1"/>
             <p:extLst>
               <p:ext uri="{D42A27DB-BD31-4B8C-83A1-F6EECF244321}">
-                <p14:modId xmlns:p14="http://schemas.microsoft.com/office/powerpoint/2010/main" val="3005519888"/>
+                <p14:modId xmlns:p14="http://schemas.microsoft.com/office/powerpoint/2010/main" val="822013257"/>
               </p:ext>
             </p:extLst>
           </p:nvPr>
         </p:nvGraphicFramePr>
         <p:xfrm>
-          <a:off x="838200" y="1825625"/>
-          <a:ext cx="10515600" cy="3403600"/>
+          <a:off x="838200" y="2417515"/>
+          <a:ext cx="10515601" cy="3667415"/>
         </p:xfrm>
         <a:graphic>
           <a:graphicData uri="http://schemas.openxmlformats.org/drawingml/2006/table">
@@ -4954,28 +5182,28 @@
                 <a:tableStyleId>{5C22544A-7EE6-4342-B048-85BDC9FD1C3A}</a:tableStyleId>
               </a:tblPr>
               <a:tblGrid>
-                <a:gridCol w="2628900">
+                <a:gridCol w="2649197">
                   <a:extLst>
                     <a:ext uri="{9D8B030D-6E8A-4147-A177-3AD203B41FA5}">
                       <a16:colId xmlns:a16="http://schemas.microsoft.com/office/drawing/2014/main" val="1173355300"/>
                     </a:ext>
                   </a:extLst>
                 </a:gridCol>
-                <a:gridCol w="2628900">
+                <a:gridCol w="2568010">
                   <a:extLst>
                     <a:ext uri="{9D8B030D-6E8A-4147-A177-3AD203B41FA5}">
                       <a16:colId xmlns:a16="http://schemas.microsoft.com/office/drawing/2014/main" val="1840359330"/>
                     </a:ext>
                   </a:extLst>
                 </a:gridCol>
-                <a:gridCol w="2628900">
+                <a:gridCol w="2649197">
                   <a:extLst>
                     <a:ext uri="{9D8B030D-6E8A-4147-A177-3AD203B41FA5}">
                       <a16:colId xmlns:a16="http://schemas.microsoft.com/office/drawing/2014/main" val="2485657318"/>
                     </a:ext>
                   </a:extLst>
                 </a:gridCol>
-                <a:gridCol w="2628900">
+                <a:gridCol w="2649197">
                   <a:extLst>
                     <a:ext uri="{9D8B030D-6E8A-4147-A177-3AD203B41FA5}">
                       <a16:colId xmlns:a16="http://schemas.microsoft.com/office/drawing/2014/main" val="3900884781"/>
@@ -4983,16 +5211,16 @@
                   </a:extLst>
                 </a:gridCol>
               </a:tblGrid>
-              <a:tr h="370840">
+              <a:tr h="405443">
                 <a:tc>
                   <a:txBody>
                     <a:bodyPr/>
                     <a:lstStyle/>
                     <a:p>
-                      <a:endParaRPr lang="fr-FR" dirty="0"/>
+                      <a:endParaRPr lang="fr-FR" sz="1800"/>
                     </a:p>
                   </a:txBody>
-                  <a:tcPr/>
+                  <a:tcPr marL="92146" marR="92146" marT="46073" marB="46073"/>
                 </a:tc>
                 <a:tc>
                   <a:txBody>
@@ -5000,12 +5228,12 @@
                     <a:lstStyle/>
                     <a:p>
                       <a:r>
-                        <a:rPr lang="fr-FR" dirty="0"/>
+                        <a:rPr lang="fr-FR" sz="1800"/>
                         <a:t>Aymeric Beck</a:t>
                       </a:r>
                     </a:p>
                   </a:txBody>
-                  <a:tcPr/>
+                  <a:tcPr marL="92146" marR="92146" marT="46073" marB="46073"/>
                 </a:tc>
                 <a:tc>
                   <a:txBody>
@@ -5013,12 +5241,12 @@
                     <a:lstStyle/>
                     <a:p>
                       <a:r>
-                        <a:rPr lang="fr-FR" dirty="0"/>
+                        <a:rPr lang="fr-FR" sz="1800"/>
                         <a:t>Antoine Buirey</a:t>
                       </a:r>
                     </a:p>
                   </a:txBody>
-                  <a:tcPr/>
+                  <a:tcPr marL="92146" marR="92146" marT="46073" marB="46073"/>
                 </a:tc>
                 <a:tc>
                   <a:txBody>
@@ -5026,17 +5254,12 @@
                     <a:lstStyle/>
                     <a:p>
                       <a:r>
-                        <a:rPr lang="fr-FR" dirty="0"/>
-                        <a:t>Tanguy </a:t>
+                        <a:rPr lang="fr-FR" sz="1800"/>
+                        <a:t>Tanguy Horard</a:t>
                       </a:r>
-                      <a:r>
-                        <a:rPr lang="fr-FR" dirty="0" err="1"/>
-                        <a:t>Horard</a:t>
-                      </a:r>
-                      <a:endParaRPr lang="fr-FR" dirty="0"/>
                     </a:p>
                   </a:txBody>
-                  <a:tcPr/>
+                  <a:tcPr marL="92146" marR="92146" marT="46073" marB="46073"/>
                 </a:tc>
                 <a:extLst>
                   <a:ext uri="{0D108BD9-81ED-4DB2-BD59-A6C34878D82A}">
@@ -5044,49 +5267,49 @@
                   </a:ext>
                 </a:extLst>
               </a:tr>
-              <a:tr h="370840">
+              <a:tr h="405443">
                 <a:tc>
                   <a:txBody>
                     <a:bodyPr/>
                     <a:lstStyle/>
                     <a:p>
                       <a:r>
-                        <a:rPr lang="fr-FR" dirty="0"/>
+                        <a:rPr lang="fr-FR" sz="1800"/>
                         <a:t>R1.11 - Flyer</a:t>
                       </a:r>
                     </a:p>
                   </a:txBody>
-                  <a:tcPr/>
+                  <a:tcPr marL="92146" marR="92146" marT="46073" marB="46073"/>
                 </a:tc>
                 <a:tc>
                   <a:txBody>
                     <a:bodyPr/>
                     <a:lstStyle/>
                     <a:p>
-                      <a:endParaRPr lang="fr-FR" dirty="0"/>
+                      <a:endParaRPr lang="fr-FR" sz="1800"/>
                     </a:p>
                   </a:txBody>
-                  <a:tcPr/>
+                  <a:tcPr marL="92146" marR="92146" marT="46073" marB="46073"/>
                 </a:tc>
                 <a:tc>
                   <a:txBody>
                     <a:bodyPr/>
                     <a:lstStyle/>
                     <a:p>
-                      <a:endParaRPr lang="fr-FR" dirty="0"/>
+                      <a:endParaRPr lang="fr-FR" sz="1800"/>
                     </a:p>
                   </a:txBody>
-                  <a:tcPr/>
+                  <a:tcPr marL="92146" marR="92146" marT="46073" marB="46073"/>
                 </a:tc>
                 <a:tc>
                   <a:txBody>
                     <a:bodyPr/>
                     <a:lstStyle/>
                     <a:p>
-                      <a:endParaRPr lang="fr-FR"/>
+                      <a:endParaRPr lang="fr-FR" sz="1800"/>
                     </a:p>
                   </a:txBody>
-                  <a:tcPr/>
+                  <a:tcPr marL="92146" marR="92146" marT="46073" marB="46073"/>
                 </a:tc>
                 <a:extLst>
                   <a:ext uri="{0D108BD9-81ED-4DB2-BD59-A6C34878D82A}">
@@ -5094,49 +5317,49 @@
                   </a:ext>
                 </a:extLst>
               </a:tr>
-              <a:tr h="370840">
+              <a:tr h="405443">
                 <a:tc>
                   <a:txBody>
                     <a:bodyPr/>
                     <a:lstStyle/>
                     <a:p>
                       <a:r>
-                        <a:rPr lang="fr-FR" dirty="0"/>
+                        <a:rPr lang="fr-FR" sz="1800"/>
                         <a:t>R1.11 - Note d’intention</a:t>
                       </a:r>
                     </a:p>
                   </a:txBody>
-                  <a:tcPr/>
+                  <a:tcPr marL="92146" marR="92146" marT="46073" marB="46073"/>
                 </a:tc>
                 <a:tc>
                   <a:txBody>
                     <a:bodyPr/>
                     <a:lstStyle/>
                     <a:p>
-                      <a:endParaRPr lang="fr-FR"/>
+                      <a:endParaRPr lang="fr-FR" sz="1800"/>
                     </a:p>
                   </a:txBody>
-                  <a:tcPr/>
+                  <a:tcPr marL="92146" marR="92146" marT="46073" marB="46073"/>
                 </a:tc>
                 <a:tc>
                   <a:txBody>
                     <a:bodyPr/>
                     <a:lstStyle/>
                     <a:p>
-                      <a:endParaRPr lang="fr-FR" dirty="0"/>
+                      <a:endParaRPr lang="fr-FR" sz="1800"/>
                     </a:p>
                   </a:txBody>
-                  <a:tcPr/>
+                  <a:tcPr marL="92146" marR="92146" marT="46073" marB="46073"/>
                 </a:tc>
                 <a:tc>
                   <a:txBody>
                     <a:bodyPr/>
                     <a:lstStyle/>
                     <a:p>
-                      <a:endParaRPr lang="fr-FR"/>
+                      <a:endParaRPr lang="fr-FR" sz="1800"/>
                     </a:p>
                   </a:txBody>
-                  <a:tcPr/>
+                  <a:tcPr marL="92146" marR="92146" marT="46073" marB="46073"/>
                 </a:tc>
                 <a:extLst>
                   <a:ext uri="{0D108BD9-81ED-4DB2-BD59-A6C34878D82A}">
@@ -5144,29 +5367,29 @@
                   </a:ext>
                 </a:extLst>
               </a:tr>
-              <a:tr h="370840">
+              <a:tr h="681881">
                 <a:tc>
                   <a:txBody>
                     <a:bodyPr/>
                     <a:lstStyle/>
                     <a:p>
                       <a:r>
-                        <a:rPr lang="fr-FR" dirty="0"/>
+                        <a:rPr lang="fr-FR" sz="1800"/>
                         <a:t>R1.08 - Diagramme des tâches</a:t>
                       </a:r>
                     </a:p>
                   </a:txBody>
-                  <a:tcPr/>
+                  <a:tcPr marL="92146" marR="92146" marT="46073" marB="46073"/>
                 </a:tc>
                 <a:tc>
                   <a:txBody>
                     <a:bodyPr/>
                     <a:lstStyle/>
                     <a:p>
-                      <a:endParaRPr lang="fr-FR"/>
+                      <a:endParaRPr lang="fr-FR" sz="1800"/>
                     </a:p>
                   </a:txBody>
-                  <a:tcPr/>
+                  <a:tcPr marL="92146" marR="92146" marT="46073" marB="46073"/>
                 </a:tc>
                 <a:tc>
                   <a:txBody>
@@ -5174,22 +5397,22 @@
                     <a:lstStyle/>
                     <a:p>
                       <a:r>
-                        <a:rPr lang="fr-FR" dirty="0"/>
+                        <a:rPr lang="fr-FR" sz="1800"/>
                         <a:t>2h</a:t>
                       </a:r>
                     </a:p>
                   </a:txBody>
-                  <a:tcPr/>
+                  <a:tcPr marL="92146" marR="92146" marT="46073" marB="46073"/>
                 </a:tc>
                 <a:tc>
                   <a:txBody>
                     <a:bodyPr/>
                     <a:lstStyle/>
                     <a:p>
-                      <a:endParaRPr lang="fr-FR"/>
+                      <a:endParaRPr lang="fr-FR" sz="1800"/>
                     </a:p>
                   </a:txBody>
-                  <a:tcPr/>
+                  <a:tcPr marL="92146" marR="92146" marT="46073" marB="46073"/>
                 </a:tc>
                 <a:extLst>
                   <a:ext uri="{0D108BD9-81ED-4DB2-BD59-A6C34878D82A}">
@@ -5197,49 +5420,49 @@
                   </a:ext>
                 </a:extLst>
               </a:tr>
-              <a:tr h="370840">
+              <a:tr h="405443">
                 <a:tc>
                   <a:txBody>
                     <a:bodyPr/>
                     <a:lstStyle/>
                     <a:p>
                       <a:r>
-                        <a:rPr lang="fr-FR" dirty="0"/>
+                        <a:rPr lang="fr-FR" sz="1800"/>
                         <a:t>R1.08 - Note explicative</a:t>
                       </a:r>
                     </a:p>
                   </a:txBody>
-                  <a:tcPr/>
+                  <a:tcPr marL="92146" marR="92146" marT="46073" marB="46073"/>
                 </a:tc>
                 <a:tc>
                   <a:txBody>
                     <a:bodyPr/>
                     <a:lstStyle/>
                     <a:p>
-                      <a:endParaRPr lang="fr-FR"/>
+                      <a:endParaRPr lang="fr-FR" sz="1800"/>
                     </a:p>
                   </a:txBody>
-                  <a:tcPr/>
+                  <a:tcPr marL="92146" marR="92146" marT="46073" marB="46073"/>
                 </a:tc>
                 <a:tc>
                   <a:txBody>
                     <a:bodyPr/>
                     <a:lstStyle/>
                     <a:p>
-                      <a:endParaRPr lang="fr-FR" dirty="0"/>
+                      <a:endParaRPr lang="fr-FR" sz="1800"/>
                     </a:p>
                   </a:txBody>
-                  <a:tcPr/>
+                  <a:tcPr marL="92146" marR="92146" marT="46073" marB="46073"/>
                 </a:tc>
                 <a:tc>
                   <a:txBody>
                     <a:bodyPr/>
                     <a:lstStyle/>
                     <a:p>
-                      <a:endParaRPr lang="fr-FR"/>
+                      <a:endParaRPr lang="fr-FR" sz="1800"/>
                     </a:p>
                   </a:txBody>
-                  <a:tcPr/>
+                  <a:tcPr marL="92146" marR="92146" marT="46073" marB="46073"/>
                 </a:tc>
                 <a:extLst>
                   <a:ext uri="{0D108BD9-81ED-4DB2-BD59-A6C34878D82A}">
@@ -5247,29 +5470,29 @@
                   </a:ext>
                 </a:extLst>
               </a:tr>
-              <a:tr h="370840">
+              <a:tr h="681881">
                 <a:tc>
                   <a:txBody>
                     <a:bodyPr/>
                     <a:lstStyle/>
                     <a:p>
                       <a:r>
-                        <a:rPr lang="fr-FR" dirty="0"/>
+                        <a:rPr lang="fr-FR" sz="1800"/>
                         <a:t>R1.08 - Présentation PowerPoint</a:t>
                       </a:r>
                     </a:p>
                   </a:txBody>
-                  <a:tcPr/>
+                  <a:tcPr marL="92146" marR="92146" marT="46073" marB="46073"/>
                 </a:tc>
                 <a:tc>
                   <a:txBody>
                     <a:bodyPr/>
                     <a:lstStyle/>
                     <a:p>
-                      <a:endParaRPr lang="fr-FR"/>
+                      <a:endParaRPr lang="fr-FR" sz="1800"/>
                     </a:p>
                   </a:txBody>
-                  <a:tcPr/>
+                  <a:tcPr marL="92146" marR="92146" marT="46073" marB="46073"/>
                 </a:tc>
                 <a:tc>
                   <a:txBody>
@@ -5277,22 +5500,22 @@
                     <a:lstStyle/>
                     <a:p>
                       <a:r>
-                        <a:rPr lang="fr-FR" dirty="0"/>
+                        <a:rPr lang="fr-FR" sz="1800"/>
                         <a:t>1H30</a:t>
                       </a:r>
                     </a:p>
                   </a:txBody>
-                  <a:tcPr/>
+                  <a:tcPr marL="92146" marR="92146" marT="46073" marB="46073"/>
                 </a:tc>
                 <a:tc>
                   <a:txBody>
                     <a:bodyPr/>
                     <a:lstStyle/>
                     <a:p>
-                      <a:endParaRPr lang="fr-FR"/>
+                      <a:endParaRPr lang="fr-FR" sz="1800"/>
                     </a:p>
                   </a:txBody>
-                  <a:tcPr/>
+                  <a:tcPr marL="92146" marR="92146" marT="46073" marB="46073"/>
                 </a:tc>
                 <a:extLst>
                   <a:ext uri="{0D108BD9-81ED-4DB2-BD59-A6C34878D82A}">
@@ -5300,29 +5523,29 @@
                   </a:ext>
                 </a:extLst>
               </a:tr>
-              <a:tr h="370840">
+              <a:tr h="681881">
                 <a:tc>
                   <a:txBody>
                     <a:bodyPr/>
                     <a:lstStyle/>
                     <a:p>
                       <a:r>
-                        <a:rPr lang="fr-FR" dirty="0"/>
+                        <a:rPr lang="fr-FR" sz="1800"/>
                         <a:t>R1.02 - Site de présentation du BUT</a:t>
                       </a:r>
                     </a:p>
                   </a:txBody>
-                  <a:tcPr/>
+                  <a:tcPr marL="92146" marR="92146" marT="46073" marB="46073"/>
                 </a:tc>
                 <a:tc>
                   <a:txBody>
                     <a:bodyPr/>
                     <a:lstStyle/>
                     <a:p>
-                      <a:endParaRPr lang="fr-FR"/>
+                      <a:endParaRPr lang="fr-FR" sz="1800"/>
                     </a:p>
                   </a:txBody>
-                  <a:tcPr/>
+                  <a:tcPr marL="92146" marR="92146" marT="46073" marB="46073"/>
                 </a:tc>
                 <a:tc>
                   <a:txBody>
@@ -5330,22 +5553,22 @@
                     <a:lstStyle/>
                     <a:p>
                       <a:r>
-                        <a:rPr lang="fr-FR" dirty="0"/>
+                        <a:rPr lang="fr-FR" sz="1800"/>
                         <a:t>4H</a:t>
                       </a:r>
                     </a:p>
                   </a:txBody>
-                  <a:tcPr/>
+                  <a:tcPr marL="92146" marR="92146" marT="46073" marB="46073"/>
                 </a:tc>
                 <a:tc>
                   <a:txBody>
                     <a:bodyPr/>
                     <a:lstStyle/>
                     <a:p>
-                      <a:endParaRPr lang="fr-FR" dirty="0"/>
+                      <a:endParaRPr lang="fr-FR" sz="1800"/>
                     </a:p>
                   </a:txBody>
-                  <a:tcPr/>
+                  <a:tcPr marL="92146" marR="92146" marT="46073" marB="46073"/>
                 </a:tc>
                 <a:extLst>
                   <a:ext uri="{0D108BD9-81ED-4DB2-BD59-A6C34878D82A}">
@@ -5357,68 +5580,378 @@
           </a:graphicData>
         </a:graphic>
       </p:graphicFrame>
-      <p:sp>
-        <p:nvSpPr>
-          <p:cNvPr id="4" name="Espace réservé du pied de page 3">
-            <a:extLst>
-              <a:ext uri="{FF2B5EF4-FFF2-40B4-BE49-F238E27FC236}">
-                <a16:creationId xmlns:a16="http://schemas.microsoft.com/office/drawing/2014/main" id="{3011EB7F-7B3C-8223-BD90-A08CD5953EB7}"/>
-              </a:ext>
-            </a:extLst>
-          </p:cNvPr>
-          <p:cNvSpPr>
-            <a:spLocks noGrp="1"/>
-          </p:cNvSpPr>
-          <p:nvPr>
-            <p:ph type="ftr" sz="quarter" idx="11"/>
-          </p:nvPr>
-        </p:nvSpPr>
-        <p:spPr/>
-        <p:txBody>
-          <a:bodyPr/>
-          <a:lstStyle/>
-          <a:p>
-            <a:r>
-              <a:rPr lang="en-US"/>
-              <a:t>Aymeric Beck, Antoine Buirey, Tanguy Horard</a:t>
-            </a:r>
-            <a:endParaRPr lang="fr-FR"/>
-          </a:p>
-        </p:txBody>
-      </p:sp>
-      <p:sp>
-        <p:nvSpPr>
-          <p:cNvPr id="5" name="Espace réservé du numéro de diapositive 4">
-            <a:extLst>
-              <a:ext uri="{FF2B5EF4-FFF2-40B4-BE49-F238E27FC236}">
-                <a16:creationId xmlns:a16="http://schemas.microsoft.com/office/drawing/2014/main" id="{16B822C2-28A6-F6E0-3357-6600E094D6E6}"/>
-              </a:ext>
-            </a:extLst>
-          </p:cNvPr>
-          <p:cNvSpPr>
-            <a:spLocks noGrp="1"/>
-          </p:cNvSpPr>
-          <p:nvPr>
-            <p:ph type="sldNum" sz="quarter" idx="12"/>
-          </p:nvPr>
-        </p:nvSpPr>
-        <p:spPr/>
-        <p:txBody>
-          <a:bodyPr/>
-          <a:lstStyle/>
-          <a:p>
-            <a:fld id="{E97370F3-AA7C-4DAF-B65C-4EE554D7E146}" type="slidenum">
-              <a:rPr lang="fr-FR" smtClean="0"/>
-              <a:t>3</a:t>
-            </a:fld>
-            <a:endParaRPr lang="fr-FR"/>
-          </a:p>
-        </p:txBody>
-      </p:sp>
     </p:spTree>
     <p:extLst>
       <p:ext uri="{BB962C8B-B14F-4D97-AF65-F5344CB8AC3E}">
         <p14:creationId xmlns:p14="http://schemas.microsoft.com/office/powerpoint/2010/main" val="2257177902"/>
+      </p:ext>
+    </p:extLst>
+  </p:cSld>
+  <p:clrMapOvr>
+    <a:masterClrMapping/>
+  </p:clrMapOvr>
+</p:sld>
+</file>
+
+<file path=ppt/slides/slide4.xml><?xml version="1.0" encoding="utf-8"?>
+<p:sld xmlns:a="http://schemas.openxmlformats.org/drawingml/2006/main" xmlns:r="http://schemas.openxmlformats.org/officeDocument/2006/relationships" xmlns:p="http://schemas.openxmlformats.org/presentationml/2006/main">
+  <p:cSld>
+    <p:bg>
+      <p:bgPr>
+        <a:solidFill>
+          <a:schemeClr val="bg1"/>
+        </a:solidFill>
+        <a:effectLst/>
+      </p:bgPr>
+    </p:bg>
+    <p:spTree>
+      <p:nvGrpSpPr>
+        <p:cNvPr id="1" name=""/>
+        <p:cNvGrpSpPr/>
+        <p:nvPr/>
+      </p:nvGrpSpPr>
+      <p:grpSpPr>
+        <a:xfrm>
+          <a:off x="0" y="0"/>
+          <a:ext cx="0" cy="0"/>
+          <a:chOff x="0" y="0"/>
+          <a:chExt cx="0" cy="0"/>
+        </a:xfrm>
+      </p:grpSpPr>
+      <p:sp>
+        <p:nvSpPr>
+          <p:cNvPr id="10" name="Rectangle 9">
+            <a:extLst>
+              <a:ext uri="{FF2B5EF4-FFF2-40B4-BE49-F238E27FC236}">
+                <a16:creationId xmlns:a16="http://schemas.microsoft.com/office/drawing/2014/main" id="{488333BA-AE6E-427A-9B16-A39C8073F4EB}"/>
+              </a:ext>
+              <a:ext uri="{C183D7F6-B498-43B3-948B-1728B52AA6E4}">
+                <adec:decorative xmlns:adec="http://schemas.microsoft.com/office/drawing/2017/decorative" val="1"/>
+              </a:ext>
+            </a:extLst>
+          </p:cNvPr>
+          <p:cNvSpPr>
+            <a:spLocks noGrp="1" noRot="1" noChangeAspect="1" noMove="1" noResize="1" noEditPoints="1" noAdjustHandles="1" noChangeArrowheads="1" noChangeShapeType="1" noTextEdit="1"/>
+          </p:cNvSpPr>
+          <p:nvPr>
+            <p:extLst>
+              <p:ext uri="{386F3935-93C4-4BCD-93E2-E3B085C9AB24}">
+                <p16:designElem xmlns:p16="http://schemas.microsoft.com/office/powerpoint/2015/main" val="1"/>
+              </p:ext>
+            </p:extLst>
+          </p:nvPr>
+        </p:nvSpPr>
+        <p:spPr>
+          <a:xfrm>
+            <a:off x="0" y="0"/>
+            <a:ext cx="12188952" cy="6858000"/>
+          </a:xfrm>
+          <a:prstGeom prst="rect">
+            <a:avLst/>
+          </a:prstGeom>
+          <a:solidFill>
+            <a:schemeClr val="tx1">
+              <a:lumMod val="75000"/>
+              <a:lumOff val="25000"/>
+            </a:schemeClr>
+          </a:solidFill>
+          <a:ln>
+            <a:noFill/>
+          </a:ln>
+        </p:spPr>
+        <p:style>
+          <a:lnRef idx="2">
+            <a:schemeClr val="accent1">
+              <a:shade val="50000"/>
+            </a:schemeClr>
+          </a:lnRef>
+          <a:fillRef idx="1">
+            <a:schemeClr val="accent1"/>
+          </a:fillRef>
+          <a:effectRef idx="0">
+            <a:schemeClr val="accent1"/>
+          </a:effectRef>
+          <a:fontRef idx="minor">
+            <a:schemeClr val="lt1"/>
+          </a:fontRef>
+        </p:style>
+        <p:txBody>
+          <a:bodyPr rtlCol="0" anchor="ctr"/>
+          <a:lstStyle/>
+          <a:p>
+            <a:pPr algn="ctr"/>
+            <a:endParaRPr lang="en-US"/>
+          </a:p>
+        </p:txBody>
+      </p:sp>
+      <p:sp>
+        <p:nvSpPr>
+          <p:cNvPr id="12" name="Rectangle 11">
+            <a:extLst>
+              <a:ext uri="{FF2B5EF4-FFF2-40B4-BE49-F238E27FC236}">
+                <a16:creationId xmlns:a16="http://schemas.microsoft.com/office/drawing/2014/main" id="{F98ED85F-DCEE-4B50-802E-71A6E3E12B04}"/>
+              </a:ext>
+              <a:ext uri="{C183D7F6-B498-43B3-948B-1728B52AA6E4}">
+                <adec:decorative xmlns:adec="http://schemas.microsoft.com/office/drawing/2017/decorative" val="1"/>
+              </a:ext>
+            </a:extLst>
+          </p:cNvPr>
+          <p:cNvSpPr>
+            <a:spLocks noGrp="1" noRot="1" noChangeAspect="1" noMove="1" noResize="1" noEditPoints="1" noAdjustHandles="1" noChangeArrowheads="1" noChangeShapeType="1" noTextEdit="1"/>
+          </p:cNvSpPr>
+          <p:nvPr>
+            <p:extLst>
+              <p:ext uri="{386F3935-93C4-4BCD-93E2-E3B085C9AB24}">
+                <p16:designElem xmlns:p16="http://schemas.microsoft.com/office/powerpoint/2015/main" val="1"/>
+              </p:ext>
+            </p:extLst>
+          </p:nvPr>
+        </p:nvSpPr>
+        <p:spPr bwMode="ltGray">
+          <a:xfrm>
+            <a:off x="321564" y="320040"/>
+            <a:ext cx="11548872" cy="6217920"/>
+          </a:xfrm>
+          <a:prstGeom prst="rect">
+            <a:avLst/>
+          </a:prstGeom>
+          <a:solidFill>
+            <a:schemeClr val="bg1"/>
+          </a:solidFill>
+          <a:ln w="127000" cap="sq" cmpd="thinThick">
+            <a:solidFill>
+              <a:schemeClr val="bg1"/>
+            </a:solidFill>
+          </a:ln>
+        </p:spPr>
+        <p:style>
+          <a:lnRef idx="2">
+            <a:schemeClr val="accent1">
+              <a:shade val="50000"/>
+            </a:schemeClr>
+          </a:lnRef>
+          <a:fillRef idx="1">
+            <a:schemeClr val="accent1"/>
+          </a:fillRef>
+          <a:effectRef idx="0">
+            <a:schemeClr val="accent1"/>
+          </a:effectRef>
+          <a:fontRef idx="minor">
+            <a:schemeClr val="lt1"/>
+          </a:fontRef>
+        </p:style>
+        <p:txBody>
+          <a:bodyPr rtlCol="0" anchor="ctr"/>
+          <a:lstStyle/>
+          <a:p>
+            <a:pPr algn="ctr"/>
+            <a:endParaRPr lang="en-US"/>
+          </a:p>
+        </p:txBody>
+      </p:sp>
+      <p:sp>
+        <p:nvSpPr>
+          <p:cNvPr id="2" name="Titre 1">
+            <a:extLst>
+              <a:ext uri="{FF2B5EF4-FFF2-40B4-BE49-F238E27FC236}">
+                <a16:creationId xmlns:a16="http://schemas.microsoft.com/office/drawing/2014/main" id="{02801C38-4A43-8F20-9086-1386B7D5249B}"/>
+              </a:ext>
+            </a:extLst>
+          </p:cNvPr>
+          <p:cNvSpPr>
+            <a:spLocks noGrp="1"/>
+          </p:cNvSpPr>
+          <p:nvPr>
+            <p:ph type="title"/>
+          </p:nvPr>
+        </p:nvSpPr>
+        <p:spPr>
+          <a:xfrm>
+            <a:off x="838200" y="631825"/>
+            <a:ext cx="10515600" cy="1325563"/>
+          </a:xfrm>
+        </p:spPr>
+        <p:txBody>
+          <a:bodyPr>
+            <a:normAutofit/>
+          </a:bodyPr>
+          <a:lstStyle/>
+          <a:p>
+            <a:r>
+              <a:rPr lang="fr-FR" dirty="0"/>
+              <a:t>La Note explicative</a:t>
+            </a:r>
+          </a:p>
+        </p:txBody>
+      </p:sp>
+      <p:sp>
+        <p:nvSpPr>
+          <p:cNvPr id="3" name="Espace réservé du contenu 2">
+            <a:extLst>
+              <a:ext uri="{FF2B5EF4-FFF2-40B4-BE49-F238E27FC236}">
+                <a16:creationId xmlns:a16="http://schemas.microsoft.com/office/drawing/2014/main" id="{CCA5D217-C75C-2144-AD2A-C8611EB3D0A5}"/>
+              </a:ext>
+            </a:extLst>
+          </p:cNvPr>
+          <p:cNvSpPr>
+            <a:spLocks noGrp="1"/>
+          </p:cNvSpPr>
+          <p:nvPr>
+            <p:ph idx="1"/>
+          </p:nvPr>
+        </p:nvSpPr>
+        <p:spPr>
+          <a:xfrm>
+            <a:off x="838200" y="2057400"/>
+            <a:ext cx="10515600" cy="3871762"/>
+          </a:xfrm>
+        </p:spPr>
+        <p:txBody>
+          <a:bodyPr>
+            <a:normAutofit fontScale="92500" lnSpcReduction="10000"/>
+          </a:bodyPr>
+          <a:lstStyle/>
+          <a:p>
+            <a:pPr marL="0" indent="0" algn="just">
+              <a:lnSpc>
+                <a:spcPct val="107000"/>
+              </a:lnSpc>
+              <a:spcAft>
+                <a:spcPts val="800"/>
+              </a:spcAft>
+              <a:buNone/>
+            </a:pPr>
+            <a:r>
+              <a:rPr lang="fr-FR" sz="1800" dirty="0">
+                <a:effectLst/>
+                <a:latin typeface="Calibri" panose="020F0502020204030204" pitchFamily="34" charset="0"/>
+                <a:ea typeface="Calibri" panose="020F0502020204030204" pitchFamily="34" charset="0"/>
+                <a:cs typeface="Times New Roman" panose="02020603050405020304" pitchFamily="18" charset="0"/>
+              </a:rPr>
+              <a:t>Pour le contenu du site, toutes les indications étaient données dans le sujet (présenter les SAE, présenter les compétences, faire un glossaire, …). Un morceau de la structure nous était également fourni à savoir faire un menu pour naviguer facilement à travers les différentes rubriques. D’autres choses étaient imposées tels que le responsive design dont on reparlera ainsi que la conformité aux standards du W3C. pour l’aspect graphique, nous avons voulu rester très sobre sans fioriture inutile qui aurait pu amoindrir la compréhension générale du site déjà chargé en information mais également pour rester le plus fidèle à la charte graphique de l’IUT d’Aix-Marseille. Pour les choix techniques, nous avons décidé d’utiliser le Framework bootstrap afin d’avoir une bonne gestion de la mise en page du site et de facilité la mise en place du responsive design. Nous avons également fait le choix d’utiliser un fichier CSS supplémentaire pour des modifications qui n’étaient pas disponible via les classes de bootstrap ou qui étaient trop compliqué à mettre en place. Dans cette SAE, nous n’avons eu que deux problèmes, mais ce sont des problèmes majeur e quelque sorte. Le premier qui a mis presque une semaine à être résolu concerne bootstrap en lui-même. Nous avions la mauvaise version de bootstrap installé (version 4 installé au lieu de la version 5). De ce fait, tous ce que nous faisions ne marchait pas car ce n’était évidemment pas la bonne version. Le second problème majeur concerne cette fois ci le responsive design. En effet notre menu, réalisé grâce aux classes navbar de bootstrap, disparaissait lors du rétrécissement de l’écran et c’est notamment une des raisons pour laquelle nous avons utilisé un fichier CSS tierce. </a:t>
+            </a:r>
+          </a:p>
+        </p:txBody>
+      </p:sp>
+      <p:sp>
+        <p:nvSpPr>
+          <p:cNvPr id="4" name="Espace réservé du pied de page 3">
+            <a:extLst>
+              <a:ext uri="{FF2B5EF4-FFF2-40B4-BE49-F238E27FC236}">
+                <a16:creationId xmlns:a16="http://schemas.microsoft.com/office/drawing/2014/main" id="{6B5E5D94-0798-7348-0D5C-E6DAA42AEF48}"/>
+              </a:ext>
+            </a:extLst>
+          </p:cNvPr>
+          <p:cNvSpPr>
+            <a:spLocks noGrp="1"/>
+          </p:cNvSpPr>
+          <p:nvPr>
+            <p:ph type="ftr" sz="quarter" idx="11"/>
+          </p:nvPr>
+        </p:nvSpPr>
+        <p:spPr>
+          <a:xfrm>
+            <a:off x="4038600" y="6077585"/>
+            <a:ext cx="4114800" cy="365125"/>
+          </a:xfrm>
+        </p:spPr>
+        <p:txBody>
+          <a:bodyPr>
+            <a:normAutofit/>
+          </a:bodyPr>
+          <a:lstStyle/>
+          <a:p>
+            <a:pPr>
+              <a:spcAft>
+                <a:spcPts val="600"/>
+              </a:spcAft>
+            </a:pPr>
+            <a:r>
+              <a:rPr lang="en-US">
+                <a:solidFill>
+                  <a:schemeClr val="tx1">
+                    <a:lumMod val="75000"/>
+                    <a:lumOff val="25000"/>
+                  </a:schemeClr>
+                </a:solidFill>
+              </a:rPr>
+              <a:t>Aymeric Beck, Antoine Buirey, Tanguy Horard</a:t>
+            </a:r>
+            <a:endParaRPr lang="fr-FR">
+              <a:solidFill>
+                <a:schemeClr val="tx1">
+                  <a:lumMod val="75000"/>
+                  <a:lumOff val="25000"/>
+                </a:schemeClr>
+              </a:solidFill>
+            </a:endParaRPr>
+          </a:p>
+        </p:txBody>
+      </p:sp>
+      <p:sp>
+        <p:nvSpPr>
+          <p:cNvPr id="5" name="Espace réservé du numéro de diapositive 4">
+            <a:extLst>
+              <a:ext uri="{FF2B5EF4-FFF2-40B4-BE49-F238E27FC236}">
+                <a16:creationId xmlns:a16="http://schemas.microsoft.com/office/drawing/2014/main" id="{1BFF5AE7-092F-38ED-E7FE-CB54D8BD1A74}"/>
+              </a:ext>
+            </a:extLst>
+          </p:cNvPr>
+          <p:cNvSpPr>
+            <a:spLocks noGrp="1"/>
+          </p:cNvSpPr>
+          <p:nvPr>
+            <p:ph type="sldNum" sz="quarter" idx="12"/>
+          </p:nvPr>
+        </p:nvSpPr>
+        <p:spPr>
+          <a:xfrm>
+            <a:off x="8610600" y="6077585"/>
+            <a:ext cx="2743200" cy="365125"/>
+          </a:xfrm>
+        </p:spPr>
+        <p:txBody>
+          <a:bodyPr>
+            <a:normAutofit/>
+          </a:bodyPr>
+          <a:lstStyle/>
+          <a:p>
+            <a:pPr>
+              <a:spcAft>
+                <a:spcPts val="600"/>
+              </a:spcAft>
+            </a:pPr>
+            <a:fld id="{E97370F3-AA7C-4DAF-B65C-4EE554D7E146}" type="slidenum">
+              <a:rPr lang="fr-FR">
+                <a:solidFill>
+                  <a:schemeClr val="tx1">
+                    <a:lumMod val="75000"/>
+                    <a:lumOff val="25000"/>
+                  </a:schemeClr>
+                </a:solidFill>
+              </a:rPr>
+              <a:pPr>
+                <a:spcAft>
+                  <a:spcPts val="600"/>
+                </a:spcAft>
+              </a:pPr>
+              <a:t>4</a:t>
+            </a:fld>
+            <a:endParaRPr lang="fr-FR">
+              <a:solidFill>
+                <a:schemeClr val="tx1">
+                  <a:lumMod val="75000"/>
+                  <a:lumOff val="25000"/>
+                </a:schemeClr>
+              </a:solidFill>
+            </a:endParaRPr>
+          </a:p>
+        </p:txBody>
+      </p:sp>
+    </p:spTree>
+    <p:extLst>
+      <p:ext uri="{BB962C8B-B14F-4D97-AF65-F5344CB8AC3E}">
+        <p14:creationId xmlns:p14="http://schemas.microsoft.com/office/powerpoint/2010/main" val="2606538270"/>
       </p:ext>
     </p:extLst>
   </p:cSld>

--- a/Aymeric Beck Antoine Buirey Tanguy Horard.pptx
+++ b/Aymeric Beck Antoine Buirey Tanguy Horard.pptx
@@ -5166,7 +5166,7 @@
             <p:ph idx="1"/>
             <p:extLst>
               <p:ext uri="{D42A27DB-BD31-4B8C-83A1-F6EECF244321}">
-                <p14:modId xmlns:p14="http://schemas.microsoft.com/office/powerpoint/2010/main" val="822013257"/>
+                <p14:modId xmlns:p14="http://schemas.microsoft.com/office/powerpoint/2010/main" val="2666793233"/>
               </p:ext>
             </p:extLst>
           </p:nvPr>
@@ -5397,7 +5397,7 @@
                     <a:lstStyle/>
                     <a:p>
                       <a:r>
-                        <a:rPr lang="fr-FR" sz="1800"/>
+                        <a:rPr lang="fr-FR" sz="1800" dirty="0"/>
                         <a:t>2h</a:t>
                       </a:r>
                     </a:p>
@@ -5500,8 +5500,8 @@
                     <a:lstStyle/>
                     <a:p>
                       <a:r>
-                        <a:rPr lang="fr-FR" sz="1800"/>
-                        <a:t>1H30</a:t>
+                        <a:rPr lang="fr-FR" sz="1800" dirty="0"/>
+                        <a:t>45mn</a:t>
                       </a:r>
                     </a:p>
                   </a:txBody>
@@ -5553,8 +5553,8 @@
                     <a:lstStyle/>
                     <a:p>
                       <a:r>
-                        <a:rPr lang="fr-FR" sz="1800"/>
-                        <a:t>4H</a:t>
+                        <a:rPr lang="fr-FR" sz="1800" dirty="0"/>
+                        <a:t>4h</a:t>
                       </a:r>
                     </a:p>
                   </a:txBody>
@@ -5565,7 +5565,7 @@
                     <a:bodyPr/>
                     <a:lstStyle/>
                     <a:p>
-                      <a:endParaRPr lang="fr-FR" sz="1800"/>
+                      <a:endParaRPr lang="fr-FR" sz="1800" dirty="0"/>
                     </a:p>
                   </a:txBody>
                   <a:tcPr marL="92146" marR="92146" marT="46073" marB="46073"/>

--- a/Aymeric Beck Antoine Buirey Tanguy Horard.pptx
+++ b/Aymeric Beck Antoine Buirey Tanguy Horard.pptx
@@ -1,23 +1,118 @@
 
 <file path=ppt/presentation.xml><?xml version="1.0" encoding="utf-8"?>
-<p:presentation xmlns:a="http://schemas.openxmlformats.org/drawingml/2006/main" xmlns:p="http://schemas.openxmlformats.org/presentationml/2006/main" xmlns:r="http://schemas.openxmlformats.org/officeDocument/2006/relationships" xmlns:p14="http://schemas.microsoft.com/office/powerpoint/2010/main" xmlns:p15="http://schemas.microsoft.com/office/powerpoint/2012/main" xmlns:mc="http://schemas.openxmlformats.org/markup-compatibility/2006">
+<p:presentation xmlns:a="http://schemas.openxmlformats.org/drawingml/2006/main" xmlns:r="http://schemas.openxmlformats.org/officeDocument/2006/relationships" xmlns:p="http://schemas.openxmlformats.org/presentationml/2006/main">
   <p:sldMasterIdLst>
-    <p:sldMasterId id="2147483648" r:id="rId2"/>
-    <p:sldMasterId id="2147483661" r:id="rId3"/>
+    <p:sldMasterId id="2147483648" r:id="rId1"/>
+    <p:sldMasterId id="2147483661" r:id="rId2"/>
   </p:sldMasterIdLst>
   <p:sldIdLst>
-    <p:sldId id="256" r:id="rId4"/>
-    <p:sldId id="257" r:id="rId5"/>
-    <p:sldId id="258" r:id="rId6"/>
-    <p:sldId id="259" r:id="rId7"/>
+    <p:sldId id="256" r:id="rId3"/>
+    <p:sldId id="257" r:id="rId4"/>
+    <p:sldId id="258" r:id="rId5"/>
+    <p:sldId id="259" r:id="rId6"/>
   </p:sldIdLst>
   <p:sldSz cx="12192000" cy="6858000"/>
   <p:notesSz cx="7559675" cy="10691813"/>
+  <p:defaultTextStyle>
+    <a:defPPr>
+      <a:defRPr lang="fr-FR"/>
+    </a:defPPr>
+    <a:lvl1pPr marL="0" algn="l" defTabSz="914400" rtl="0" eaLnBrk="1" latinLnBrk="0" hangingPunct="1">
+      <a:defRPr sz="1800" kern="1200">
+        <a:solidFill>
+          <a:schemeClr val="tx1"/>
+        </a:solidFill>
+        <a:latin typeface="+mn-lt"/>
+        <a:ea typeface="+mn-ea"/>
+        <a:cs typeface="+mn-cs"/>
+      </a:defRPr>
+    </a:lvl1pPr>
+    <a:lvl2pPr marL="457200" algn="l" defTabSz="914400" rtl="0" eaLnBrk="1" latinLnBrk="0" hangingPunct="1">
+      <a:defRPr sz="1800" kern="1200">
+        <a:solidFill>
+          <a:schemeClr val="tx1"/>
+        </a:solidFill>
+        <a:latin typeface="+mn-lt"/>
+        <a:ea typeface="+mn-ea"/>
+        <a:cs typeface="+mn-cs"/>
+      </a:defRPr>
+    </a:lvl2pPr>
+    <a:lvl3pPr marL="914400" algn="l" defTabSz="914400" rtl="0" eaLnBrk="1" latinLnBrk="0" hangingPunct="1">
+      <a:defRPr sz="1800" kern="1200">
+        <a:solidFill>
+          <a:schemeClr val="tx1"/>
+        </a:solidFill>
+        <a:latin typeface="+mn-lt"/>
+        <a:ea typeface="+mn-ea"/>
+        <a:cs typeface="+mn-cs"/>
+      </a:defRPr>
+    </a:lvl3pPr>
+    <a:lvl4pPr marL="1371600" algn="l" defTabSz="914400" rtl="0" eaLnBrk="1" latinLnBrk="0" hangingPunct="1">
+      <a:defRPr sz="1800" kern="1200">
+        <a:solidFill>
+          <a:schemeClr val="tx1"/>
+        </a:solidFill>
+        <a:latin typeface="+mn-lt"/>
+        <a:ea typeface="+mn-ea"/>
+        <a:cs typeface="+mn-cs"/>
+      </a:defRPr>
+    </a:lvl4pPr>
+    <a:lvl5pPr marL="1828800" algn="l" defTabSz="914400" rtl="0" eaLnBrk="1" latinLnBrk="0" hangingPunct="1">
+      <a:defRPr sz="1800" kern="1200">
+        <a:solidFill>
+          <a:schemeClr val="tx1"/>
+        </a:solidFill>
+        <a:latin typeface="+mn-lt"/>
+        <a:ea typeface="+mn-ea"/>
+        <a:cs typeface="+mn-cs"/>
+      </a:defRPr>
+    </a:lvl5pPr>
+    <a:lvl6pPr marL="2286000" algn="l" defTabSz="914400" rtl="0" eaLnBrk="1" latinLnBrk="0" hangingPunct="1">
+      <a:defRPr sz="1800" kern="1200">
+        <a:solidFill>
+          <a:schemeClr val="tx1"/>
+        </a:solidFill>
+        <a:latin typeface="+mn-lt"/>
+        <a:ea typeface="+mn-ea"/>
+        <a:cs typeface="+mn-cs"/>
+      </a:defRPr>
+    </a:lvl6pPr>
+    <a:lvl7pPr marL="2743200" algn="l" defTabSz="914400" rtl="0" eaLnBrk="1" latinLnBrk="0" hangingPunct="1">
+      <a:defRPr sz="1800" kern="1200">
+        <a:solidFill>
+          <a:schemeClr val="tx1"/>
+        </a:solidFill>
+        <a:latin typeface="+mn-lt"/>
+        <a:ea typeface="+mn-ea"/>
+        <a:cs typeface="+mn-cs"/>
+      </a:defRPr>
+    </a:lvl7pPr>
+    <a:lvl8pPr marL="3200400" algn="l" defTabSz="914400" rtl="0" eaLnBrk="1" latinLnBrk="0" hangingPunct="1">
+      <a:defRPr sz="1800" kern="1200">
+        <a:solidFill>
+          <a:schemeClr val="tx1"/>
+        </a:solidFill>
+        <a:latin typeface="+mn-lt"/>
+        <a:ea typeface="+mn-ea"/>
+        <a:cs typeface="+mn-cs"/>
+      </a:defRPr>
+    </a:lvl8pPr>
+    <a:lvl9pPr marL="3657600" algn="l" defTabSz="914400" rtl="0" eaLnBrk="1" latinLnBrk="0" hangingPunct="1">
+      <a:defRPr sz="1800" kern="1200">
+        <a:solidFill>
+          <a:schemeClr val="tx1"/>
+        </a:solidFill>
+        <a:latin typeface="+mn-lt"/>
+        <a:ea typeface="+mn-ea"/>
+        <a:cs typeface="+mn-cs"/>
+      </a:defRPr>
+    </a:lvl9pPr>
+  </p:defaultTextStyle>
 </p:presentation>
 </file>
 
 <file path=ppt/slideLayouts/slideLayout1.xml><?xml version="1.0" encoding="utf-8"?>
-<p:sldLayout xmlns:a="http://schemas.openxmlformats.org/drawingml/2006/main" xmlns:p="http://schemas.openxmlformats.org/presentationml/2006/main" xmlns:r="http://schemas.openxmlformats.org/officeDocument/2006/relationships" xmlns:p14="http://schemas.microsoft.com/office/powerpoint/2010/main" xmlns:p15="http://schemas.microsoft.com/office/powerpoint/2012/main" xmlns:mc="http://schemas.openxmlformats.org/markup-compatibility/2006" type="blank" preserve="1">
+<p:sldLayout xmlns:a="http://schemas.openxmlformats.org/drawingml/2006/main" xmlns:r="http://schemas.openxmlformats.org/officeDocument/2006/relationships" xmlns:p="http://schemas.openxmlformats.org/presentationml/2006/main" type="blank" preserve="1">
   <p:cSld name="Blank Slide">
     <p:spTree>
       <p:nvGrpSpPr>
@@ -46,6 +141,7 @@
         <p:spPr/>
         <p:txBody>
           <a:bodyPr/>
+          <a:lstStyle/>
           <a:p>
             <a:r>
               <a:t>Footer</a:t>
@@ -66,10 +162,12 @@
         <p:spPr/>
         <p:txBody>
           <a:bodyPr/>
+          <a:lstStyle/>
           <a:p>
             <a:fld id="{6B167E78-2425-45D8-9955-B934842B7875}" type="slidenum">
-              <a:t>&lt;#&gt;</a:t>
+              <a:t>‹N°›</a:t>
             </a:fld>
+            <a:endParaRPr/>
           </a:p>
         </p:txBody>
       </p:sp>
@@ -86,21 +184,22 @@
         <p:spPr/>
         <p:txBody>
           <a:bodyPr/>
-          <a:p>
-            <a:r>
-              <a:rPr lang="fr-FR"/>
-              <a:t/>
-            </a:r>
+          <a:lstStyle/>
+          <a:p>
+            <a:endParaRPr/>
           </a:p>
         </p:txBody>
       </p:sp>
     </p:spTree>
   </p:cSld>
+  <p:clrMapOvr>
+    <a:masterClrMapping/>
+  </p:clrMapOvr>
 </p:sldLayout>
 </file>
 
 <file path=ppt/slideLayouts/slideLayout10.xml><?xml version="1.0" encoding="utf-8"?>
-<p:sldLayout xmlns:a="http://schemas.openxmlformats.org/drawingml/2006/main" xmlns:p="http://schemas.openxmlformats.org/presentationml/2006/main" xmlns:r="http://schemas.openxmlformats.org/officeDocument/2006/relationships" xmlns:p14="http://schemas.microsoft.com/office/powerpoint/2010/main" xmlns:p15="http://schemas.microsoft.com/office/powerpoint/2012/main" xmlns:mc="http://schemas.openxmlformats.org/markup-compatibility/2006" type="objOverTx" preserve="1">
+<p:sldLayout xmlns:a="http://schemas.openxmlformats.org/drawingml/2006/main" xmlns:r="http://schemas.openxmlformats.org/officeDocument/2006/relationships" xmlns:p="http://schemas.openxmlformats.org/presentationml/2006/main" type="objOverTx" preserve="1">
   <p:cSld name="Title, Content over Content">
     <p:spTree>
       <p:nvGrpSpPr>
@@ -140,14 +239,15 @@
           </a:ln>
         </p:spPr>
         <p:txBody>
-          <a:bodyPr lIns="0" rIns="0" tIns="0" bIns="0" anchor="ctr">
+          <a:bodyPr lIns="0" tIns="0" rIns="0" bIns="0" anchor="ctr">
             <a:noAutofit/>
           </a:bodyPr>
+          <a:lstStyle/>
           <a:p>
             <a:pPr indent="0">
               <a:buNone/>
             </a:pPr>
-            <a:endParaRPr b="0" lang="fr-FR" sz="1800" spc="-1" strike="noStrike">
+            <a:endParaRPr lang="fr-FR" sz="1800" b="0" strike="noStrike" spc="-1">
               <a:solidFill>
                 <a:srgbClr val="000000"/>
               </a:solidFill>
@@ -180,9 +280,10 @@
           </a:ln>
         </p:spPr>
         <p:txBody>
-          <a:bodyPr lIns="0" rIns="0" tIns="0" bIns="0" anchor="t">
+          <a:bodyPr lIns="0" tIns="0" rIns="0" bIns="0" anchor="t">
             <a:normAutofit/>
           </a:bodyPr>
+          <a:lstStyle/>
           <a:p>
             <a:pPr indent="0">
               <a:lnSpc>
@@ -193,7 +294,7 @@
               </a:spcBef>
               <a:buNone/>
             </a:pPr>
-            <a:endParaRPr b="0" lang="fr-FR" sz="2800" spc="-1" strike="noStrike">
+            <a:endParaRPr lang="fr-FR" sz="2800" b="0" strike="noStrike" spc="-1">
               <a:solidFill>
                 <a:srgbClr val="000000"/>
               </a:solidFill>
@@ -226,9 +327,10 @@
           </a:ln>
         </p:spPr>
         <p:txBody>
-          <a:bodyPr lIns="0" rIns="0" tIns="0" bIns="0" anchor="t">
+          <a:bodyPr lIns="0" tIns="0" rIns="0" bIns="0" anchor="t">
             <a:normAutofit/>
           </a:bodyPr>
+          <a:lstStyle/>
           <a:p>
             <a:pPr indent="0">
               <a:lnSpc>
@@ -239,7 +341,7 @@
               </a:spcBef>
               <a:buNone/>
             </a:pPr>
-            <a:endParaRPr b="0" lang="fr-FR" sz="2800" spc="-1" strike="noStrike">
+            <a:endParaRPr lang="fr-FR" sz="2800" b="0" strike="noStrike" spc="-1">
               <a:solidFill>
                 <a:srgbClr val="000000"/>
               </a:solidFill>
@@ -261,6 +363,7 @@
         <p:spPr/>
         <p:txBody>
           <a:bodyPr/>
+          <a:lstStyle/>
           <a:p>
             <a:r>
               <a:t>Footer</a:t>
@@ -281,10 +384,12 @@
         <p:spPr/>
         <p:txBody>
           <a:bodyPr/>
+          <a:lstStyle/>
           <a:p>
             <a:fld id="{A26A54FE-9633-4823-9A33-F1DBE2400FCA}" type="slidenum">
-              <a:t>&lt;#&gt;</a:t>
+              <a:t>‹N°›</a:t>
             </a:fld>
+            <a:endParaRPr/>
           </a:p>
         </p:txBody>
       </p:sp>
@@ -301,21 +406,22 @@
         <p:spPr/>
         <p:txBody>
           <a:bodyPr/>
-          <a:p>
-            <a:r>
-              <a:rPr lang="fr-FR"/>
-              <a:t/>
-            </a:r>
+          <a:lstStyle/>
+          <a:p>
+            <a:endParaRPr/>
           </a:p>
         </p:txBody>
       </p:sp>
     </p:spTree>
   </p:cSld>
+  <p:clrMapOvr>
+    <a:masterClrMapping/>
+  </p:clrMapOvr>
 </p:sldLayout>
 </file>
 
 <file path=ppt/slideLayouts/slideLayout11.xml><?xml version="1.0" encoding="utf-8"?>
-<p:sldLayout xmlns:a="http://schemas.openxmlformats.org/drawingml/2006/main" xmlns:p="http://schemas.openxmlformats.org/presentationml/2006/main" xmlns:r="http://schemas.openxmlformats.org/officeDocument/2006/relationships" xmlns:p14="http://schemas.microsoft.com/office/powerpoint/2010/main" xmlns:p15="http://schemas.microsoft.com/office/powerpoint/2012/main" xmlns:mc="http://schemas.openxmlformats.org/markup-compatibility/2006" type="fourObj" preserve="1">
+<p:sldLayout xmlns:a="http://schemas.openxmlformats.org/drawingml/2006/main" xmlns:r="http://schemas.openxmlformats.org/officeDocument/2006/relationships" xmlns:p="http://schemas.openxmlformats.org/presentationml/2006/main" type="fourObj" preserve="1">
   <p:cSld name="Title, 4 Content">
     <p:spTree>
       <p:nvGrpSpPr>
@@ -355,14 +461,15 @@
           </a:ln>
         </p:spPr>
         <p:txBody>
-          <a:bodyPr lIns="0" rIns="0" tIns="0" bIns="0" anchor="ctr">
+          <a:bodyPr lIns="0" tIns="0" rIns="0" bIns="0" anchor="ctr">
             <a:noAutofit/>
           </a:bodyPr>
+          <a:lstStyle/>
           <a:p>
             <a:pPr indent="0">
               <a:buNone/>
             </a:pPr>
-            <a:endParaRPr b="0" lang="fr-FR" sz="1800" spc="-1" strike="noStrike">
+            <a:endParaRPr lang="fr-FR" sz="1800" b="0" strike="noStrike" spc="-1">
               <a:solidFill>
                 <a:srgbClr val="000000"/>
               </a:solidFill>
@@ -395,9 +502,10 @@
           </a:ln>
         </p:spPr>
         <p:txBody>
-          <a:bodyPr lIns="0" rIns="0" tIns="0" bIns="0" anchor="t">
+          <a:bodyPr lIns="0" tIns="0" rIns="0" bIns="0" anchor="t">
             <a:normAutofit/>
           </a:bodyPr>
+          <a:lstStyle/>
           <a:p>
             <a:pPr indent="0">
               <a:lnSpc>
@@ -408,7 +516,7 @@
               </a:spcBef>
               <a:buNone/>
             </a:pPr>
-            <a:endParaRPr b="0" lang="fr-FR" sz="2800" spc="-1" strike="noStrike">
+            <a:endParaRPr lang="fr-FR" sz="2800" b="0" strike="noStrike" spc="-1">
               <a:solidFill>
                 <a:srgbClr val="000000"/>
               </a:solidFill>
@@ -441,9 +549,10 @@
           </a:ln>
         </p:spPr>
         <p:txBody>
-          <a:bodyPr lIns="0" rIns="0" tIns="0" bIns="0" anchor="t">
+          <a:bodyPr lIns="0" tIns="0" rIns="0" bIns="0" anchor="t">
             <a:normAutofit/>
           </a:bodyPr>
+          <a:lstStyle/>
           <a:p>
             <a:pPr indent="0">
               <a:lnSpc>
@@ -454,7 +563,7 @@
               </a:spcBef>
               <a:buNone/>
             </a:pPr>
-            <a:endParaRPr b="0" lang="fr-FR" sz="2800" spc="-1" strike="noStrike">
+            <a:endParaRPr lang="fr-FR" sz="2800" b="0" strike="noStrike" spc="-1">
               <a:solidFill>
                 <a:srgbClr val="000000"/>
               </a:solidFill>
@@ -487,9 +596,10 @@
           </a:ln>
         </p:spPr>
         <p:txBody>
-          <a:bodyPr lIns="0" rIns="0" tIns="0" bIns="0" anchor="t">
+          <a:bodyPr lIns="0" tIns="0" rIns="0" bIns="0" anchor="t">
             <a:normAutofit/>
           </a:bodyPr>
+          <a:lstStyle/>
           <a:p>
             <a:pPr indent="0">
               <a:lnSpc>
@@ -500,7 +610,7 @@
               </a:spcBef>
               <a:buNone/>
             </a:pPr>
-            <a:endParaRPr b="0" lang="fr-FR" sz="2800" spc="-1" strike="noStrike">
+            <a:endParaRPr lang="fr-FR" sz="2800" b="0" strike="noStrike" spc="-1">
               <a:solidFill>
                 <a:srgbClr val="000000"/>
               </a:solidFill>
@@ -533,9 +643,10 @@
           </a:ln>
         </p:spPr>
         <p:txBody>
-          <a:bodyPr lIns="0" rIns="0" tIns="0" bIns="0" anchor="t">
+          <a:bodyPr lIns="0" tIns="0" rIns="0" bIns="0" anchor="t">
             <a:normAutofit/>
           </a:bodyPr>
+          <a:lstStyle/>
           <a:p>
             <a:pPr indent="0">
               <a:lnSpc>
@@ -546,7 +657,7 @@
               </a:spcBef>
               <a:buNone/>
             </a:pPr>
-            <a:endParaRPr b="0" lang="fr-FR" sz="2800" spc="-1" strike="noStrike">
+            <a:endParaRPr lang="fr-FR" sz="2800" b="0" strike="noStrike" spc="-1">
               <a:solidFill>
                 <a:srgbClr val="000000"/>
               </a:solidFill>
@@ -568,6 +679,7 @@
         <p:spPr/>
         <p:txBody>
           <a:bodyPr/>
+          <a:lstStyle/>
           <a:p>
             <a:r>
               <a:t>Footer</a:t>
@@ -588,10 +700,12 @@
         <p:spPr/>
         <p:txBody>
           <a:bodyPr/>
+          <a:lstStyle/>
           <a:p>
             <a:fld id="{80F21B2A-6FF2-4460-94FD-E1C3A63814A8}" type="slidenum">
-              <a:t>&lt;#&gt;</a:t>
+              <a:t>‹N°›</a:t>
             </a:fld>
+            <a:endParaRPr/>
           </a:p>
         </p:txBody>
       </p:sp>
@@ -608,21 +722,22 @@
         <p:spPr/>
         <p:txBody>
           <a:bodyPr/>
-          <a:p>
-            <a:r>
-              <a:rPr lang="fr-FR"/>
-              <a:t/>
-            </a:r>
+          <a:lstStyle/>
+          <a:p>
+            <a:endParaRPr/>
           </a:p>
         </p:txBody>
       </p:sp>
     </p:spTree>
   </p:cSld>
+  <p:clrMapOvr>
+    <a:masterClrMapping/>
+  </p:clrMapOvr>
 </p:sldLayout>
 </file>
 
 <file path=ppt/slideLayouts/slideLayout12.xml><?xml version="1.0" encoding="utf-8"?>
-<p:sldLayout xmlns:a="http://schemas.openxmlformats.org/drawingml/2006/main" xmlns:p="http://schemas.openxmlformats.org/presentationml/2006/main" xmlns:r="http://schemas.openxmlformats.org/officeDocument/2006/relationships" xmlns:p14="http://schemas.microsoft.com/office/powerpoint/2010/main" xmlns:p15="http://schemas.microsoft.com/office/powerpoint/2012/main" xmlns:mc="http://schemas.openxmlformats.org/markup-compatibility/2006" type="blank" preserve="1">
+<p:sldLayout xmlns:a="http://schemas.openxmlformats.org/drawingml/2006/main" xmlns:r="http://schemas.openxmlformats.org/officeDocument/2006/relationships" xmlns:p="http://schemas.openxmlformats.org/presentationml/2006/main" type="blank" preserve="1">
   <p:cSld name="Title, 6 Content">
     <p:spTree>
       <p:nvGrpSpPr>
@@ -662,14 +777,15 @@
           </a:ln>
         </p:spPr>
         <p:txBody>
-          <a:bodyPr lIns="0" rIns="0" tIns="0" bIns="0" anchor="ctr">
+          <a:bodyPr lIns="0" tIns="0" rIns="0" bIns="0" anchor="ctr">
             <a:noAutofit/>
           </a:bodyPr>
+          <a:lstStyle/>
           <a:p>
             <a:pPr indent="0">
               <a:buNone/>
             </a:pPr>
-            <a:endParaRPr b="0" lang="fr-FR" sz="1800" spc="-1" strike="noStrike">
+            <a:endParaRPr lang="fr-FR" sz="1800" b="0" strike="noStrike" spc="-1">
               <a:solidFill>
                 <a:srgbClr val="000000"/>
               </a:solidFill>
@@ -702,9 +818,10 @@
           </a:ln>
         </p:spPr>
         <p:txBody>
-          <a:bodyPr lIns="0" rIns="0" tIns="0" bIns="0" anchor="t">
+          <a:bodyPr lIns="0" tIns="0" rIns="0" bIns="0" anchor="t">
             <a:normAutofit/>
           </a:bodyPr>
+          <a:lstStyle/>
           <a:p>
             <a:pPr indent="0">
               <a:lnSpc>
@@ -715,7 +832,7 @@
               </a:spcBef>
               <a:buNone/>
             </a:pPr>
-            <a:endParaRPr b="0" lang="fr-FR" sz="2800" spc="-1" strike="noStrike">
+            <a:endParaRPr lang="fr-FR" sz="2800" b="0" strike="noStrike" spc="-1">
               <a:solidFill>
                 <a:srgbClr val="000000"/>
               </a:solidFill>
@@ -748,9 +865,10 @@
           </a:ln>
         </p:spPr>
         <p:txBody>
-          <a:bodyPr lIns="0" rIns="0" tIns="0" bIns="0" anchor="t">
+          <a:bodyPr lIns="0" tIns="0" rIns="0" bIns="0" anchor="t">
             <a:normAutofit/>
           </a:bodyPr>
+          <a:lstStyle/>
           <a:p>
             <a:pPr indent="0">
               <a:lnSpc>
@@ -761,7 +879,7 @@
               </a:spcBef>
               <a:buNone/>
             </a:pPr>
-            <a:endParaRPr b="0" lang="fr-FR" sz="2800" spc="-1" strike="noStrike">
+            <a:endParaRPr lang="fr-FR" sz="2800" b="0" strike="noStrike" spc="-1">
               <a:solidFill>
                 <a:srgbClr val="000000"/>
               </a:solidFill>
@@ -794,9 +912,10 @@
           </a:ln>
         </p:spPr>
         <p:txBody>
-          <a:bodyPr lIns="0" rIns="0" tIns="0" bIns="0" anchor="t">
+          <a:bodyPr lIns="0" tIns="0" rIns="0" bIns="0" anchor="t">
             <a:normAutofit/>
           </a:bodyPr>
+          <a:lstStyle/>
           <a:p>
             <a:pPr indent="0">
               <a:lnSpc>
@@ -807,7 +926,7 @@
               </a:spcBef>
               <a:buNone/>
             </a:pPr>
-            <a:endParaRPr b="0" lang="fr-FR" sz="2800" spc="-1" strike="noStrike">
+            <a:endParaRPr lang="fr-FR" sz="2800" b="0" strike="noStrike" spc="-1">
               <a:solidFill>
                 <a:srgbClr val="000000"/>
               </a:solidFill>
@@ -840,9 +959,10 @@
           </a:ln>
         </p:spPr>
         <p:txBody>
-          <a:bodyPr lIns="0" rIns="0" tIns="0" bIns="0" anchor="t">
+          <a:bodyPr lIns="0" tIns="0" rIns="0" bIns="0" anchor="t">
             <a:normAutofit/>
           </a:bodyPr>
+          <a:lstStyle/>
           <a:p>
             <a:pPr indent="0">
               <a:lnSpc>
@@ -853,7 +973,7 @@
               </a:spcBef>
               <a:buNone/>
             </a:pPr>
-            <a:endParaRPr b="0" lang="fr-FR" sz="2800" spc="-1" strike="noStrike">
+            <a:endParaRPr lang="fr-FR" sz="2800" b="0" strike="noStrike" spc="-1">
               <a:solidFill>
                 <a:srgbClr val="000000"/>
               </a:solidFill>
@@ -886,9 +1006,10 @@
           </a:ln>
         </p:spPr>
         <p:txBody>
-          <a:bodyPr lIns="0" rIns="0" tIns="0" bIns="0" anchor="t">
+          <a:bodyPr lIns="0" tIns="0" rIns="0" bIns="0" anchor="t">
             <a:normAutofit/>
           </a:bodyPr>
+          <a:lstStyle/>
           <a:p>
             <a:pPr indent="0">
               <a:lnSpc>
@@ -899,7 +1020,7 @@
               </a:spcBef>
               <a:buNone/>
             </a:pPr>
-            <a:endParaRPr b="0" lang="fr-FR" sz="2800" spc="-1" strike="noStrike">
+            <a:endParaRPr lang="fr-FR" sz="2800" b="0" strike="noStrike" spc="-1">
               <a:solidFill>
                 <a:srgbClr val="000000"/>
               </a:solidFill>
@@ -932,9 +1053,10 @@
           </a:ln>
         </p:spPr>
         <p:txBody>
-          <a:bodyPr lIns="0" rIns="0" tIns="0" bIns="0" anchor="t">
+          <a:bodyPr lIns="0" tIns="0" rIns="0" bIns="0" anchor="t">
             <a:normAutofit/>
           </a:bodyPr>
+          <a:lstStyle/>
           <a:p>
             <a:pPr indent="0">
               <a:lnSpc>
@@ -945,7 +1067,7 @@
               </a:spcBef>
               <a:buNone/>
             </a:pPr>
-            <a:endParaRPr b="0" lang="fr-FR" sz="2800" spc="-1" strike="noStrike">
+            <a:endParaRPr lang="fr-FR" sz="2800" b="0" strike="noStrike" spc="-1">
               <a:solidFill>
                 <a:srgbClr val="000000"/>
               </a:solidFill>
@@ -967,6 +1089,7 @@
         <p:spPr/>
         <p:txBody>
           <a:bodyPr/>
+          <a:lstStyle/>
           <a:p>
             <a:r>
               <a:t>Footer</a:t>
@@ -987,10 +1110,12 @@
         <p:spPr/>
         <p:txBody>
           <a:bodyPr/>
+          <a:lstStyle/>
           <a:p>
             <a:fld id="{5F948D33-11CB-4AD1-82A0-7853BC323660}" type="slidenum">
-              <a:t>&lt;#&gt;</a:t>
+              <a:t>‹N°›</a:t>
             </a:fld>
+            <a:endParaRPr/>
           </a:p>
         </p:txBody>
       </p:sp>
@@ -1007,21 +1132,22 @@
         <p:spPr/>
         <p:txBody>
           <a:bodyPr/>
-          <a:p>
-            <a:r>
-              <a:rPr lang="fr-FR"/>
-              <a:t/>
-            </a:r>
+          <a:lstStyle/>
+          <a:p>
+            <a:endParaRPr/>
           </a:p>
         </p:txBody>
       </p:sp>
     </p:spTree>
   </p:cSld>
+  <p:clrMapOvr>
+    <a:masterClrMapping/>
+  </p:clrMapOvr>
 </p:sldLayout>
 </file>
 
 <file path=ppt/slideLayouts/slideLayout13.xml><?xml version="1.0" encoding="utf-8"?>
-<p:sldLayout xmlns:a="http://schemas.openxmlformats.org/drawingml/2006/main" xmlns:p="http://schemas.openxmlformats.org/presentationml/2006/main" xmlns:r="http://schemas.openxmlformats.org/officeDocument/2006/relationships" xmlns:p14="http://schemas.microsoft.com/office/powerpoint/2010/main" xmlns:p15="http://schemas.microsoft.com/office/powerpoint/2012/main" xmlns:mc="http://schemas.openxmlformats.org/markup-compatibility/2006" type="blank" preserve="1">
+<p:sldLayout xmlns:a="http://schemas.openxmlformats.org/drawingml/2006/main" xmlns:r="http://schemas.openxmlformats.org/officeDocument/2006/relationships" xmlns:p="http://schemas.openxmlformats.org/presentationml/2006/main" type="blank" preserve="1">
   <p:cSld name="Blank Slide">
     <p:spTree>
       <p:nvGrpSpPr>
@@ -1050,6 +1176,7 @@
         <p:spPr/>
         <p:txBody>
           <a:bodyPr/>
+          <a:lstStyle/>
           <a:p>
             <a:r>
               <a:t>Footer</a:t>
@@ -1070,10 +1197,12 @@
         <p:spPr/>
         <p:txBody>
           <a:bodyPr/>
+          <a:lstStyle/>
           <a:p>
             <a:fld id="{990C7F03-4549-4FBC-8780-BF5FEF2AB9C3}" type="slidenum">
-              <a:t>&lt;#&gt;</a:t>
+              <a:t>‹N°›</a:t>
             </a:fld>
+            <a:endParaRPr/>
           </a:p>
         </p:txBody>
       </p:sp>
@@ -1090,21 +1219,22 @@
         <p:spPr/>
         <p:txBody>
           <a:bodyPr/>
-          <a:p>
-            <a:r>
-              <a:rPr lang="fr-FR"/>
-              <a:t/>
-            </a:r>
+          <a:lstStyle/>
+          <a:p>
+            <a:endParaRPr/>
           </a:p>
         </p:txBody>
       </p:sp>
     </p:spTree>
   </p:cSld>
+  <p:clrMapOvr>
+    <a:masterClrMapping/>
+  </p:clrMapOvr>
 </p:sldLayout>
 </file>
 
 <file path=ppt/slideLayouts/slideLayout14.xml><?xml version="1.0" encoding="utf-8"?>
-<p:sldLayout xmlns:a="http://schemas.openxmlformats.org/drawingml/2006/main" xmlns:p="http://schemas.openxmlformats.org/presentationml/2006/main" xmlns:r="http://schemas.openxmlformats.org/officeDocument/2006/relationships" xmlns:p14="http://schemas.microsoft.com/office/powerpoint/2010/main" xmlns:p15="http://schemas.microsoft.com/office/powerpoint/2012/main" xmlns:mc="http://schemas.openxmlformats.org/markup-compatibility/2006" type="tx" preserve="1">
+<p:sldLayout xmlns:a="http://schemas.openxmlformats.org/drawingml/2006/main" xmlns:r="http://schemas.openxmlformats.org/officeDocument/2006/relationships" xmlns:p="http://schemas.openxmlformats.org/presentationml/2006/main" type="tx" preserve="1">
   <p:cSld name="Title Slide">
     <p:spTree>
       <p:nvGrpSpPr>
@@ -1144,14 +1274,15 @@
           </a:ln>
         </p:spPr>
         <p:txBody>
-          <a:bodyPr lIns="0" rIns="0" tIns="0" bIns="0" anchor="ctr">
+          <a:bodyPr lIns="0" tIns="0" rIns="0" bIns="0" anchor="ctr">
             <a:noAutofit/>
           </a:bodyPr>
+          <a:lstStyle/>
           <a:p>
             <a:pPr indent="0">
               <a:buNone/>
             </a:pPr>
-            <a:endParaRPr b="0" lang="fr-FR" sz="1800" spc="-1" strike="noStrike">
+            <a:endParaRPr lang="fr-FR" sz="1800" b="0" strike="noStrike" spc="-1">
               <a:solidFill>
                 <a:srgbClr val="000000"/>
               </a:solidFill>
@@ -1184,14 +1315,15 @@
           </a:ln>
         </p:spPr>
         <p:txBody>
-          <a:bodyPr lIns="0" rIns="0" tIns="0" bIns="0" anchor="ctr">
+          <a:bodyPr lIns="0" tIns="0" rIns="0" bIns="0" anchor="ctr">
             <a:noAutofit/>
           </a:bodyPr>
+          <a:lstStyle/>
           <a:p>
             <a:pPr indent="0" algn="ctr">
               <a:buNone/>
             </a:pPr>
-            <a:endParaRPr b="0" lang="fr-FR" sz="3200" spc="-1" strike="noStrike">
+            <a:endParaRPr lang="fr-FR" sz="3200" b="0" strike="noStrike" spc="-1">
               <a:latin typeface="Arial"/>
             </a:endParaRPr>
           </a:p>
@@ -1210,6 +1342,7 @@
         <p:spPr/>
         <p:txBody>
           <a:bodyPr/>
+          <a:lstStyle/>
           <a:p>
             <a:r>
               <a:t>Footer</a:t>
@@ -1230,10 +1363,12 @@
         <p:spPr/>
         <p:txBody>
           <a:bodyPr/>
+          <a:lstStyle/>
           <a:p>
             <a:fld id="{C3BEE007-1B89-40FE-AAB2-1080DA7172FD}" type="slidenum">
-              <a:t>&lt;#&gt;</a:t>
+              <a:t>‹N°›</a:t>
             </a:fld>
+            <a:endParaRPr/>
           </a:p>
         </p:txBody>
       </p:sp>
@@ -1250,21 +1385,22 @@
         <p:spPr/>
         <p:txBody>
           <a:bodyPr/>
-          <a:p>
-            <a:r>
-              <a:rPr lang="fr-FR"/>
-              <a:t/>
-            </a:r>
+          <a:lstStyle/>
+          <a:p>
+            <a:endParaRPr/>
           </a:p>
         </p:txBody>
       </p:sp>
     </p:spTree>
   </p:cSld>
+  <p:clrMapOvr>
+    <a:masterClrMapping/>
+  </p:clrMapOvr>
 </p:sldLayout>
 </file>
 
 <file path=ppt/slideLayouts/slideLayout15.xml><?xml version="1.0" encoding="utf-8"?>
-<p:sldLayout xmlns:a="http://schemas.openxmlformats.org/drawingml/2006/main" xmlns:p="http://schemas.openxmlformats.org/presentationml/2006/main" xmlns:r="http://schemas.openxmlformats.org/officeDocument/2006/relationships" xmlns:p14="http://schemas.microsoft.com/office/powerpoint/2010/main" xmlns:p15="http://schemas.microsoft.com/office/powerpoint/2012/main" xmlns:mc="http://schemas.openxmlformats.org/markup-compatibility/2006" type="obj" preserve="1">
+<p:sldLayout xmlns:a="http://schemas.openxmlformats.org/drawingml/2006/main" xmlns:r="http://schemas.openxmlformats.org/officeDocument/2006/relationships" xmlns:p="http://schemas.openxmlformats.org/presentationml/2006/main" type="obj" preserve="1">
   <p:cSld name="Title, Content">
     <p:spTree>
       <p:nvGrpSpPr>
@@ -1304,14 +1440,15 @@
           </a:ln>
         </p:spPr>
         <p:txBody>
-          <a:bodyPr lIns="0" rIns="0" tIns="0" bIns="0" anchor="ctr">
+          <a:bodyPr lIns="0" tIns="0" rIns="0" bIns="0" anchor="ctr">
             <a:noAutofit/>
           </a:bodyPr>
+          <a:lstStyle/>
           <a:p>
             <a:pPr indent="0">
               <a:buNone/>
             </a:pPr>
-            <a:endParaRPr b="0" lang="fr-FR" sz="1800" spc="-1" strike="noStrike">
+            <a:endParaRPr lang="fr-FR" sz="1800" b="0" strike="noStrike" spc="-1">
               <a:solidFill>
                 <a:srgbClr val="000000"/>
               </a:solidFill>
@@ -1344,9 +1481,10 @@
           </a:ln>
         </p:spPr>
         <p:txBody>
-          <a:bodyPr lIns="0" rIns="0" tIns="0" bIns="0" anchor="t">
+          <a:bodyPr lIns="0" tIns="0" rIns="0" bIns="0" anchor="t">
             <a:normAutofit/>
           </a:bodyPr>
+          <a:lstStyle/>
           <a:p>
             <a:pPr indent="0">
               <a:lnSpc>
@@ -1357,7 +1495,7 @@
               </a:spcBef>
               <a:buNone/>
             </a:pPr>
-            <a:endParaRPr b="0" lang="fr-FR" sz="2800" spc="-1" strike="noStrike">
+            <a:endParaRPr lang="fr-FR" sz="2800" b="0" strike="noStrike" spc="-1">
               <a:solidFill>
                 <a:srgbClr val="000000"/>
               </a:solidFill>
@@ -1379,6 +1517,7 @@
         <p:spPr/>
         <p:txBody>
           <a:bodyPr/>
+          <a:lstStyle/>
           <a:p>
             <a:r>
               <a:t>Footer</a:t>
@@ -1399,10 +1538,12 @@
         <p:spPr/>
         <p:txBody>
           <a:bodyPr/>
+          <a:lstStyle/>
           <a:p>
             <a:fld id="{52E7231F-6E85-4CF8-95AD-8E5CE0ADDB9D}" type="slidenum">
-              <a:t>&lt;#&gt;</a:t>
+              <a:t>‹N°›</a:t>
             </a:fld>
+            <a:endParaRPr/>
           </a:p>
         </p:txBody>
       </p:sp>
@@ -1419,21 +1560,22 @@
         <p:spPr/>
         <p:txBody>
           <a:bodyPr/>
-          <a:p>
-            <a:r>
-              <a:rPr lang="fr-FR"/>
-              <a:t/>
-            </a:r>
+          <a:lstStyle/>
+          <a:p>
+            <a:endParaRPr/>
           </a:p>
         </p:txBody>
       </p:sp>
     </p:spTree>
   </p:cSld>
+  <p:clrMapOvr>
+    <a:masterClrMapping/>
+  </p:clrMapOvr>
 </p:sldLayout>
 </file>
 
 <file path=ppt/slideLayouts/slideLayout16.xml><?xml version="1.0" encoding="utf-8"?>
-<p:sldLayout xmlns:a="http://schemas.openxmlformats.org/drawingml/2006/main" xmlns:p="http://schemas.openxmlformats.org/presentationml/2006/main" xmlns:r="http://schemas.openxmlformats.org/officeDocument/2006/relationships" xmlns:p14="http://schemas.microsoft.com/office/powerpoint/2010/main" xmlns:p15="http://schemas.microsoft.com/office/powerpoint/2012/main" xmlns:mc="http://schemas.openxmlformats.org/markup-compatibility/2006" type="twoObj" preserve="1">
+<p:sldLayout xmlns:a="http://schemas.openxmlformats.org/drawingml/2006/main" xmlns:r="http://schemas.openxmlformats.org/officeDocument/2006/relationships" xmlns:p="http://schemas.openxmlformats.org/presentationml/2006/main" type="twoObj" preserve="1">
   <p:cSld name="Title, 2 Content">
     <p:spTree>
       <p:nvGrpSpPr>
@@ -1473,14 +1615,15 @@
           </a:ln>
         </p:spPr>
         <p:txBody>
-          <a:bodyPr lIns="0" rIns="0" tIns="0" bIns="0" anchor="ctr">
+          <a:bodyPr lIns="0" tIns="0" rIns="0" bIns="0" anchor="ctr">
             <a:noAutofit/>
           </a:bodyPr>
+          <a:lstStyle/>
           <a:p>
             <a:pPr indent="0">
               <a:buNone/>
             </a:pPr>
-            <a:endParaRPr b="0" lang="fr-FR" sz="1800" spc="-1" strike="noStrike">
+            <a:endParaRPr lang="fr-FR" sz="1800" b="0" strike="noStrike" spc="-1">
               <a:solidFill>
                 <a:srgbClr val="000000"/>
               </a:solidFill>
@@ -1513,9 +1656,10 @@
           </a:ln>
         </p:spPr>
         <p:txBody>
-          <a:bodyPr lIns="0" rIns="0" tIns="0" bIns="0" anchor="t">
+          <a:bodyPr lIns="0" tIns="0" rIns="0" bIns="0" anchor="t">
             <a:normAutofit/>
           </a:bodyPr>
+          <a:lstStyle/>
           <a:p>
             <a:pPr indent="0">
               <a:lnSpc>
@@ -1526,7 +1670,7 @@
               </a:spcBef>
               <a:buNone/>
             </a:pPr>
-            <a:endParaRPr b="0" lang="fr-FR" sz="2800" spc="-1" strike="noStrike">
+            <a:endParaRPr lang="fr-FR" sz="2800" b="0" strike="noStrike" spc="-1">
               <a:solidFill>
                 <a:srgbClr val="000000"/>
               </a:solidFill>
@@ -1559,9 +1703,10 @@
           </a:ln>
         </p:spPr>
         <p:txBody>
-          <a:bodyPr lIns="0" rIns="0" tIns="0" bIns="0" anchor="t">
+          <a:bodyPr lIns="0" tIns="0" rIns="0" bIns="0" anchor="t">
             <a:normAutofit/>
           </a:bodyPr>
+          <a:lstStyle/>
           <a:p>
             <a:pPr indent="0">
               <a:lnSpc>
@@ -1572,7 +1717,7 @@
               </a:spcBef>
               <a:buNone/>
             </a:pPr>
-            <a:endParaRPr b="0" lang="fr-FR" sz="2800" spc="-1" strike="noStrike">
+            <a:endParaRPr lang="fr-FR" sz="2800" b="0" strike="noStrike" spc="-1">
               <a:solidFill>
                 <a:srgbClr val="000000"/>
               </a:solidFill>
@@ -1594,6 +1739,7 @@
         <p:spPr/>
         <p:txBody>
           <a:bodyPr/>
+          <a:lstStyle/>
           <a:p>
             <a:r>
               <a:t>Footer</a:t>
@@ -1614,10 +1760,12 @@
         <p:spPr/>
         <p:txBody>
           <a:bodyPr/>
+          <a:lstStyle/>
           <a:p>
             <a:fld id="{45D7D668-622C-49D1-B250-1D4033E158F3}" type="slidenum">
-              <a:t>&lt;#&gt;</a:t>
+              <a:t>‹N°›</a:t>
             </a:fld>
+            <a:endParaRPr/>
           </a:p>
         </p:txBody>
       </p:sp>
@@ -1634,21 +1782,22 @@
         <p:spPr/>
         <p:txBody>
           <a:bodyPr/>
-          <a:p>
-            <a:r>
-              <a:rPr lang="fr-FR"/>
-              <a:t/>
-            </a:r>
+          <a:lstStyle/>
+          <a:p>
+            <a:endParaRPr/>
           </a:p>
         </p:txBody>
       </p:sp>
     </p:spTree>
   </p:cSld>
+  <p:clrMapOvr>
+    <a:masterClrMapping/>
+  </p:clrMapOvr>
 </p:sldLayout>
 </file>
 
 <file path=ppt/slideLayouts/slideLayout17.xml><?xml version="1.0" encoding="utf-8"?>
-<p:sldLayout xmlns:a="http://schemas.openxmlformats.org/drawingml/2006/main" xmlns:p="http://schemas.openxmlformats.org/presentationml/2006/main" xmlns:r="http://schemas.openxmlformats.org/officeDocument/2006/relationships" xmlns:p14="http://schemas.microsoft.com/office/powerpoint/2010/main" xmlns:p15="http://schemas.microsoft.com/office/powerpoint/2012/main" xmlns:mc="http://schemas.openxmlformats.org/markup-compatibility/2006" type="titleOnly" preserve="1">
+<p:sldLayout xmlns:a="http://schemas.openxmlformats.org/drawingml/2006/main" xmlns:r="http://schemas.openxmlformats.org/officeDocument/2006/relationships" xmlns:p="http://schemas.openxmlformats.org/presentationml/2006/main" type="titleOnly" preserve="1">
   <p:cSld name="Title Only">
     <p:spTree>
       <p:nvGrpSpPr>
@@ -1688,14 +1837,15 @@
           </a:ln>
         </p:spPr>
         <p:txBody>
-          <a:bodyPr lIns="0" rIns="0" tIns="0" bIns="0" anchor="ctr">
+          <a:bodyPr lIns="0" tIns="0" rIns="0" bIns="0" anchor="ctr">
             <a:noAutofit/>
           </a:bodyPr>
+          <a:lstStyle/>
           <a:p>
             <a:pPr indent="0">
               <a:buNone/>
             </a:pPr>
-            <a:endParaRPr b="0" lang="fr-FR" sz="1800" spc="-1" strike="noStrike">
+            <a:endParaRPr lang="fr-FR" sz="1800" b="0" strike="noStrike" spc="-1">
               <a:solidFill>
                 <a:srgbClr val="000000"/>
               </a:solidFill>
@@ -1717,6 +1867,7 @@
         <p:spPr/>
         <p:txBody>
           <a:bodyPr/>
+          <a:lstStyle/>
           <a:p>
             <a:r>
               <a:t>Footer</a:t>
@@ -1737,10 +1888,12 @@
         <p:spPr/>
         <p:txBody>
           <a:bodyPr/>
+          <a:lstStyle/>
           <a:p>
             <a:fld id="{9B9FD9D3-B80B-488C-8D71-032D53E4EC15}" type="slidenum">
-              <a:t>&lt;#&gt;</a:t>
+              <a:t>‹N°›</a:t>
             </a:fld>
+            <a:endParaRPr/>
           </a:p>
         </p:txBody>
       </p:sp>
@@ -1757,21 +1910,22 @@
         <p:spPr/>
         <p:txBody>
           <a:bodyPr/>
-          <a:p>
-            <a:r>
-              <a:rPr lang="fr-FR"/>
-              <a:t/>
-            </a:r>
+          <a:lstStyle/>
+          <a:p>
+            <a:endParaRPr/>
           </a:p>
         </p:txBody>
       </p:sp>
     </p:spTree>
   </p:cSld>
+  <p:clrMapOvr>
+    <a:masterClrMapping/>
+  </p:clrMapOvr>
 </p:sldLayout>
 </file>
 
 <file path=ppt/slideLayouts/slideLayout18.xml><?xml version="1.0" encoding="utf-8"?>
-<p:sldLayout xmlns:a="http://schemas.openxmlformats.org/drawingml/2006/main" xmlns:p="http://schemas.openxmlformats.org/presentationml/2006/main" xmlns:r="http://schemas.openxmlformats.org/officeDocument/2006/relationships" xmlns:p14="http://schemas.microsoft.com/office/powerpoint/2010/main" xmlns:p15="http://schemas.microsoft.com/office/powerpoint/2012/main" xmlns:mc="http://schemas.openxmlformats.org/markup-compatibility/2006" type="objOnly" preserve="1">
+<p:sldLayout xmlns:a="http://schemas.openxmlformats.org/drawingml/2006/main" xmlns:r="http://schemas.openxmlformats.org/officeDocument/2006/relationships" xmlns:p="http://schemas.openxmlformats.org/presentationml/2006/main" type="objOnly" preserve="1">
   <p:cSld name="Centered Text">
     <p:spTree>
       <p:nvGrpSpPr>
@@ -1811,12 +1965,13 @@
           </a:ln>
         </p:spPr>
         <p:txBody>
-          <a:bodyPr lIns="0" rIns="0" tIns="0" bIns="0" anchor="ctr">
+          <a:bodyPr lIns="0" tIns="0" rIns="0" bIns="0" anchor="ctr">
             <a:noAutofit/>
           </a:bodyPr>
+          <a:lstStyle/>
           <a:p>
             <a:pPr algn="ctr"/>
-            <a:endParaRPr b="0" lang="fr-FR" sz="3200" spc="-1" strike="noStrike">
+            <a:endParaRPr lang="fr-FR" sz="3200" b="0" strike="noStrike" spc="-1">
               <a:latin typeface="Arial"/>
             </a:endParaRPr>
           </a:p>
@@ -1835,6 +1990,7 @@
         <p:spPr/>
         <p:txBody>
           <a:bodyPr/>
+          <a:lstStyle/>
           <a:p>
             <a:r>
               <a:t>Footer</a:t>
@@ -1855,10 +2011,12 @@
         <p:spPr/>
         <p:txBody>
           <a:bodyPr/>
+          <a:lstStyle/>
           <a:p>
             <a:fld id="{F5D34CA2-F502-4C54-8418-14AD3F1DAC6C}" type="slidenum">
-              <a:t>&lt;#&gt;</a:t>
+              <a:t>‹N°›</a:t>
             </a:fld>
+            <a:endParaRPr/>
           </a:p>
         </p:txBody>
       </p:sp>
@@ -1875,21 +2033,22 @@
         <p:spPr/>
         <p:txBody>
           <a:bodyPr/>
-          <a:p>
-            <a:r>
-              <a:rPr lang="fr-FR"/>
-              <a:t/>
-            </a:r>
+          <a:lstStyle/>
+          <a:p>
+            <a:endParaRPr/>
           </a:p>
         </p:txBody>
       </p:sp>
     </p:spTree>
   </p:cSld>
+  <p:clrMapOvr>
+    <a:masterClrMapping/>
+  </p:clrMapOvr>
 </p:sldLayout>
 </file>
 
 <file path=ppt/slideLayouts/slideLayout19.xml><?xml version="1.0" encoding="utf-8"?>
-<p:sldLayout xmlns:a="http://schemas.openxmlformats.org/drawingml/2006/main" xmlns:p="http://schemas.openxmlformats.org/presentationml/2006/main" xmlns:r="http://schemas.openxmlformats.org/officeDocument/2006/relationships" xmlns:p14="http://schemas.microsoft.com/office/powerpoint/2010/main" xmlns:p15="http://schemas.microsoft.com/office/powerpoint/2012/main" xmlns:mc="http://schemas.openxmlformats.org/markup-compatibility/2006" type="twoObjAndObj" preserve="1">
+<p:sldLayout xmlns:a="http://schemas.openxmlformats.org/drawingml/2006/main" xmlns:r="http://schemas.openxmlformats.org/officeDocument/2006/relationships" xmlns:p="http://schemas.openxmlformats.org/presentationml/2006/main" type="twoObjAndObj" preserve="1">
   <p:cSld name="Title, 2 Content and Content">
     <p:spTree>
       <p:nvGrpSpPr>
@@ -1929,14 +2088,15 @@
           </a:ln>
         </p:spPr>
         <p:txBody>
-          <a:bodyPr lIns="0" rIns="0" tIns="0" bIns="0" anchor="ctr">
+          <a:bodyPr lIns="0" tIns="0" rIns="0" bIns="0" anchor="ctr">
             <a:noAutofit/>
           </a:bodyPr>
+          <a:lstStyle/>
           <a:p>
             <a:pPr indent="0">
               <a:buNone/>
             </a:pPr>
-            <a:endParaRPr b="0" lang="fr-FR" sz="1800" spc="-1" strike="noStrike">
+            <a:endParaRPr lang="fr-FR" sz="1800" b="0" strike="noStrike" spc="-1">
               <a:solidFill>
                 <a:srgbClr val="000000"/>
               </a:solidFill>
@@ -1969,9 +2129,10 @@
           </a:ln>
         </p:spPr>
         <p:txBody>
-          <a:bodyPr lIns="0" rIns="0" tIns="0" bIns="0" anchor="t">
+          <a:bodyPr lIns="0" tIns="0" rIns="0" bIns="0" anchor="t">
             <a:normAutofit/>
           </a:bodyPr>
+          <a:lstStyle/>
           <a:p>
             <a:pPr indent="0">
               <a:lnSpc>
@@ -1982,7 +2143,7 @@
               </a:spcBef>
               <a:buNone/>
             </a:pPr>
-            <a:endParaRPr b="0" lang="fr-FR" sz="2800" spc="-1" strike="noStrike">
+            <a:endParaRPr lang="fr-FR" sz="2800" b="0" strike="noStrike" spc="-1">
               <a:solidFill>
                 <a:srgbClr val="000000"/>
               </a:solidFill>
@@ -2015,9 +2176,10 @@
           </a:ln>
         </p:spPr>
         <p:txBody>
-          <a:bodyPr lIns="0" rIns="0" tIns="0" bIns="0" anchor="t">
+          <a:bodyPr lIns="0" tIns="0" rIns="0" bIns="0" anchor="t">
             <a:normAutofit/>
           </a:bodyPr>
+          <a:lstStyle/>
           <a:p>
             <a:pPr indent="0">
               <a:lnSpc>
@@ -2028,7 +2190,7 @@
               </a:spcBef>
               <a:buNone/>
             </a:pPr>
-            <a:endParaRPr b="0" lang="fr-FR" sz="2800" spc="-1" strike="noStrike">
+            <a:endParaRPr lang="fr-FR" sz="2800" b="0" strike="noStrike" spc="-1">
               <a:solidFill>
                 <a:srgbClr val="000000"/>
               </a:solidFill>
@@ -2061,9 +2223,10 @@
           </a:ln>
         </p:spPr>
         <p:txBody>
-          <a:bodyPr lIns="0" rIns="0" tIns="0" bIns="0" anchor="t">
+          <a:bodyPr lIns="0" tIns="0" rIns="0" bIns="0" anchor="t">
             <a:normAutofit/>
           </a:bodyPr>
+          <a:lstStyle/>
           <a:p>
             <a:pPr indent="0">
               <a:lnSpc>
@@ -2074,7 +2237,7 @@
               </a:spcBef>
               <a:buNone/>
             </a:pPr>
-            <a:endParaRPr b="0" lang="fr-FR" sz="2800" spc="-1" strike="noStrike">
+            <a:endParaRPr lang="fr-FR" sz="2800" b="0" strike="noStrike" spc="-1">
               <a:solidFill>
                 <a:srgbClr val="000000"/>
               </a:solidFill>
@@ -2096,6 +2259,7 @@
         <p:spPr/>
         <p:txBody>
           <a:bodyPr/>
+          <a:lstStyle/>
           <a:p>
             <a:r>
               <a:t>Footer</a:t>
@@ -2116,10 +2280,12 @@
         <p:spPr/>
         <p:txBody>
           <a:bodyPr/>
+          <a:lstStyle/>
           <a:p>
             <a:fld id="{FCAF855F-CBCE-4352-9BE6-1FB251C08242}" type="slidenum">
-              <a:t>&lt;#&gt;</a:t>
+              <a:t>‹N°›</a:t>
             </a:fld>
+            <a:endParaRPr/>
           </a:p>
         </p:txBody>
       </p:sp>
@@ -2136,21 +2302,22 @@
         <p:spPr/>
         <p:txBody>
           <a:bodyPr/>
-          <a:p>
-            <a:r>
-              <a:rPr lang="fr-FR"/>
-              <a:t/>
-            </a:r>
+          <a:lstStyle/>
+          <a:p>
+            <a:endParaRPr/>
           </a:p>
         </p:txBody>
       </p:sp>
     </p:spTree>
   </p:cSld>
+  <p:clrMapOvr>
+    <a:masterClrMapping/>
+  </p:clrMapOvr>
 </p:sldLayout>
 </file>
 
 <file path=ppt/slideLayouts/slideLayout2.xml><?xml version="1.0" encoding="utf-8"?>
-<p:sldLayout xmlns:a="http://schemas.openxmlformats.org/drawingml/2006/main" xmlns:p="http://schemas.openxmlformats.org/presentationml/2006/main" xmlns:r="http://schemas.openxmlformats.org/officeDocument/2006/relationships" xmlns:p14="http://schemas.microsoft.com/office/powerpoint/2010/main" xmlns:p15="http://schemas.microsoft.com/office/powerpoint/2012/main" xmlns:mc="http://schemas.openxmlformats.org/markup-compatibility/2006" type="tx" preserve="1">
+<p:sldLayout xmlns:a="http://schemas.openxmlformats.org/drawingml/2006/main" xmlns:r="http://schemas.openxmlformats.org/officeDocument/2006/relationships" xmlns:p="http://schemas.openxmlformats.org/presentationml/2006/main" type="tx" preserve="1">
   <p:cSld name="Title Slide">
     <p:spTree>
       <p:nvGrpSpPr>
@@ -2190,14 +2357,15 @@
           </a:ln>
         </p:spPr>
         <p:txBody>
-          <a:bodyPr lIns="0" rIns="0" tIns="0" bIns="0" anchor="ctr">
+          <a:bodyPr lIns="0" tIns="0" rIns="0" bIns="0" anchor="ctr">
             <a:noAutofit/>
           </a:bodyPr>
+          <a:lstStyle/>
           <a:p>
             <a:pPr indent="0">
               <a:buNone/>
             </a:pPr>
-            <a:endParaRPr b="0" lang="fr-FR" sz="1800" spc="-1" strike="noStrike">
+            <a:endParaRPr lang="fr-FR" sz="1800" b="0" strike="noStrike" spc="-1">
               <a:solidFill>
                 <a:srgbClr val="000000"/>
               </a:solidFill>
@@ -2230,14 +2398,15 @@
           </a:ln>
         </p:spPr>
         <p:txBody>
-          <a:bodyPr lIns="0" rIns="0" tIns="0" bIns="0" anchor="ctr">
+          <a:bodyPr lIns="0" tIns="0" rIns="0" bIns="0" anchor="ctr">
             <a:noAutofit/>
           </a:bodyPr>
+          <a:lstStyle/>
           <a:p>
             <a:pPr indent="0" algn="ctr">
               <a:buNone/>
             </a:pPr>
-            <a:endParaRPr b="0" lang="fr-FR" sz="3200" spc="-1" strike="noStrike">
+            <a:endParaRPr lang="fr-FR" sz="3200" b="0" strike="noStrike" spc="-1">
               <a:latin typeface="Arial"/>
             </a:endParaRPr>
           </a:p>
@@ -2256,6 +2425,7 @@
         <p:spPr/>
         <p:txBody>
           <a:bodyPr/>
+          <a:lstStyle/>
           <a:p>
             <a:r>
               <a:t>Footer</a:t>
@@ -2265,7 +2435,7 @@
       </p:sp>
       <p:sp>
         <p:nvSpPr>
-          <p:cNvPr id="5" name="PlaceHolder 4"/>
+          <p:cNvPr id="2" name="PlaceHolder 4"/>
           <p:cNvSpPr>
             <a:spLocks noGrp="1"/>
           </p:cNvSpPr>
@@ -2276,16 +2446,18 @@
         <p:spPr/>
         <p:txBody>
           <a:bodyPr/>
+          <a:lstStyle/>
           <a:p>
             <a:fld id="{0BCB05FE-6DEE-4543-97A6-B8FED1EEF1D1}" type="slidenum">
-              <a:t>&lt;#&gt;</a:t>
+              <a:t>‹N°›</a:t>
             </a:fld>
-          </a:p>
-        </p:txBody>
-      </p:sp>
-      <p:sp>
-        <p:nvSpPr>
-          <p:cNvPr id="6" name="PlaceHolder 5"/>
+            <a:endParaRPr/>
+          </a:p>
+        </p:txBody>
+      </p:sp>
+      <p:sp>
+        <p:nvSpPr>
+          <p:cNvPr id="3" name="PlaceHolder 5"/>
           <p:cNvSpPr>
             <a:spLocks noGrp="1"/>
           </p:cNvSpPr>
@@ -2296,21 +2468,22 @@
         <p:spPr/>
         <p:txBody>
           <a:bodyPr/>
-          <a:p>
-            <a:r>
-              <a:rPr lang="fr-FR"/>
-              <a:t/>
-            </a:r>
+          <a:lstStyle/>
+          <a:p>
+            <a:endParaRPr/>
           </a:p>
         </p:txBody>
       </p:sp>
     </p:spTree>
   </p:cSld>
+  <p:clrMapOvr>
+    <a:masterClrMapping/>
+  </p:clrMapOvr>
 </p:sldLayout>
 </file>
 
 <file path=ppt/slideLayouts/slideLayout20.xml><?xml version="1.0" encoding="utf-8"?>
-<p:sldLayout xmlns:a="http://schemas.openxmlformats.org/drawingml/2006/main" xmlns:p="http://schemas.openxmlformats.org/presentationml/2006/main" xmlns:r="http://schemas.openxmlformats.org/officeDocument/2006/relationships" xmlns:p14="http://schemas.microsoft.com/office/powerpoint/2010/main" xmlns:p15="http://schemas.microsoft.com/office/powerpoint/2012/main" xmlns:mc="http://schemas.openxmlformats.org/markup-compatibility/2006" type="objAndTwoObj" preserve="1">
+<p:sldLayout xmlns:a="http://schemas.openxmlformats.org/drawingml/2006/main" xmlns:r="http://schemas.openxmlformats.org/officeDocument/2006/relationships" xmlns:p="http://schemas.openxmlformats.org/presentationml/2006/main" type="objAndTwoObj" preserve="1">
   <p:cSld name="Title Content and 2 Content">
     <p:spTree>
       <p:nvGrpSpPr>
@@ -2350,14 +2523,15 @@
           </a:ln>
         </p:spPr>
         <p:txBody>
-          <a:bodyPr lIns="0" rIns="0" tIns="0" bIns="0" anchor="ctr">
+          <a:bodyPr lIns="0" tIns="0" rIns="0" bIns="0" anchor="ctr">
             <a:noAutofit/>
           </a:bodyPr>
+          <a:lstStyle/>
           <a:p>
             <a:pPr indent="0">
               <a:buNone/>
             </a:pPr>
-            <a:endParaRPr b="0" lang="fr-FR" sz="1800" spc="-1" strike="noStrike">
+            <a:endParaRPr lang="fr-FR" sz="1800" b="0" strike="noStrike" spc="-1">
               <a:solidFill>
                 <a:srgbClr val="000000"/>
               </a:solidFill>
@@ -2390,9 +2564,10 @@
           </a:ln>
         </p:spPr>
         <p:txBody>
-          <a:bodyPr lIns="0" rIns="0" tIns="0" bIns="0" anchor="t">
+          <a:bodyPr lIns="0" tIns="0" rIns="0" bIns="0" anchor="t">
             <a:normAutofit/>
           </a:bodyPr>
+          <a:lstStyle/>
           <a:p>
             <a:pPr indent="0">
               <a:lnSpc>
@@ -2403,7 +2578,7 @@
               </a:spcBef>
               <a:buNone/>
             </a:pPr>
-            <a:endParaRPr b="0" lang="fr-FR" sz="2800" spc="-1" strike="noStrike">
+            <a:endParaRPr lang="fr-FR" sz="2800" b="0" strike="noStrike" spc="-1">
               <a:solidFill>
                 <a:srgbClr val="000000"/>
               </a:solidFill>
@@ -2436,9 +2611,10 @@
           </a:ln>
         </p:spPr>
         <p:txBody>
-          <a:bodyPr lIns="0" rIns="0" tIns="0" bIns="0" anchor="t">
+          <a:bodyPr lIns="0" tIns="0" rIns="0" bIns="0" anchor="t">
             <a:normAutofit/>
           </a:bodyPr>
+          <a:lstStyle/>
           <a:p>
             <a:pPr indent="0">
               <a:lnSpc>
@@ -2449,7 +2625,7 @@
               </a:spcBef>
               <a:buNone/>
             </a:pPr>
-            <a:endParaRPr b="0" lang="fr-FR" sz="2800" spc="-1" strike="noStrike">
+            <a:endParaRPr lang="fr-FR" sz="2800" b="0" strike="noStrike" spc="-1">
               <a:solidFill>
                 <a:srgbClr val="000000"/>
               </a:solidFill>
@@ -2482,9 +2658,10 @@
           </a:ln>
         </p:spPr>
         <p:txBody>
-          <a:bodyPr lIns="0" rIns="0" tIns="0" bIns="0" anchor="t">
+          <a:bodyPr lIns="0" tIns="0" rIns="0" bIns="0" anchor="t">
             <a:normAutofit/>
           </a:bodyPr>
+          <a:lstStyle/>
           <a:p>
             <a:pPr indent="0">
               <a:lnSpc>
@@ -2495,7 +2672,7 @@
               </a:spcBef>
               <a:buNone/>
             </a:pPr>
-            <a:endParaRPr b="0" lang="fr-FR" sz="2800" spc="-1" strike="noStrike">
+            <a:endParaRPr lang="fr-FR" sz="2800" b="0" strike="noStrike" spc="-1">
               <a:solidFill>
                 <a:srgbClr val="000000"/>
               </a:solidFill>
@@ -2517,6 +2694,7 @@
         <p:spPr/>
         <p:txBody>
           <a:bodyPr/>
+          <a:lstStyle/>
           <a:p>
             <a:r>
               <a:t>Footer</a:t>
@@ -2537,10 +2715,12 @@
         <p:spPr/>
         <p:txBody>
           <a:bodyPr/>
+          <a:lstStyle/>
           <a:p>
             <a:fld id="{8D9FC3C6-EFE9-4AE4-A251-781EB46F40A1}" type="slidenum">
-              <a:t>&lt;#&gt;</a:t>
+              <a:t>‹N°›</a:t>
             </a:fld>
+            <a:endParaRPr/>
           </a:p>
         </p:txBody>
       </p:sp>
@@ -2557,21 +2737,22 @@
         <p:spPr/>
         <p:txBody>
           <a:bodyPr/>
-          <a:p>
-            <a:r>
-              <a:rPr lang="fr-FR"/>
-              <a:t/>
-            </a:r>
+          <a:lstStyle/>
+          <a:p>
+            <a:endParaRPr/>
           </a:p>
         </p:txBody>
       </p:sp>
     </p:spTree>
   </p:cSld>
+  <p:clrMapOvr>
+    <a:masterClrMapping/>
+  </p:clrMapOvr>
 </p:sldLayout>
 </file>
 
 <file path=ppt/slideLayouts/slideLayout21.xml><?xml version="1.0" encoding="utf-8"?>
-<p:sldLayout xmlns:a="http://schemas.openxmlformats.org/drawingml/2006/main" xmlns:p="http://schemas.openxmlformats.org/presentationml/2006/main" xmlns:r="http://schemas.openxmlformats.org/officeDocument/2006/relationships" xmlns:p14="http://schemas.microsoft.com/office/powerpoint/2010/main" xmlns:p15="http://schemas.microsoft.com/office/powerpoint/2012/main" xmlns:mc="http://schemas.openxmlformats.org/markup-compatibility/2006" type="twoObjOverTx" preserve="1">
+<p:sldLayout xmlns:a="http://schemas.openxmlformats.org/drawingml/2006/main" xmlns:r="http://schemas.openxmlformats.org/officeDocument/2006/relationships" xmlns:p="http://schemas.openxmlformats.org/presentationml/2006/main" type="twoObjOverTx" preserve="1">
   <p:cSld name="Title, 2 Content over Content">
     <p:spTree>
       <p:nvGrpSpPr>
@@ -2611,14 +2792,15 @@
           </a:ln>
         </p:spPr>
         <p:txBody>
-          <a:bodyPr lIns="0" rIns="0" tIns="0" bIns="0" anchor="ctr">
+          <a:bodyPr lIns="0" tIns="0" rIns="0" bIns="0" anchor="ctr">
             <a:noAutofit/>
           </a:bodyPr>
+          <a:lstStyle/>
           <a:p>
             <a:pPr indent="0">
               <a:buNone/>
             </a:pPr>
-            <a:endParaRPr b="0" lang="fr-FR" sz="1800" spc="-1" strike="noStrike">
+            <a:endParaRPr lang="fr-FR" sz="1800" b="0" strike="noStrike" spc="-1">
               <a:solidFill>
                 <a:srgbClr val="000000"/>
               </a:solidFill>
@@ -2651,9 +2833,10 @@
           </a:ln>
         </p:spPr>
         <p:txBody>
-          <a:bodyPr lIns="0" rIns="0" tIns="0" bIns="0" anchor="t">
+          <a:bodyPr lIns="0" tIns="0" rIns="0" bIns="0" anchor="t">
             <a:normAutofit/>
           </a:bodyPr>
+          <a:lstStyle/>
           <a:p>
             <a:pPr indent="0">
               <a:lnSpc>
@@ -2664,7 +2847,7 @@
               </a:spcBef>
               <a:buNone/>
             </a:pPr>
-            <a:endParaRPr b="0" lang="fr-FR" sz="2800" spc="-1" strike="noStrike">
+            <a:endParaRPr lang="fr-FR" sz="2800" b="0" strike="noStrike" spc="-1">
               <a:solidFill>
                 <a:srgbClr val="000000"/>
               </a:solidFill>
@@ -2697,9 +2880,10 @@
           </a:ln>
         </p:spPr>
         <p:txBody>
-          <a:bodyPr lIns="0" rIns="0" tIns="0" bIns="0" anchor="t">
+          <a:bodyPr lIns="0" tIns="0" rIns="0" bIns="0" anchor="t">
             <a:normAutofit/>
           </a:bodyPr>
+          <a:lstStyle/>
           <a:p>
             <a:pPr indent="0">
               <a:lnSpc>
@@ -2710,7 +2894,7 @@
               </a:spcBef>
               <a:buNone/>
             </a:pPr>
-            <a:endParaRPr b="0" lang="fr-FR" sz="2800" spc="-1" strike="noStrike">
+            <a:endParaRPr lang="fr-FR" sz="2800" b="0" strike="noStrike" spc="-1">
               <a:solidFill>
                 <a:srgbClr val="000000"/>
               </a:solidFill>
@@ -2743,9 +2927,10 @@
           </a:ln>
         </p:spPr>
         <p:txBody>
-          <a:bodyPr lIns="0" rIns="0" tIns="0" bIns="0" anchor="t">
+          <a:bodyPr lIns="0" tIns="0" rIns="0" bIns="0" anchor="t">
             <a:normAutofit/>
           </a:bodyPr>
+          <a:lstStyle/>
           <a:p>
             <a:pPr indent="0">
               <a:lnSpc>
@@ -2756,7 +2941,7 @@
               </a:spcBef>
               <a:buNone/>
             </a:pPr>
-            <a:endParaRPr b="0" lang="fr-FR" sz="2800" spc="-1" strike="noStrike">
+            <a:endParaRPr lang="fr-FR" sz="2800" b="0" strike="noStrike" spc="-1">
               <a:solidFill>
                 <a:srgbClr val="000000"/>
               </a:solidFill>
@@ -2778,6 +2963,7 @@
         <p:spPr/>
         <p:txBody>
           <a:bodyPr/>
+          <a:lstStyle/>
           <a:p>
             <a:r>
               <a:t>Footer</a:t>
@@ -2798,10 +2984,12 @@
         <p:spPr/>
         <p:txBody>
           <a:bodyPr/>
+          <a:lstStyle/>
           <a:p>
             <a:fld id="{C97095C7-D839-4D59-AD3B-4C3D651E5DA3}" type="slidenum">
-              <a:t>&lt;#&gt;</a:t>
+              <a:t>‹N°›</a:t>
             </a:fld>
+            <a:endParaRPr/>
           </a:p>
         </p:txBody>
       </p:sp>
@@ -2818,21 +3006,22 @@
         <p:spPr/>
         <p:txBody>
           <a:bodyPr/>
-          <a:p>
-            <a:r>
-              <a:rPr lang="fr-FR"/>
-              <a:t/>
-            </a:r>
+          <a:lstStyle/>
+          <a:p>
+            <a:endParaRPr/>
           </a:p>
         </p:txBody>
       </p:sp>
     </p:spTree>
   </p:cSld>
+  <p:clrMapOvr>
+    <a:masterClrMapping/>
+  </p:clrMapOvr>
 </p:sldLayout>
 </file>
 
 <file path=ppt/slideLayouts/slideLayout22.xml><?xml version="1.0" encoding="utf-8"?>
-<p:sldLayout xmlns:a="http://schemas.openxmlformats.org/drawingml/2006/main" xmlns:p="http://schemas.openxmlformats.org/presentationml/2006/main" xmlns:r="http://schemas.openxmlformats.org/officeDocument/2006/relationships" xmlns:p14="http://schemas.microsoft.com/office/powerpoint/2010/main" xmlns:p15="http://schemas.microsoft.com/office/powerpoint/2012/main" xmlns:mc="http://schemas.openxmlformats.org/markup-compatibility/2006" type="objOverTx" preserve="1">
+<p:sldLayout xmlns:a="http://schemas.openxmlformats.org/drawingml/2006/main" xmlns:r="http://schemas.openxmlformats.org/officeDocument/2006/relationships" xmlns:p="http://schemas.openxmlformats.org/presentationml/2006/main" type="objOverTx" preserve="1">
   <p:cSld name="Title, Content over Content">
     <p:spTree>
       <p:nvGrpSpPr>
@@ -2872,14 +3061,15 @@
           </a:ln>
         </p:spPr>
         <p:txBody>
-          <a:bodyPr lIns="0" rIns="0" tIns="0" bIns="0" anchor="ctr">
+          <a:bodyPr lIns="0" tIns="0" rIns="0" bIns="0" anchor="ctr">
             <a:noAutofit/>
           </a:bodyPr>
+          <a:lstStyle/>
           <a:p>
             <a:pPr indent="0">
               <a:buNone/>
             </a:pPr>
-            <a:endParaRPr b="0" lang="fr-FR" sz="1800" spc="-1" strike="noStrike">
+            <a:endParaRPr lang="fr-FR" sz="1800" b="0" strike="noStrike" spc="-1">
               <a:solidFill>
                 <a:srgbClr val="000000"/>
               </a:solidFill>
@@ -2912,9 +3102,10 @@
           </a:ln>
         </p:spPr>
         <p:txBody>
-          <a:bodyPr lIns="0" rIns="0" tIns="0" bIns="0" anchor="t">
+          <a:bodyPr lIns="0" tIns="0" rIns="0" bIns="0" anchor="t">
             <a:normAutofit/>
           </a:bodyPr>
+          <a:lstStyle/>
           <a:p>
             <a:pPr indent="0">
               <a:lnSpc>
@@ -2925,7 +3116,7 @@
               </a:spcBef>
               <a:buNone/>
             </a:pPr>
-            <a:endParaRPr b="0" lang="fr-FR" sz="2800" spc="-1" strike="noStrike">
+            <a:endParaRPr lang="fr-FR" sz="2800" b="0" strike="noStrike" spc="-1">
               <a:solidFill>
                 <a:srgbClr val="000000"/>
               </a:solidFill>
@@ -2958,9 +3149,10 @@
           </a:ln>
         </p:spPr>
         <p:txBody>
-          <a:bodyPr lIns="0" rIns="0" tIns="0" bIns="0" anchor="t">
+          <a:bodyPr lIns="0" tIns="0" rIns="0" bIns="0" anchor="t">
             <a:normAutofit/>
           </a:bodyPr>
+          <a:lstStyle/>
           <a:p>
             <a:pPr indent="0">
               <a:lnSpc>
@@ -2971,7 +3163,7 @@
               </a:spcBef>
               <a:buNone/>
             </a:pPr>
-            <a:endParaRPr b="0" lang="fr-FR" sz="2800" spc="-1" strike="noStrike">
+            <a:endParaRPr lang="fr-FR" sz="2800" b="0" strike="noStrike" spc="-1">
               <a:solidFill>
                 <a:srgbClr val="000000"/>
               </a:solidFill>
@@ -2993,6 +3185,7 @@
         <p:spPr/>
         <p:txBody>
           <a:bodyPr/>
+          <a:lstStyle/>
           <a:p>
             <a:r>
               <a:t>Footer</a:t>
@@ -3013,10 +3206,12 @@
         <p:spPr/>
         <p:txBody>
           <a:bodyPr/>
+          <a:lstStyle/>
           <a:p>
             <a:fld id="{34E23860-974F-4009-885B-17798D2DB991}" type="slidenum">
-              <a:t>&lt;#&gt;</a:t>
+              <a:t>‹N°›</a:t>
             </a:fld>
+            <a:endParaRPr/>
           </a:p>
         </p:txBody>
       </p:sp>
@@ -3033,21 +3228,22 @@
         <p:spPr/>
         <p:txBody>
           <a:bodyPr/>
-          <a:p>
-            <a:r>
-              <a:rPr lang="fr-FR"/>
-              <a:t/>
-            </a:r>
+          <a:lstStyle/>
+          <a:p>
+            <a:endParaRPr/>
           </a:p>
         </p:txBody>
       </p:sp>
     </p:spTree>
   </p:cSld>
+  <p:clrMapOvr>
+    <a:masterClrMapping/>
+  </p:clrMapOvr>
 </p:sldLayout>
 </file>
 
 <file path=ppt/slideLayouts/slideLayout23.xml><?xml version="1.0" encoding="utf-8"?>
-<p:sldLayout xmlns:a="http://schemas.openxmlformats.org/drawingml/2006/main" xmlns:p="http://schemas.openxmlformats.org/presentationml/2006/main" xmlns:r="http://schemas.openxmlformats.org/officeDocument/2006/relationships" xmlns:p14="http://schemas.microsoft.com/office/powerpoint/2010/main" xmlns:p15="http://schemas.microsoft.com/office/powerpoint/2012/main" xmlns:mc="http://schemas.openxmlformats.org/markup-compatibility/2006" type="fourObj" preserve="1">
+<p:sldLayout xmlns:a="http://schemas.openxmlformats.org/drawingml/2006/main" xmlns:r="http://schemas.openxmlformats.org/officeDocument/2006/relationships" xmlns:p="http://schemas.openxmlformats.org/presentationml/2006/main" type="fourObj" preserve="1">
   <p:cSld name="Title, 4 Content">
     <p:spTree>
       <p:nvGrpSpPr>
@@ -3087,14 +3283,15 @@
           </a:ln>
         </p:spPr>
         <p:txBody>
-          <a:bodyPr lIns="0" rIns="0" tIns="0" bIns="0" anchor="ctr">
+          <a:bodyPr lIns="0" tIns="0" rIns="0" bIns="0" anchor="ctr">
             <a:noAutofit/>
           </a:bodyPr>
+          <a:lstStyle/>
           <a:p>
             <a:pPr indent="0">
               <a:buNone/>
             </a:pPr>
-            <a:endParaRPr b="0" lang="fr-FR" sz="1800" spc="-1" strike="noStrike">
+            <a:endParaRPr lang="fr-FR" sz="1800" b="0" strike="noStrike" spc="-1">
               <a:solidFill>
                 <a:srgbClr val="000000"/>
               </a:solidFill>
@@ -3127,9 +3324,10 @@
           </a:ln>
         </p:spPr>
         <p:txBody>
-          <a:bodyPr lIns="0" rIns="0" tIns="0" bIns="0" anchor="t">
+          <a:bodyPr lIns="0" tIns="0" rIns="0" bIns="0" anchor="t">
             <a:normAutofit/>
           </a:bodyPr>
+          <a:lstStyle/>
           <a:p>
             <a:pPr indent="0">
               <a:lnSpc>
@@ -3140,7 +3338,7 @@
               </a:spcBef>
               <a:buNone/>
             </a:pPr>
-            <a:endParaRPr b="0" lang="fr-FR" sz="2800" spc="-1" strike="noStrike">
+            <a:endParaRPr lang="fr-FR" sz="2800" b="0" strike="noStrike" spc="-1">
               <a:solidFill>
                 <a:srgbClr val="000000"/>
               </a:solidFill>
@@ -3173,9 +3371,10 @@
           </a:ln>
         </p:spPr>
         <p:txBody>
-          <a:bodyPr lIns="0" rIns="0" tIns="0" bIns="0" anchor="t">
+          <a:bodyPr lIns="0" tIns="0" rIns="0" bIns="0" anchor="t">
             <a:normAutofit/>
           </a:bodyPr>
+          <a:lstStyle/>
           <a:p>
             <a:pPr indent="0">
               <a:lnSpc>
@@ -3186,7 +3385,7 @@
               </a:spcBef>
               <a:buNone/>
             </a:pPr>
-            <a:endParaRPr b="0" lang="fr-FR" sz="2800" spc="-1" strike="noStrike">
+            <a:endParaRPr lang="fr-FR" sz="2800" b="0" strike="noStrike" spc="-1">
               <a:solidFill>
                 <a:srgbClr val="000000"/>
               </a:solidFill>
@@ -3219,9 +3418,10 @@
           </a:ln>
         </p:spPr>
         <p:txBody>
-          <a:bodyPr lIns="0" rIns="0" tIns="0" bIns="0" anchor="t">
+          <a:bodyPr lIns="0" tIns="0" rIns="0" bIns="0" anchor="t">
             <a:normAutofit/>
           </a:bodyPr>
+          <a:lstStyle/>
           <a:p>
             <a:pPr indent="0">
               <a:lnSpc>
@@ -3232,7 +3432,7 @@
               </a:spcBef>
               <a:buNone/>
             </a:pPr>
-            <a:endParaRPr b="0" lang="fr-FR" sz="2800" spc="-1" strike="noStrike">
+            <a:endParaRPr lang="fr-FR" sz="2800" b="0" strike="noStrike" spc="-1">
               <a:solidFill>
                 <a:srgbClr val="000000"/>
               </a:solidFill>
@@ -3265,9 +3465,10 @@
           </a:ln>
         </p:spPr>
         <p:txBody>
-          <a:bodyPr lIns="0" rIns="0" tIns="0" bIns="0" anchor="t">
+          <a:bodyPr lIns="0" tIns="0" rIns="0" bIns="0" anchor="t">
             <a:normAutofit/>
           </a:bodyPr>
+          <a:lstStyle/>
           <a:p>
             <a:pPr indent="0">
               <a:lnSpc>
@@ -3278,7 +3479,7 @@
               </a:spcBef>
               <a:buNone/>
             </a:pPr>
-            <a:endParaRPr b="0" lang="fr-FR" sz="2800" spc="-1" strike="noStrike">
+            <a:endParaRPr lang="fr-FR" sz="2800" b="0" strike="noStrike" spc="-1">
               <a:solidFill>
                 <a:srgbClr val="000000"/>
               </a:solidFill>
@@ -3300,6 +3501,7 @@
         <p:spPr/>
         <p:txBody>
           <a:bodyPr/>
+          <a:lstStyle/>
           <a:p>
             <a:r>
               <a:t>Footer</a:t>
@@ -3320,10 +3522,12 @@
         <p:spPr/>
         <p:txBody>
           <a:bodyPr/>
+          <a:lstStyle/>
           <a:p>
             <a:fld id="{C808725A-7C8F-43D9-AFE9-C3C7CB3DA9D5}" type="slidenum">
-              <a:t>&lt;#&gt;</a:t>
+              <a:t>‹N°›</a:t>
             </a:fld>
+            <a:endParaRPr/>
           </a:p>
         </p:txBody>
       </p:sp>
@@ -3340,21 +3544,22 @@
         <p:spPr/>
         <p:txBody>
           <a:bodyPr/>
-          <a:p>
-            <a:r>
-              <a:rPr lang="fr-FR"/>
-              <a:t/>
-            </a:r>
+          <a:lstStyle/>
+          <a:p>
+            <a:endParaRPr/>
           </a:p>
         </p:txBody>
       </p:sp>
     </p:spTree>
   </p:cSld>
+  <p:clrMapOvr>
+    <a:masterClrMapping/>
+  </p:clrMapOvr>
 </p:sldLayout>
 </file>
 
 <file path=ppt/slideLayouts/slideLayout24.xml><?xml version="1.0" encoding="utf-8"?>
-<p:sldLayout xmlns:a="http://schemas.openxmlformats.org/drawingml/2006/main" xmlns:p="http://schemas.openxmlformats.org/presentationml/2006/main" xmlns:r="http://schemas.openxmlformats.org/officeDocument/2006/relationships" xmlns:p14="http://schemas.microsoft.com/office/powerpoint/2010/main" xmlns:p15="http://schemas.microsoft.com/office/powerpoint/2012/main" xmlns:mc="http://schemas.openxmlformats.org/markup-compatibility/2006" type="blank" preserve="1">
+<p:sldLayout xmlns:a="http://schemas.openxmlformats.org/drawingml/2006/main" xmlns:r="http://schemas.openxmlformats.org/officeDocument/2006/relationships" xmlns:p="http://schemas.openxmlformats.org/presentationml/2006/main" type="blank" preserve="1">
   <p:cSld name="Title, 6 Content">
     <p:spTree>
       <p:nvGrpSpPr>
@@ -3394,14 +3599,15 @@
           </a:ln>
         </p:spPr>
         <p:txBody>
-          <a:bodyPr lIns="0" rIns="0" tIns="0" bIns="0" anchor="ctr">
+          <a:bodyPr lIns="0" tIns="0" rIns="0" bIns="0" anchor="ctr">
             <a:noAutofit/>
           </a:bodyPr>
+          <a:lstStyle/>
           <a:p>
             <a:pPr indent="0">
               <a:buNone/>
             </a:pPr>
-            <a:endParaRPr b="0" lang="fr-FR" sz="1800" spc="-1" strike="noStrike">
+            <a:endParaRPr lang="fr-FR" sz="1800" b="0" strike="noStrike" spc="-1">
               <a:solidFill>
                 <a:srgbClr val="000000"/>
               </a:solidFill>
@@ -3434,9 +3640,10 @@
           </a:ln>
         </p:spPr>
         <p:txBody>
-          <a:bodyPr lIns="0" rIns="0" tIns="0" bIns="0" anchor="t">
+          <a:bodyPr lIns="0" tIns="0" rIns="0" bIns="0" anchor="t">
             <a:normAutofit/>
           </a:bodyPr>
+          <a:lstStyle/>
           <a:p>
             <a:pPr indent="0">
               <a:lnSpc>
@@ -3447,7 +3654,7 @@
               </a:spcBef>
               <a:buNone/>
             </a:pPr>
-            <a:endParaRPr b="0" lang="fr-FR" sz="2800" spc="-1" strike="noStrike">
+            <a:endParaRPr lang="fr-FR" sz="2800" b="0" strike="noStrike" spc="-1">
               <a:solidFill>
                 <a:srgbClr val="000000"/>
               </a:solidFill>
@@ -3480,9 +3687,10 @@
           </a:ln>
         </p:spPr>
         <p:txBody>
-          <a:bodyPr lIns="0" rIns="0" tIns="0" bIns="0" anchor="t">
+          <a:bodyPr lIns="0" tIns="0" rIns="0" bIns="0" anchor="t">
             <a:normAutofit/>
           </a:bodyPr>
+          <a:lstStyle/>
           <a:p>
             <a:pPr indent="0">
               <a:lnSpc>
@@ -3493,7 +3701,7 @@
               </a:spcBef>
               <a:buNone/>
             </a:pPr>
-            <a:endParaRPr b="0" lang="fr-FR" sz="2800" spc="-1" strike="noStrike">
+            <a:endParaRPr lang="fr-FR" sz="2800" b="0" strike="noStrike" spc="-1">
               <a:solidFill>
                 <a:srgbClr val="000000"/>
               </a:solidFill>
@@ -3526,9 +3734,10 @@
           </a:ln>
         </p:spPr>
         <p:txBody>
-          <a:bodyPr lIns="0" rIns="0" tIns="0" bIns="0" anchor="t">
+          <a:bodyPr lIns="0" tIns="0" rIns="0" bIns="0" anchor="t">
             <a:normAutofit/>
           </a:bodyPr>
+          <a:lstStyle/>
           <a:p>
             <a:pPr indent="0">
               <a:lnSpc>
@@ -3539,7 +3748,7 @@
               </a:spcBef>
               <a:buNone/>
             </a:pPr>
-            <a:endParaRPr b="0" lang="fr-FR" sz="2800" spc="-1" strike="noStrike">
+            <a:endParaRPr lang="fr-FR" sz="2800" b="0" strike="noStrike" spc="-1">
               <a:solidFill>
                 <a:srgbClr val="000000"/>
               </a:solidFill>
@@ -3572,9 +3781,10 @@
           </a:ln>
         </p:spPr>
         <p:txBody>
-          <a:bodyPr lIns="0" rIns="0" tIns="0" bIns="0" anchor="t">
+          <a:bodyPr lIns="0" tIns="0" rIns="0" bIns="0" anchor="t">
             <a:normAutofit/>
           </a:bodyPr>
+          <a:lstStyle/>
           <a:p>
             <a:pPr indent="0">
               <a:lnSpc>
@@ -3585,7 +3795,7 @@
               </a:spcBef>
               <a:buNone/>
             </a:pPr>
-            <a:endParaRPr b="0" lang="fr-FR" sz="2800" spc="-1" strike="noStrike">
+            <a:endParaRPr lang="fr-FR" sz="2800" b="0" strike="noStrike" spc="-1">
               <a:solidFill>
                 <a:srgbClr val="000000"/>
               </a:solidFill>
@@ -3618,9 +3828,10 @@
           </a:ln>
         </p:spPr>
         <p:txBody>
-          <a:bodyPr lIns="0" rIns="0" tIns="0" bIns="0" anchor="t">
+          <a:bodyPr lIns="0" tIns="0" rIns="0" bIns="0" anchor="t">
             <a:normAutofit/>
           </a:bodyPr>
+          <a:lstStyle/>
           <a:p>
             <a:pPr indent="0">
               <a:lnSpc>
@@ -3631,7 +3842,7 @@
               </a:spcBef>
               <a:buNone/>
             </a:pPr>
-            <a:endParaRPr b="0" lang="fr-FR" sz="2800" spc="-1" strike="noStrike">
+            <a:endParaRPr lang="fr-FR" sz="2800" b="0" strike="noStrike" spc="-1">
               <a:solidFill>
                 <a:srgbClr val="000000"/>
               </a:solidFill>
@@ -3664,9 +3875,10 @@
           </a:ln>
         </p:spPr>
         <p:txBody>
-          <a:bodyPr lIns="0" rIns="0" tIns="0" bIns="0" anchor="t">
+          <a:bodyPr lIns="0" tIns="0" rIns="0" bIns="0" anchor="t">
             <a:normAutofit/>
           </a:bodyPr>
+          <a:lstStyle/>
           <a:p>
             <a:pPr indent="0">
               <a:lnSpc>
@@ -3677,7 +3889,7 @@
               </a:spcBef>
               <a:buNone/>
             </a:pPr>
-            <a:endParaRPr b="0" lang="fr-FR" sz="2800" spc="-1" strike="noStrike">
+            <a:endParaRPr lang="fr-FR" sz="2800" b="0" strike="noStrike" spc="-1">
               <a:solidFill>
                 <a:srgbClr val="000000"/>
               </a:solidFill>
@@ -3699,6 +3911,7 @@
         <p:spPr/>
         <p:txBody>
           <a:bodyPr/>
+          <a:lstStyle/>
           <a:p>
             <a:r>
               <a:t>Footer</a:t>
@@ -3719,10 +3932,12 @@
         <p:spPr/>
         <p:txBody>
           <a:bodyPr/>
+          <a:lstStyle/>
           <a:p>
             <a:fld id="{DA5D9EE0-DE74-4CDB-85E0-3F8108C782B9}" type="slidenum">
-              <a:t>&lt;#&gt;</a:t>
+              <a:t>‹N°›</a:t>
             </a:fld>
+            <a:endParaRPr/>
           </a:p>
         </p:txBody>
       </p:sp>
@@ -3739,21 +3954,22 @@
         <p:spPr/>
         <p:txBody>
           <a:bodyPr/>
-          <a:p>
-            <a:r>
-              <a:rPr lang="fr-FR"/>
-              <a:t/>
-            </a:r>
+          <a:lstStyle/>
+          <a:p>
+            <a:endParaRPr/>
           </a:p>
         </p:txBody>
       </p:sp>
     </p:spTree>
   </p:cSld>
+  <p:clrMapOvr>
+    <a:masterClrMapping/>
+  </p:clrMapOvr>
 </p:sldLayout>
 </file>
 
 <file path=ppt/slideLayouts/slideLayout3.xml><?xml version="1.0" encoding="utf-8"?>
-<p:sldLayout xmlns:a="http://schemas.openxmlformats.org/drawingml/2006/main" xmlns:p="http://schemas.openxmlformats.org/presentationml/2006/main" xmlns:r="http://schemas.openxmlformats.org/officeDocument/2006/relationships" xmlns:p14="http://schemas.microsoft.com/office/powerpoint/2010/main" xmlns:p15="http://schemas.microsoft.com/office/powerpoint/2012/main" xmlns:mc="http://schemas.openxmlformats.org/markup-compatibility/2006" type="obj" preserve="1">
+<p:sldLayout xmlns:a="http://schemas.openxmlformats.org/drawingml/2006/main" xmlns:r="http://schemas.openxmlformats.org/officeDocument/2006/relationships" xmlns:p="http://schemas.openxmlformats.org/presentationml/2006/main" type="obj" preserve="1">
   <p:cSld name="Title, Content">
     <p:spTree>
       <p:nvGrpSpPr>
@@ -3793,14 +4009,15 @@
           </a:ln>
         </p:spPr>
         <p:txBody>
-          <a:bodyPr lIns="0" rIns="0" tIns="0" bIns="0" anchor="ctr">
+          <a:bodyPr lIns="0" tIns="0" rIns="0" bIns="0" anchor="ctr">
             <a:noAutofit/>
           </a:bodyPr>
+          <a:lstStyle/>
           <a:p>
             <a:pPr indent="0">
               <a:buNone/>
             </a:pPr>
-            <a:endParaRPr b="0" lang="fr-FR" sz="1800" spc="-1" strike="noStrike">
+            <a:endParaRPr lang="fr-FR" sz="1800" b="0" strike="noStrike" spc="-1">
               <a:solidFill>
                 <a:srgbClr val="000000"/>
               </a:solidFill>
@@ -3833,9 +4050,10 @@
           </a:ln>
         </p:spPr>
         <p:txBody>
-          <a:bodyPr lIns="0" rIns="0" tIns="0" bIns="0" anchor="t">
+          <a:bodyPr lIns="0" tIns="0" rIns="0" bIns="0" anchor="t">
             <a:normAutofit/>
           </a:bodyPr>
+          <a:lstStyle/>
           <a:p>
             <a:pPr indent="0">
               <a:lnSpc>
@@ -3846,7 +4064,7 @@
               </a:spcBef>
               <a:buNone/>
             </a:pPr>
-            <a:endParaRPr b="0" lang="fr-FR" sz="2800" spc="-1" strike="noStrike">
+            <a:endParaRPr lang="fr-FR" sz="2800" b="0" strike="noStrike" spc="-1">
               <a:solidFill>
                 <a:srgbClr val="000000"/>
               </a:solidFill>
@@ -3868,6 +4086,7 @@
         <p:spPr/>
         <p:txBody>
           <a:bodyPr/>
+          <a:lstStyle/>
           <a:p>
             <a:r>
               <a:t>Footer</a:t>
@@ -3888,10 +4107,12 @@
         <p:spPr/>
         <p:txBody>
           <a:bodyPr/>
+          <a:lstStyle/>
           <a:p>
             <a:fld id="{0D9EFA22-A354-4F1B-A696-4AA12755FAE5}" type="slidenum">
-              <a:t>&lt;#&gt;</a:t>
+              <a:t>‹N°›</a:t>
             </a:fld>
+            <a:endParaRPr/>
           </a:p>
         </p:txBody>
       </p:sp>
@@ -3908,21 +4129,22 @@
         <p:spPr/>
         <p:txBody>
           <a:bodyPr/>
-          <a:p>
-            <a:r>
-              <a:rPr lang="fr-FR"/>
-              <a:t/>
-            </a:r>
+          <a:lstStyle/>
+          <a:p>
+            <a:endParaRPr/>
           </a:p>
         </p:txBody>
       </p:sp>
     </p:spTree>
   </p:cSld>
+  <p:clrMapOvr>
+    <a:masterClrMapping/>
+  </p:clrMapOvr>
 </p:sldLayout>
 </file>
 
 <file path=ppt/slideLayouts/slideLayout4.xml><?xml version="1.0" encoding="utf-8"?>
-<p:sldLayout xmlns:a="http://schemas.openxmlformats.org/drawingml/2006/main" xmlns:p="http://schemas.openxmlformats.org/presentationml/2006/main" xmlns:r="http://schemas.openxmlformats.org/officeDocument/2006/relationships" xmlns:p14="http://schemas.microsoft.com/office/powerpoint/2010/main" xmlns:p15="http://schemas.microsoft.com/office/powerpoint/2012/main" xmlns:mc="http://schemas.openxmlformats.org/markup-compatibility/2006" type="twoObj" preserve="1">
+<p:sldLayout xmlns:a="http://schemas.openxmlformats.org/drawingml/2006/main" xmlns:r="http://schemas.openxmlformats.org/officeDocument/2006/relationships" xmlns:p="http://schemas.openxmlformats.org/presentationml/2006/main" type="twoObj" preserve="1">
   <p:cSld name="Title, 2 Content">
     <p:spTree>
       <p:nvGrpSpPr>
@@ -3962,14 +4184,15 @@
           </a:ln>
         </p:spPr>
         <p:txBody>
-          <a:bodyPr lIns="0" rIns="0" tIns="0" bIns="0" anchor="ctr">
+          <a:bodyPr lIns="0" tIns="0" rIns="0" bIns="0" anchor="ctr">
             <a:noAutofit/>
           </a:bodyPr>
+          <a:lstStyle/>
           <a:p>
             <a:pPr indent="0">
               <a:buNone/>
             </a:pPr>
-            <a:endParaRPr b="0" lang="fr-FR" sz="1800" spc="-1" strike="noStrike">
+            <a:endParaRPr lang="fr-FR" sz="1800" b="0" strike="noStrike" spc="-1">
               <a:solidFill>
                 <a:srgbClr val="000000"/>
               </a:solidFill>
@@ -4002,9 +4225,10 @@
           </a:ln>
         </p:spPr>
         <p:txBody>
-          <a:bodyPr lIns="0" rIns="0" tIns="0" bIns="0" anchor="t">
+          <a:bodyPr lIns="0" tIns="0" rIns="0" bIns="0" anchor="t">
             <a:normAutofit/>
           </a:bodyPr>
+          <a:lstStyle/>
           <a:p>
             <a:pPr indent="0">
               <a:lnSpc>
@@ -4015,7 +4239,7 @@
               </a:spcBef>
               <a:buNone/>
             </a:pPr>
-            <a:endParaRPr b="0" lang="fr-FR" sz="2800" spc="-1" strike="noStrike">
+            <a:endParaRPr lang="fr-FR" sz="2800" b="0" strike="noStrike" spc="-1">
               <a:solidFill>
                 <a:srgbClr val="000000"/>
               </a:solidFill>
@@ -4048,9 +4272,10 @@
           </a:ln>
         </p:spPr>
         <p:txBody>
-          <a:bodyPr lIns="0" rIns="0" tIns="0" bIns="0" anchor="t">
+          <a:bodyPr lIns="0" tIns="0" rIns="0" bIns="0" anchor="t">
             <a:normAutofit/>
           </a:bodyPr>
+          <a:lstStyle/>
           <a:p>
             <a:pPr indent="0">
               <a:lnSpc>
@@ -4061,7 +4286,7 @@
               </a:spcBef>
               <a:buNone/>
             </a:pPr>
-            <a:endParaRPr b="0" lang="fr-FR" sz="2800" spc="-1" strike="noStrike">
+            <a:endParaRPr lang="fr-FR" sz="2800" b="0" strike="noStrike" spc="-1">
               <a:solidFill>
                 <a:srgbClr val="000000"/>
               </a:solidFill>
@@ -4083,6 +4308,7 @@
         <p:spPr/>
         <p:txBody>
           <a:bodyPr/>
+          <a:lstStyle/>
           <a:p>
             <a:r>
               <a:t>Footer</a:t>
@@ -4103,10 +4329,12 @@
         <p:spPr/>
         <p:txBody>
           <a:bodyPr/>
+          <a:lstStyle/>
           <a:p>
             <a:fld id="{E68543FB-D06E-47A0-AD74-53CFE215006D}" type="slidenum">
-              <a:t>&lt;#&gt;</a:t>
+              <a:t>‹N°›</a:t>
             </a:fld>
+            <a:endParaRPr/>
           </a:p>
         </p:txBody>
       </p:sp>
@@ -4123,21 +4351,22 @@
         <p:spPr/>
         <p:txBody>
           <a:bodyPr/>
-          <a:p>
-            <a:r>
-              <a:rPr lang="fr-FR"/>
-              <a:t/>
-            </a:r>
+          <a:lstStyle/>
+          <a:p>
+            <a:endParaRPr/>
           </a:p>
         </p:txBody>
       </p:sp>
     </p:spTree>
   </p:cSld>
+  <p:clrMapOvr>
+    <a:masterClrMapping/>
+  </p:clrMapOvr>
 </p:sldLayout>
 </file>
 
 <file path=ppt/slideLayouts/slideLayout5.xml><?xml version="1.0" encoding="utf-8"?>
-<p:sldLayout xmlns:a="http://schemas.openxmlformats.org/drawingml/2006/main" xmlns:p="http://schemas.openxmlformats.org/presentationml/2006/main" xmlns:r="http://schemas.openxmlformats.org/officeDocument/2006/relationships" xmlns:p14="http://schemas.microsoft.com/office/powerpoint/2010/main" xmlns:p15="http://schemas.microsoft.com/office/powerpoint/2012/main" xmlns:mc="http://schemas.openxmlformats.org/markup-compatibility/2006" type="titleOnly" preserve="1">
+<p:sldLayout xmlns:a="http://schemas.openxmlformats.org/drawingml/2006/main" xmlns:r="http://schemas.openxmlformats.org/officeDocument/2006/relationships" xmlns:p="http://schemas.openxmlformats.org/presentationml/2006/main" type="titleOnly" preserve="1">
   <p:cSld name="Title Only">
     <p:spTree>
       <p:nvGrpSpPr>
@@ -4177,14 +4406,15 @@
           </a:ln>
         </p:spPr>
         <p:txBody>
-          <a:bodyPr lIns="0" rIns="0" tIns="0" bIns="0" anchor="ctr">
+          <a:bodyPr lIns="0" tIns="0" rIns="0" bIns="0" anchor="ctr">
             <a:noAutofit/>
           </a:bodyPr>
+          <a:lstStyle/>
           <a:p>
             <a:pPr indent="0">
               <a:buNone/>
             </a:pPr>
-            <a:endParaRPr b="0" lang="fr-FR" sz="1800" spc="-1" strike="noStrike">
+            <a:endParaRPr lang="fr-FR" sz="1800" b="0" strike="noStrike" spc="-1">
               <a:solidFill>
                 <a:srgbClr val="000000"/>
               </a:solidFill>
@@ -4206,6 +4436,7 @@
         <p:spPr/>
         <p:txBody>
           <a:bodyPr/>
+          <a:lstStyle/>
           <a:p>
             <a:r>
               <a:t>Footer</a:t>
@@ -4226,10 +4457,12 @@
         <p:spPr/>
         <p:txBody>
           <a:bodyPr/>
+          <a:lstStyle/>
           <a:p>
             <a:fld id="{054CEFB7-02BE-4AE1-9932-054018435C9F}" type="slidenum">
-              <a:t>&lt;#&gt;</a:t>
+              <a:t>‹N°›</a:t>
             </a:fld>
+            <a:endParaRPr/>
           </a:p>
         </p:txBody>
       </p:sp>
@@ -4246,21 +4479,22 @@
         <p:spPr/>
         <p:txBody>
           <a:bodyPr/>
-          <a:p>
-            <a:r>
-              <a:rPr lang="fr-FR"/>
-              <a:t/>
-            </a:r>
+          <a:lstStyle/>
+          <a:p>
+            <a:endParaRPr/>
           </a:p>
         </p:txBody>
       </p:sp>
     </p:spTree>
   </p:cSld>
+  <p:clrMapOvr>
+    <a:masterClrMapping/>
+  </p:clrMapOvr>
 </p:sldLayout>
 </file>
 
 <file path=ppt/slideLayouts/slideLayout6.xml><?xml version="1.0" encoding="utf-8"?>
-<p:sldLayout xmlns:a="http://schemas.openxmlformats.org/drawingml/2006/main" xmlns:p="http://schemas.openxmlformats.org/presentationml/2006/main" xmlns:r="http://schemas.openxmlformats.org/officeDocument/2006/relationships" xmlns:p14="http://schemas.microsoft.com/office/powerpoint/2010/main" xmlns:p15="http://schemas.microsoft.com/office/powerpoint/2012/main" xmlns:mc="http://schemas.openxmlformats.org/markup-compatibility/2006" type="objOnly" preserve="1">
+<p:sldLayout xmlns:a="http://schemas.openxmlformats.org/drawingml/2006/main" xmlns:r="http://schemas.openxmlformats.org/officeDocument/2006/relationships" xmlns:p="http://schemas.openxmlformats.org/presentationml/2006/main" type="objOnly" preserve="1">
   <p:cSld name="Centered Text">
     <p:spTree>
       <p:nvGrpSpPr>
@@ -4300,12 +4534,13 @@
           </a:ln>
         </p:spPr>
         <p:txBody>
-          <a:bodyPr lIns="0" rIns="0" tIns="0" bIns="0" anchor="ctr">
+          <a:bodyPr lIns="0" tIns="0" rIns="0" bIns="0" anchor="ctr">
             <a:noAutofit/>
           </a:bodyPr>
+          <a:lstStyle/>
           <a:p>
             <a:pPr algn="ctr"/>
-            <a:endParaRPr b="0" lang="fr-FR" sz="3200" spc="-1" strike="noStrike">
+            <a:endParaRPr lang="fr-FR" sz="3200" b="0" strike="noStrike" spc="-1">
               <a:latin typeface="Arial"/>
             </a:endParaRPr>
           </a:p>
@@ -4324,6 +4559,7 @@
         <p:spPr/>
         <p:txBody>
           <a:bodyPr/>
+          <a:lstStyle/>
           <a:p>
             <a:r>
               <a:t>Footer</a:t>
@@ -4344,10 +4580,12 @@
         <p:spPr/>
         <p:txBody>
           <a:bodyPr/>
+          <a:lstStyle/>
           <a:p>
             <a:fld id="{68BBFA6D-339E-4B03-BE87-68DDE957A310}" type="slidenum">
-              <a:t>&lt;#&gt;</a:t>
+              <a:t>‹N°›</a:t>
             </a:fld>
+            <a:endParaRPr/>
           </a:p>
         </p:txBody>
       </p:sp>
@@ -4364,21 +4602,22 @@
         <p:spPr/>
         <p:txBody>
           <a:bodyPr/>
-          <a:p>
-            <a:r>
-              <a:rPr lang="fr-FR"/>
-              <a:t/>
-            </a:r>
+          <a:lstStyle/>
+          <a:p>
+            <a:endParaRPr/>
           </a:p>
         </p:txBody>
       </p:sp>
     </p:spTree>
   </p:cSld>
+  <p:clrMapOvr>
+    <a:masterClrMapping/>
+  </p:clrMapOvr>
 </p:sldLayout>
 </file>
 
 <file path=ppt/slideLayouts/slideLayout7.xml><?xml version="1.0" encoding="utf-8"?>
-<p:sldLayout xmlns:a="http://schemas.openxmlformats.org/drawingml/2006/main" xmlns:p="http://schemas.openxmlformats.org/presentationml/2006/main" xmlns:r="http://schemas.openxmlformats.org/officeDocument/2006/relationships" xmlns:p14="http://schemas.microsoft.com/office/powerpoint/2010/main" xmlns:p15="http://schemas.microsoft.com/office/powerpoint/2012/main" xmlns:mc="http://schemas.openxmlformats.org/markup-compatibility/2006" type="twoObjAndObj" preserve="1">
+<p:sldLayout xmlns:a="http://schemas.openxmlformats.org/drawingml/2006/main" xmlns:r="http://schemas.openxmlformats.org/officeDocument/2006/relationships" xmlns:p="http://schemas.openxmlformats.org/presentationml/2006/main" type="twoObjAndObj" preserve="1">
   <p:cSld name="Title, 2 Content and Content">
     <p:spTree>
       <p:nvGrpSpPr>
@@ -4418,14 +4657,15 @@
           </a:ln>
         </p:spPr>
         <p:txBody>
-          <a:bodyPr lIns="0" rIns="0" tIns="0" bIns="0" anchor="ctr">
+          <a:bodyPr lIns="0" tIns="0" rIns="0" bIns="0" anchor="ctr">
             <a:noAutofit/>
           </a:bodyPr>
+          <a:lstStyle/>
           <a:p>
             <a:pPr indent="0">
               <a:buNone/>
             </a:pPr>
-            <a:endParaRPr b="0" lang="fr-FR" sz="1800" spc="-1" strike="noStrike">
+            <a:endParaRPr lang="fr-FR" sz="1800" b="0" strike="noStrike" spc="-1">
               <a:solidFill>
                 <a:srgbClr val="000000"/>
               </a:solidFill>
@@ -4458,9 +4698,10 @@
           </a:ln>
         </p:spPr>
         <p:txBody>
-          <a:bodyPr lIns="0" rIns="0" tIns="0" bIns="0" anchor="t">
+          <a:bodyPr lIns="0" tIns="0" rIns="0" bIns="0" anchor="t">
             <a:normAutofit/>
           </a:bodyPr>
+          <a:lstStyle/>
           <a:p>
             <a:pPr indent="0">
               <a:lnSpc>
@@ -4471,7 +4712,7 @@
               </a:spcBef>
               <a:buNone/>
             </a:pPr>
-            <a:endParaRPr b="0" lang="fr-FR" sz="2800" spc="-1" strike="noStrike">
+            <a:endParaRPr lang="fr-FR" sz="2800" b="0" strike="noStrike" spc="-1">
               <a:solidFill>
                 <a:srgbClr val="000000"/>
               </a:solidFill>
@@ -4504,9 +4745,10 @@
           </a:ln>
         </p:spPr>
         <p:txBody>
-          <a:bodyPr lIns="0" rIns="0" tIns="0" bIns="0" anchor="t">
+          <a:bodyPr lIns="0" tIns="0" rIns="0" bIns="0" anchor="t">
             <a:normAutofit/>
           </a:bodyPr>
+          <a:lstStyle/>
           <a:p>
             <a:pPr indent="0">
               <a:lnSpc>
@@ -4517,7 +4759,7 @@
               </a:spcBef>
               <a:buNone/>
             </a:pPr>
-            <a:endParaRPr b="0" lang="fr-FR" sz="2800" spc="-1" strike="noStrike">
+            <a:endParaRPr lang="fr-FR" sz="2800" b="0" strike="noStrike" spc="-1">
               <a:solidFill>
                 <a:srgbClr val="000000"/>
               </a:solidFill>
@@ -4550,9 +4792,10 @@
           </a:ln>
         </p:spPr>
         <p:txBody>
-          <a:bodyPr lIns="0" rIns="0" tIns="0" bIns="0" anchor="t">
+          <a:bodyPr lIns="0" tIns="0" rIns="0" bIns="0" anchor="t">
             <a:normAutofit/>
           </a:bodyPr>
+          <a:lstStyle/>
           <a:p>
             <a:pPr indent="0">
               <a:lnSpc>
@@ -4563,7 +4806,7 @@
               </a:spcBef>
               <a:buNone/>
             </a:pPr>
-            <a:endParaRPr b="0" lang="fr-FR" sz="2800" spc="-1" strike="noStrike">
+            <a:endParaRPr lang="fr-FR" sz="2800" b="0" strike="noStrike" spc="-1">
               <a:solidFill>
                 <a:srgbClr val="000000"/>
               </a:solidFill>
@@ -4585,6 +4828,7 @@
         <p:spPr/>
         <p:txBody>
           <a:bodyPr/>
+          <a:lstStyle/>
           <a:p>
             <a:r>
               <a:t>Footer</a:t>
@@ -4605,10 +4849,12 @@
         <p:spPr/>
         <p:txBody>
           <a:bodyPr/>
+          <a:lstStyle/>
           <a:p>
             <a:fld id="{EF466DE9-B366-46F8-8D47-4F274CFFC6F7}" type="slidenum">
-              <a:t>&lt;#&gt;</a:t>
+              <a:t>‹N°›</a:t>
             </a:fld>
+            <a:endParaRPr/>
           </a:p>
         </p:txBody>
       </p:sp>
@@ -4625,21 +4871,22 @@
         <p:spPr/>
         <p:txBody>
           <a:bodyPr/>
-          <a:p>
-            <a:r>
-              <a:rPr lang="fr-FR"/>
-              <a:t/>
-            </a:r>
+          <a:lstStyle/>
+          <a:p>
+            <a:endParaRPr/>
           </a:p>
         </p:txBody>
       </p:sp>
     </p:spTree>
   </p:cSld>
+  <p:clrMapOvr>
+    <a:masterClrMapping/>
+  </p:clrMapOvr>
 </p:sldLayout>
 </file>
 
 <file path=ppt/slideLayouts/slideLayout8.xml><?xml version="1.0" encoding="utf-8"?>
-<p:sldLayout xmlns:a="http://schemas.openxmlformats.org/drawingml/2006/main" xmlns:p="http://schemas.openxmlformats.org/presentationml/2006/main" xmlns:r="http://schemas.openxmlformats.org/officeDocument/2006/relationships" xmlns:p14="http://schemas.microsoft.com/office/powerpoint/2010/main" xmlns:p15="http://schemas.microsoft.com/office/powerpoint/2012/main" xmlns:mc="http://schemas.openxmlformats.org/markup-compatibility/2006" type="objAndTwoObj" preserve="1">
+<p:sldLayout xmlns:a="http://schemas.openxmlformats.org/drawingml/2006/main" xmlns:r="http://schemas.openxmlformats.org/officeDocument/2006/relationships" xmlns:p="http://schemas.openxmlformats.org/presentationml/2006/main" type="objAndTwoObj" preserve="1">
   <p:cSld name="Title Content and 2 Content">
     <p:spTree>
       <p:nvGrpSpPr>
@@ -4679,14 +4926,15 @@
           </a:ln>
         </p:spPr>
         <p:txBody>
-          <a:bodyPr lIns="0" rIns="0" tIns="0" bIns="0" anchor="ctr">
+          <a:bodyPr lIns="0" tIns="0" rIns="0" bIns="0" anchor="ctr">
             <a:noAutofit/>
           </a:bodyPr>
+          <a:lstStyle/>
           <a:p>
             <a:pPr indent="0">
               <a:buNone/>
             </a:pPr>
-            <a:endParaRPr b="0" lang="fr-FR" sz="1800" spc="-1" strike="noStrike">
+            <a:endParaRPr lang="fr-FR" sz="1800" b="0" strike="noStrike" spc="-1">
               <a:solidFill>
                 <a:srgbClr val="000000"/>
               </a:solidFill>
@@ -4719,9 +4967,10 @@
           </a:ln>
         </p:spPr>
         <p:txBody>
-          <a:bodyPr lIns="0" rIns="0" tIns="0" bIns="0" anchor="t">
+          <a:bodyPr lIns="0" tIns="0" rIns="0" bIns="0" anchor="t">
             <a:normAutofit/>
           </a:bodyPr>
+          <a:lstStyle/>
           <a:p>
             <a:pPr indent="0">
               <a:lnSpc>
@@ -4732,7 +4981,7 @@
               </a:spcBef>
               <a:buNone/>
             </a:pPr>
-            <a:endParaRPr b="0" lang="fr-FR" sz="2800" spc="-1" strike="noStrike">
+            <a:endParaRPr lang="fr-FR" sz="2800" b="0" strike="noStrike" spc="-1">
               <a:solidFill>
                 <a:srgbClr val="000000"/>
               </a:solidFill>
@@ -4765,9 +5014,10 @@
           </a:ln>
         </p:spPr>
         <p:txBody>
-          <a:bodyPr lIns="0" rIns="0" tIns="0" bIns="0" anchor="t">
+          <a:bodyPr lIns="0" tIns="0" rIns="0" bIns="0" anchor="t">
             <a:normAutofit/>
           </a:bodyPr>
+          <a:lstStyle/>
           <a:p>
             <a:pPr indent="0">
               <a:lnSpc>
@@ -4778,7 +5028,7 @@
               </a:spcBef>
               <a:buNone/>
             </a:pPr>
-            <a:endParaRPr b="0" lang="fr-FR" sz="2800" spc="-1" strike="noStrike">
+            <a:endParaRPr lang="fr-FR" sz="2800" b="0" strike="noStrike" spc="-1">
               <a:solidFill>
                 <a:srgbClr val="000000"/>
               </a:solidFill>
@@ -4811,9 +5061,10 @@
           </a:ln>
         </p:spPr>
         <p:txBody>
-          <a:bodyPr lIns="0" rIns="0" tIns="0" bIns="0" anchor="t">
+          <a:bodyPr lIns="0" tIns="0" rIns="0" bIns="0" anchor="t">
             <a:normAutofit/>
           </a:bodyPr>
+          <a:lstStyle/>
           <a:p>
             <a:pPr indent="0">
               <a:lnSpc>
@@ -4824,7 +5075,7 @@
               </a:spcBef>
               <a:buNone/>
             </a:pPr>
-            <a:endParaRPr b="0" lang="fr-FR" sz="2800" spc="-1" strike="noStrike">
+            <a:endParaRPr lang="fr-FR" sz="2800" b="0" strike="noStrike" spc="-1">
               <a:solidFill>
                 <a:srgbClr val="000000"/>
               </a:solidFill>
@@ -4846,6 +5097,7 @@
         <p:spPr/>
         <p:txBody>
           <a:bodyPr/>
+          <a:lstStyle/>
           <a:p>
             <a:r>
               <a:t>Footer</a:t>
@@ -4866,10 +5118,12 @@
         <p:spPr/>
         <p:txBody>
           <a:bodyPr/>
+          <a:lstStyle/>
           <a:p>
             <a:fld id="{D7CB60A3-AB22-47E4-A8FE-DB300706ABD6}" type="slidenum">
-              <a:t>&lt;#&gt;</a:t>
+              <a:t>‹N°›</a:t>
             </a:fld>
+            <a:endParaRPr/>
           </a:p>
         </p:txBody>
       </p:sp>
@@ -4886,21 +5140,22 @@
         <p:spPr/>
         <p:txBody>
           <a:bodyPr/>
-          <a:p>
-            <a:r>
-              <a:rPr lang="fr-FR"/>
-              <a:t/>
-            </a:r>
+          <a:lstStyle/>
+          <a:p>
+            <a:endParaRPr/>
           </a:p>
         </p:txBody>
       </p:sp>
     </p:spTree>
   </p:cSld>
+  <p:clrMapOvr>
+    <a:masterClrMapping/>
+  </p:clrMapOvr>
 </p:sldLayout>
 </file>
 
 <file path=ppt/slideLayouts/slideLayout9.xml><?xml version="1.0" encoding="utf-8"?>
-<p:sldLayout xmlns:a="http://schemas.openxmlformats.org/drawingml/2006/main" xmlns:p="http://schemas.openxmlformats.org/presentationml/2006/main" xmlns:r="http://schemas.openxmlformats.org/officeDocument/2006/relationships" xmlns:p14="http://schemas.microsoft.com/office/powerpoint/2010/main" xmlns:p15="http://schemas.microsoft.com/office/powerpoint/2012/main" xmlns:mc="http://schemas.openxmlformats.org/markup-compatibility/2006" type="twoObjOverTx" preserve="1">
+<p:sldLayout xmlns:a="http://schemas.openxmlformats.org/drawingml/2006/main" xmlns:r="http://schemas.openxmlformats.org/officeDocument/2006/relationships" xmlns:p="http://schemas.openxmlformats.org/presentationml/2006/main" type="twoObjOverTx" preserve="1">
   <p:cSld name="Title, 2 Content over Content">
     <p:spTree>
       <p:nvGrpSpPr>
@@ -4940,14 +5195,15 @@
           </a:ln>
         </p:spPr>
         <p:txBody>
-          <a:bodyPr lIns="0" rIns="0" tIns="0" bIns="0" anchor="ctr">
+          <a:bodyPr lIns="0" tIns="0" rIns="0" bIns="0" anchor="ctr">
             <a:noAutofit/>
           </a:bodyPr>
+          <a:lstStyle/>
           <a:p>
             <a:pPr indent="0">
               <a:buNone/>
             </a:pPr>
-            <a:endParaRPr b="0" lang="fr-FR" sz="1800" spc="-1" strike="noStrike">
+            <a:endParaRPr lang="fr-FR" sz="1800" b="0" strike="noStrike" spc="-1">
               <a:solidFill>
                 <a:srgbClr val="000000"/>
               </a:solidFill>
@@ -4980,9 +5236,10 @@
           </a:ln>
         </p:spPr>
         <p:txBody>
-          <a:bodyPr lIns="0" rIns="0" tIns="0" bIns="0" anchor="t">
+          <a:bodyPr lIns="0" tIns="0" rIns="0" bIns="0" anchor="t">
             <a:normAutofit/>
           </a:bodyPr>
+          <a:lstStyle/>
           <a:p>
             <a:pPr indent="0">
               <a:lnSpc>
@@ -4993,7 +5250,7 @@
               </a:spcBef>
               <a:buNone/>
             </a:pPr>
-            <a:endParaRPr b="0" lang="fr-FR" sz="2800" spc="-1" strike="noStrike">
+            <a:endParaRPr lang="fr-FR" sz="2800" b="0" strike="noStrike" spc="-1">
               <a:solidFill>
                 <a:srgbClr val="000000"/>
               </a:solidFill>
@@ -5026,9 +5283,10 @@
           </a:ln>
         </p:spPr>
         <p:txBody>
-          <a:bodyPr lIns="0" rIns="0" tIns="0" bIns="0" anchor="t">
+          <a:bodyPr lIns="0" tIns="0" rIns="0" bIns="0" anchor="t">
             <a:normAutofit/>
           </a:bodyPr>
+          <a:lstStyle/>
           <a:p>
             <a:pPr indent="0">
               <a:lnSpc>
@@ -5039,7 +5297,7 @@
               </a:spcBef>
               <a:buNone/>
             </a:pPr>
-            <a:endParaRPr b="0" lang="fr-FR" sz="2800" spc="-1" strike="noStrike">
+            <a:endParaRPr lang="fr-FR" sz="2800" b="0" strike="noStrike" spc="-1">
               <a:solidFill>
                 <a:srgbClr val="000000"/>
               </a:solidFill>
@@ -5072,9 +5330,10 @@
           </a:ln>
         </p:spPr>
         <p:txBody>
-          <a:bodyPr lIns="0" rIns="0" tIns="0" bIns="0" anchor="t">
+          <a:bodyPr lIns="0" tIns="0" rIns="0" bIns="0" anchor="t">
             <a:normAutofit/>
           </a:bodyPr>
+          <a:lstStyle/>
           <a:p>
             <a:pPr indent="0">
               <a:lnSpc>
@@ -5085,7 +5344,7 @@
               </a:spcBef>
               <a:buNone/>
             </a:pPr>
-            <a:endParaRPr b="0" lang="fr-FR" sz="2800" spc="-1" strike="noStrike">
+            <a:endParaRPr lang="fr-FR" sz="2800" b="0" strike="noStrike" spc="-1">
               <a:solidFill>
                 <a:srgbClr val="000000"/>
               </a:solidFill>
@@ -5107,6 +5366,7 @@
         <p:spPr/>
         <p:txBody>
           <a:bodyPr/>
+          <a:lstStyle/>
           <a:p>
             <a:r>
               <a:t>Footer</a:t>
@@ -5127,10 +5387,12 @@
         <p:spPr/>
         <p:txBody>
           <a:bodyPr/>
+          <a:lstStyle/>
           <a:p>
             <a:fld id="{512B4EAC-7C5D-40A0-AB06-222BBA016099}" type="slidenum">
-              <a:t>&lt;#&gt;</a:t>
+              <a:t>‹N°›</a:t>
             </a:fld>
+            <a:endParaRPr/>
           </a:p>
         </p:txBody>
       </p:sp>
@@ -5147,27 +5409,29 @@
         <p:spPr/>
         <p:txBody>
           <a:bodyPr/>
-          <a:p>
-            <a:r>
-              <a:rPr lang="fr-FR"/>
-              <a:t/>
-            </a:r>
+          <a:lstStyle/>
+          <a:p>
+            <a:endParaRPr/>
           </a:p>
         </p:txBody>
       </p:sp>
     </p:spTree>
   </p:cSld>
+  <p:clrMapOvr>
+    <a:masterClrMapping/>
+  </p:clrMapOvr>
 </p:sldLayout>
 </file>
 
 <file path=ppt/slideMasters/slideMaster1.xml><?xml version="1.0" encoding="utf-8"?>
-<p:sldMaster xmlns:a="http://schemas.openxmlformats.org/drawingml/2006/main" xmlns:p="http://schemas.openxmlformats.org/presentationml/2006/main" xmlns:r="http://schemas.openxmlformats.org/officeDocument/2006/relationships" xmlns:p14="http://schemas.microsoft.com/office/powerpoint/2010/main" xmlns:p15="http://schemas.microsoft.com/office/powerpoint/2012/main" xmlns:mc="http://schemas.openxmlformats.org/markup-compatibility/2006">
+<p:sldMaster xmlns:a="http://schemas.openxmlformats.org/drawingml/2006/main" xmlns:r="http://schemas.openxmlformats.org/officeDocument/2006/relationships" xmlns:p="http://schemas.openxmlformats.org/presentationml/2006/main">
   <p:cSld>
     <p:bg>
       <p:bgPr>
         <a:solidFill>
-          <a:srgbClr val="ffffff"/>
+          <a:srgbClr val="FFFFFF"/>
         </a:solidFill>
+        <a:effectLst/>
       </p:bgPr>
     </p:bg>
     <p:spTree>
@@ -5186,7 +5450,7 @@
       </p:grpSpPr>
       <p:sp>
         <p:nvSpPr>
-          <p:cNvPr id="0" name="PlaceHolder 1"/>
+          <p:cNvPr id="5" name="PlaceHolder 1"/>
           <p:cNvSpPr>
             <a:spLocks noGrp="1"/>
           </p:cNvSpPr>
@@ -5211,6 +5475,7 @@
           <a:bodyPr anchor="b">
             <a:noAutofit/>
           </a:bodyPr>
+          <a:lstStyle/>
           <a:p>
             <a:pPr indent="0" algn="ctr">
               <a:lnSpc>
@@ -5219,7 +5484,7 @@
               <a:buNone/>
             </a:pPr>
             <a:r>
-              <a:rPr b="0" lang="fr-FR" sz="6000" spc="-1" strike="noStrike">
+              <a:rPr lang="fr-FR" sz="6000" b="0" strike="noStrike" spc="-1">
                 <a:solidFill>
                   <a:srgbClr val="000000"/>
                 </a:solidFill>
@@ -5227,7 +5492,7 @@
               </a:rPr>
               <a:t>Modifiez le style du titre</a:t>
             </a:r>
-            <a:endParaRPr b="0" lang="fr-FR" sz="6000" spc="-1" strike="noStrike">
+            <a:endParaRPr lang="fr-FR" sz="6000" b="0" strike="noStrike" spc="-1">
               <a:solidFill>
                 <a:srgbClr val="000000"/>
               </a:solidFill>
@@ -5238,7 +5503,7 @@
       </p:sp>
       <p:sp>
         <p:nvSpPr>
-          <p:cNvPr id="1" name="PlaceHolder 2"/>
+          <p:cNvPr id="6" name="PlaceHolder 2"/>
           <p:cNvSpPr>
             <a:spLocks noGrp="1"/>
           </p:cNvSpPr>
@@ -5269,9 +5534,9 @@
                 <a:spcPct val="100000"/>
               </a:lnSpc>
               <a:buNone/>
-              <a:defRPr b="0" lang="fr-FR" sz="1200" spc="-1" strike="noStrike">
+              <a:defRPr lang="fr-FR" sz="1200" b="0" strike="noStrike" spc="-1">
                 <a:solidFill>
-                  <a:srgbClr val="8b8b8b"/>
+                  <a:srgbClr val="8B8B8B"/>
                 </a:solidFill>
                 <a:latin typeface="Calibri"/>
               </a:defRPr>
@@ -5285,15 +5550,15 @@
               <a:buNone/>
             </a:pPr>
             <a:r>
-              <a:rPr b="0" lang="fr-FR" sz="1200" spc="-1" strike="noStrike">
+              <a:rPr lang="fr-FR" sz="1200" b="0" strike="noStrike" spc="-1">
                 <a:solidFill>
-                  <a:srgbClr val="8b8b8b"/>
+                  <a:srgbClr val="8B8B8B"/>
                 </a:solidFill>
                 <a:latin typeface="Calibri"/>
               </a:rPr>
               <a:t>&lt;date/heure&gt;</a:t>
             </a:r>
-            <a:endParaRPr b="0" lang="fr-FR" sz="1200" spc="-1" strike="noStrike">
+            <a:endParaRPr lang="fr-FR" sz="1200" b="0" strike="noStrike" spc="-1">
               <a:latin typeface="Times New Roman"/>
             </a:endParaRPr>
           </a:p>
@@ -5332,9 +5597,9 @@
                 <a:spcPct val="100000"/>
               </a:lnSpc>
               <a:buNone/>
-              <a:defRPr b="0" lang="en-US" sz="1200" spc="-1" strike="noStrike">
+              <a:defRPr lang="en-US" sz="1200" b="0" strike="noStrike" spc="-1">
                 <a:solidFill>
-                  <a:srgbClr val="8b8b8b"/>
+                  <a:srgbClr val="8B8B8B"/>
                 </a:solidFill>
                 <a:latin typeface="Calibri"/>
               </a:defRPr>
@@ -5348,15 +5613,15 @@
               <a:buNone/>
             </a:pPr>
             <a:r>
-              <a:rPr b="0" lang="en-US" sz="1200" spc="-1" strike="noStrike">
+              <a:rPr lang="en-US" sz="1200" b="0" strike="noStrike" spc="-1">
                 <a:solidFill>
-                  <a:srgbClr val="8b8b8b"/>
+                  <a:srgbClr val="8B8B8B"/>
                 </a:solidFill>
                 <a:latin typeface="Calibri"/>
               </a:rPr>
               <a:t>&lt;pied de page&gt;</a:t>
             </a:r>
-            <a:endParaRPr b="0" lang="fr-FR" sz="1200" spc="-1" strike="noStrike">
+            <a:endParaRPr lang="fr-FR" sz="1200" b="0" strike="noStrike" spc="-1">
               <a:latin typeface="Times New Roman"/>
             </a:endParaRPr>
           </a:p>
@@ -5395,9 +5660,9 @@
                 <a:spcPct val="100000"/>
               </a:lnSpc>
               <a:buNone/>
-              <a:defRPr b="0" lang="fr-FR" sz="1200" spc="-1" strike="noStrike">
+              <a:defRPr lang="fr-FR" sz="1200" b="0" strike="noStrike" spc="-1">
                 <a:solidFill>
-                  <a:srgbClr val="8b8b8b"/>
+                  <a:srgbClr val="8B8B8B"/>
                 </a:solidFill>
                 <a:latin typeface="Calibri"/>
               </a:defRPr>
@@ -5411,15 +5676,15 @@
               <a:buNone/>
             </a:pPr>
             <a:fld id="{C678A2C4-720C-4D40-A9C9-EDFB397CA8AD}" type="slidenum">
-              <a:rPr b="0" lang="fr-FR" sz="1200" spc="-1" strike="noStrike">
+              <a:rPr lang="fr-FR" sz="1200" b="0" strike="noStrike" spc="-1">
                 <a:solidFill>
-                  <a:srgbClr val="8b8b8b"/>
+                  <a:srgbClr val="8B8B8B"/>
                 </a:solidFill>
                 <a:latin typeface="Calibri"/>
               </a:rPr>
-              <a:t>&lt;numéro&gt;</a:t>
+              <a:t>‹N°›</a:t>
             </a:fld>
-            <a:endParaRPr b="0" lang="fr-FR" sz="1200" spc="-1" strike="noStrike">
+            <a:endParaRPr lang="fr-FR" sz="1200" b="0" strike="noStrike" spc="-1">
               <a:latin typeface="Times New Roman"/>
             </a:endParaRPr>
           </a:p>
@@ -5449,9 +5714,10 @@
           </a:ln>
         </p:spPr>
         <p:txBody>
-          <a:bodyPr lIns="0" rIns="0" tIns="0" bIns="0" anchor="t">
+          <a:bodyPr lIns="0" tIns="0" rIns="0" bIns="0" anchor="t">
             <a:normAutofit/>
           </a:bodyPr>
+          <a:lstStyle/>
           <a:p>
             <a:pPr marL="432000" indent="-324000">
               <a:lnSpc>
@@ -5468,7 +5734,7 @@
               <a:buChar char=""/>
             </a:pPr>
             <a:r>
-              <a:rPr b="0" lang="fr-FR" sz="2800" spc="-1" strike="noStrike">
+              <a:rPr lang="fr-FR" sz="2800" b="0" strike="noStrike" spc="-1">
                 <a:solidFill>
                   <a:srgbClr val="000000"/>
                 </a:solidFill>
@@ -5476,15 +5742,9 @@
               </a:rPr>
               <a:t>Cliquez pour éditer le format du plan de texte</a:t>
             </a:r>
-            <a:endParaRPr b="0" lang="fr-FR" sz="2800" spc="-1" strike="noStrike">
-              <a:solidFill>
-                <a:srgbClr val="000000"/>
-              </a:solidFill>
-              <a:latin typeface="Calibri"/>
-            </a:endParaRPr>
-          </a:p>
-          <a:p>
-            <a:pPr lvl="1" marL="864000" indent="-324000">
+          </a:p>
+          <a:p>
+            <a:pPr marL="864000" lvl="1" indent="-324000">
               <a:lnSpc>
                 <a:spcPct val="90000"/>
               </a:lnSpc>
@@ -5499,7 +5759,7 @@
               <a:buChar char=""/>
             </a:pPr>
             <a:r>
-              <a:rPr b="0" lang="fr-FR" sz="2000" spc="-1" strike="noStrike">
+              <a:rPr lang="fr-FR" sz="2000" b="0" strike="noStrike" spc="-1">
                 <a:solidFill>
                   <a:srgbClr val="000000"/>
                 </a:solidFill>
@@ -5507,15 +5767,9 @@
               </a:rPr>
               <a:t>Second niveau de plan</a:t>
             </a:r>
-            <a:endParaRPr b="0" lang="fr-FR" sz="2000" spc="-1" strike="noStrike">
-              <a:solidFill>
-                <a:srgbClr val="000000"/>
-              </a:solidFill>
-              <a:latin typeface="Calibri"/>
-            </a:endParaRPr>
-          </a:p>
-          <a:p>
-            <a:pPr lvl="2" marL="1296000" indent="-288000">
+          </a:p>
+          <a:p>
+            <a:pPr marL="1296000" lvl="2" indent="-288000">
               <a:lnSpc>
                 <a:spcPct val="90000"/>
               </a:lnSpc>
@@ -5530,7 +5784,7 @@
               <a:buChar char=""/>
             </a:pPr>
             <a:r>
-              <a:rPr b="0" lang="fr-FR" sz="1800" spc="-1" strike="noStrike">
+              <a:rPr lang="fr-FR" sz="1800" b="0" strike="noStrike" spc="-1">
                 <a:solidFill>
                   <a:srgbClr val="000000"/>
                 </a:solidFill>
@@ -5538,15 +5792,9 @@
               </a:rPr>
               <a:t>Troisième niveau de plan</a:t>
             </a:r>
-            <a:endParaRPr b="0" lang="fr-FR" sz="1800" spc="-1" strike="noStrike">
-              <a:solidFill>
-                <a:srgbClr val="000000"/>
-              </a:solidFill>
-              <a:latin typeface="Calibri"/>
-            </a:endParaRPr>
-          </a:p>
-          <a:p>
-            <a:pPr lvl="3" marL="1728000" indent="-216000">
+          </a:p>
+          <a:p>
+            <a:pPr marL="1728000" lvl="3" indent="-216000">
               <a:lnSpc>
                 <a:spcPct val="90000"/>
               </a:lnSpc>
@@ -5561,7 +5809,7 @@
               <a:buChar char=""/>
             </a:pPr>
             <a:r>
-              <a:rPr b="0" lang="fr-FR" sz="1800" spc="-1" strike="noStrike">
+              <a:rPr lang="fr-FR" sz="1800" b="0" strike="noStrike" spc="-1">
                 <a:solidFill>
                   <a:srgbClr val="000000"/>
                 </a:solidFill>
@@ -5569,15 +5817,9 @@
               </a:rPr>
               <a:t>Quatrième niveau de plan</a:t>
             </a:r>
-            <a:endParaRPr b="0" lang="fr-FR" sz="1800" spc="-1" strike="noStrike">
-              <a:solidFill>
-                <a:srgbClr val="000000"/>
-              </a:solidFill>
-              <a:latin typeface="Calibri"/>
-            </a:endParaRPr>
-          </a:p>
-          <a:p>
-            <a:pPr lvl="4" marL="2160000" indent="-216000">
+          </a:p>
+          <a:p>
+            <a:pPr marL="2160000" lvl="4" indent="-216000">
               <a:lnSpc>
                 <a:spcPct val="90000"/>
               </a:lnSpc>
@@ -5592,7 +5834,7 @@
               <a:buChar char=""/>
             </a:pPr>
             <a:r>
-              <a:rPr b="0" lang="fr-FR" sz="2000" spc="-1" strike="noStrike">
+              <a:rPr lang="fr-FR" sz="2000" b="0" strike="noStrike" spc="-1">
                 <a:solidFill>
                   <a:srgbClr val="000000"/>
                 </a:solidFill>
@@ -5600,15 +5842,9 @@
               </a:rPr>
               <a:t>Cinquième niveau de plan</a:t>
             </a:r>
-            <a:endParaRPr b="0" lang="fr-FR" sz="2000" spc="-1" strike="noStrike">
-              <a:solidFill>
-                <a:srgbClr val="000000"/>
-              </a:solidFill>
-              <a:latin typeface="Calibri"/>
-            </a:endParaRPr>
-          </a:p>
-          <a:p>
-            <a:pPr lvl="5" marL="2592000" indent="-216000">
+          </a:p>
+          <a:p>
+            <a:pPr marL="2592000" lvl="5" indent="-216000">
               <a:lnSpc>
                 <a:spcPct val="90000"/>
               </a:lnSpc>
@@ -5623,7 +5859,7 @@
               <a:buChar char=""/>
             </a:pPr>
             <a:r>
-              <a:rPr b="0" lang="fr-FR" sz="2000" spc="-1" strike="noStrike">
+              <a:rPr lang="fr-FR" sz="2000" b="0" strike="noStrike" spc="-1">
                 <a:solidFill>
                   <a:srgbClr val="000000"/>
                 </a:solidFill>
@@ -5631,15 +5867,9 @@
               </a:rPr>
               <a:t>Sixième niveau de plan</a:t>
             </a:r>
-            <a:endParaRPr b="0" lang="fr-FR" sz="2000" spc="-1" strike="noStrike">
-              <a:solidFill>
-                <a:srgbClr val="000000"/>
-              </a:solidFill>
-              <a:latin typeface="Calibri"/>
-            </a:endParaRPr>
-          </a:p>
-          <a:p>
-            <a:pPr lvl="6" marL="3024000" indent="-216000">
+          </a:p>
+          <a:p>
+            <a:pPr marL="3024000" lvl="6" indent="-216000">
               <a:lnSpc>
                 <a:spcPct val="90000"/>
               </a:lnSpc>
@@ -5654,7 +5884,7 @@
               <a:buChar char=""/>
             </a:pPr>
             <a:r>
-              <a:rPr b="0" lang="fr-FR" sz="2000" spc="-1" strike="noStrike">
+              <a:rPr lang="fr-FR" sz="2000" b="0" strike="noStrike" spc="-1">
                 <a:solidFill>
                   <a:srgbClr val="000000"/>
                 </a:solidFill>
@@ -5662,43 +5892,318 @@
               </a:rPr>
               <a:t>Septième niveau de plan</a:t>
             </a:r>
-            <a:endParaRPr b="0" lang="fr-FR" sz="2000" spc="-1" strike="noStrike">
-              <a:solidFill>
-                <a:srgbClr val="000000"/>
-              </a:solidFill>
-              <a:latin typeface="Calibri"/>
-            </a:endParaRPr>
           </a:p>
         </p:txBody>
       </p:sp>
     </p:spTree>
   </p:cSld>
-  <p:clrMap bg1="lt1" bg2="lt2" tx1="dk1" tx2="dk2" accent1="accent1" accent2="accent2" accent3="accent3" accent4="accent4" accent5="accent5" accent6="accent6" hlink="hlink" folHlink="folHlink"/>
+  <p:clrMap bg1="lt1" tx1="dk1" bg2="lt2" tx2="dk2" accent1="accent1" accent2="accent2" accent3="accent3" accent4="accent4" accent5="accent5" accent6="accent6" hlink="hlink" folHlink="folHlink"/>
   <p:sldLayoutIdLst>
-    <p:sldLayoutId id="2147483649" r:id="rId2"/>
-    <p:sldLayoutId id="2147483650" r:id="rId3"/>
-    <p:sldLayoutId id="2147483651" r:id="rId4"/>
-    <p:sldLayoutId id="2147483652" r:id="rId5"/>
-    <p:sldLayoutId id="2147483653" r:id="rId6"/>
-    <p:sldLayoutId id="2147483654" r:id="rId7"/>
-    <p:sldLayoutId id="2147483655" r:id="rId8"/>
-    <p:sldLayoutId id="2147483656" r:id="rId9"/>
-    <p:sldLayoutId id="2147483657" r:id="rId10"/>
-    <p:sldLayoutId id="2147483658" r:id="rId11"/>
-    <p:sldLayoutId id="2147483659" r:id="rId12"/>
-    <p:sldLayoutId id="2147483660" r:id="rId13"/>
+    <p:sldLayoutId id="2147483649" r:id="rId1"/>
+    <p:sldLayoutId id="2147483650" r:id="rId2"/>
+    <p:sldLayoutId id="2147483651" r:id="rId3"/>
+    <p:sldLayoutId id="2147483652" r:id="rId4"/>
+    <p:sldLayoutId id="2147483653" r:id="rId5"/>
+    <p:sldLayoutId id="2147483654" r:id="rId6"/>
+    <p:sldLayoutId id="2147483655" r:id="rId7"/>
+    <p:sldLayoutId id="2147483656" r:id="rId8"/>
+    <p:sldLayoutId id="2147483657" r:id="rId9"/>
+    <p:sldLayoutId id="2147483658" r:id="rId10"/>
+    <p:sldLayoutId id="2147483659" r:id="rId11"/>
+    <p:sldLayoutId id="2147483660" r:id="rId12"/>
   </p:sldLayoutIdLst>
+  <p:txStyles>
+    <p:titleStyle>
+      <a:lvl1pPr algn="l" defTabSz="914400" rtl="0" eaLnBrk="1" latinLnBrk="0" hangingPunct="1">
+        <a:lnSpc>
+          <a:spcPct val="90000"/>
+        </a:lnSpc>
+        <a:spcBef>
+          <a:spcPct val="0"/>
+        </a:spcBef>
+        <a:buNone/>
+        <a:defRPr sz="4400" kern="1200">
+          <a:solidFill>
+            <a:schemeClr val="tx1"/>
+          </a:solidFill>
+          <a:latin typeface="+mj-lt"/>
+          <a:ea typeface="+mj-ea"/>
+          <a:cs typeface="+mj-cs"/>
+        </a:defRPr>
+      </a:lvl1pPr>
+    </p:titleStyle>
+    <p:bodyStyle>
+      <a:lvl1pPr marL="228600" indent="-228600" algn="l" defTabSz="914400" rtl="0" eaLnBrk="1" latinLnBrk="0" hangingPunct="1">
+        <a:lnSpc>
+          <a:spcPct val="90000"/>
+        </a:lnSpc>
+        <a:spcBef>
+          <a:spcPts val="1000"/>
+        </a:spcBef>
+        <a:buFont typeface="Arial" panose="020B0604020202020204" pitchFamily="34" charset="0"/>
+        <a:buChar char="•"/>
+        <a:defRPr sz="2800" kern="1200">
+          <a:solidFill>
+            <a:schemeClr val="tx1"/>
+          </a:solidFill>
+          <a:latin typeface="+mn-lt"/>
+          <a:ea typeface="+mn-ea"/>
+          <a:cs typeface="+mn-cs"/>
+        </a:defRPr>
+      </a:lvl1pPr>
+      <a:lvl2pPr marL="685800" indent="-228600" algn="l" defTabSz="914400" rtl="0" eaLnBrk="1" latinLnBrk="0" hangingPunct="1">
+        <a:lnSpc>
+          <a:spcPct val="90000"/>
+        </a:lnSpc>
+        <a:spcBef>
+          <a:spcPts val="500"/>
+        </a:spcBef>
+        <a:buFont typeface="Arial" panose="020B0604020202020204" pitchFamily="34" charset="0"/>
+        <a:buChar char="•"/>
+        <a:defRPr sz="2400" kern="1200">
+          <a:solidFill>
+            <a:schemeClr val="tx1"/>
+          </a:solidFill>
+          <a:latin typeface="+mn-lt"/>
+          <a:ea typeface="+mn-ea"/>
+          <a:cs typeface="+mn-cs"/>
+        </a:defRPr>
+      </a:lvl2pPr>
+      <a:lvl3pPr marL="1143000" indent="-228600" algn="l" defTabSz="914400" rtl="0" eaLnBrk="1" latinLnBrk="0" hangingPunct="1">
+        <a:lnSpc>
+          <a:spcPct val="90000"/>
+        </a:lnSpc>
+        <a:spcBef>
+          <a:spcPts val="500"/>
+        </a:spcBef>
+        <a:buFont typeface="Arial" panose="020B0604020202020204" pitchFamily="34" charset="0"/>
+        <a:buChar char="•"/>
+        <a:defRPr sz="2000" kern="1200">
+          <a:solidFill>
+            <a:schemeClr val="tx1"/>
+          </a:solidFill>
+          <a:latin typeface="+mn-lt"/>
+          <a:ea typeface="+mn-ea"/>
+          <a:cs typeface="+mn-cs"/>
+        </a:defRPr>
+      </a:lvl3pPr>
+      <a:lvl4pPr marL="1600200" indent="-228600" algn="l" defTabSz="914400" rtl="0" eaLnBrk="1" latinLnBrk="0" hangingPunct="1">
+        <a:lnSpc>
+          <a:spcPct val="90000"/>
+        </a:lnSpc>
+        <a:spcBef>
+          <a:spcPts val="500"/>
+        </a:spcBef>
+        <a:buFont typeface="Arial" panose="020B0604020202020204" pitchFamily="34" charset="0"/>
+        <a:buChar char="•"/>
+        <a:defRPr sz="1800" kern="1200">
+          <a:solidFill>
+            <a:schemeClr val="tx1"/>
+          </a:solidFill>
+          <a:latin typeface="+mn-lt"/>
+          <a:ea typeface="+mn-ea"/>
+          <a:cs typeface="+mn-cs"/>
+        </a:defRPr>
+      </a:lvl4pPr>
+      <a:lvl5pPr marL="2057400" indent="-228600" algn="l" defTabSz="914400" rtl="0" eaLnBrk="1" latinLnBrk="0" hangingPunct="1">
+        <a:lnSpc>
+          <a:spcPct val="90000"/>
+        </a:lnSpc>
+        <a:spcBef>
+          <a:spcPts val="500"/>
+        </a:spcBef>
+        <a:buFont typeface="Arial" panose="020B0604020202020204" pitchFamily="34" charset="0"/>
+        <a:buChar char="•"/>
+        <a:defRPr sz="1800" kern="1200">
+          <a:solidFill>
+            <a:schemeClr val="tx1"/>
+          </a:solidFill>
+          <a:latin typeface="+mn-lt"/>
+          <a:ea typeface="+mn-ea"/>
+          <a:cs typeface="+mn-cs"/>
+        </a:defRPr>
+      </a:lvl5pPr>
+      <a:lvl6pPr marL="2514600" indent="-228600" algn="l" defTabSz="914400" rtl="0" eaLnBrk="1" latinLnBrk="0" hangingPunct="1">
+        <a:lnSpc>
+          <a:spcPct val="90000"/>
+        </a:lnSpc>
+        <a:spcBef>
+          <a:spcPts val="500"/>
+        </a:spcBef>
+        <a:buFont typeface="Arial" panose="020B0604020202020204" pitchFamily="34" charset="0"/>
+        <a:buChar char="•"/>
+        <a:defRPr sz="1800" kern="1200">
+          <a:solidFill>
+            <a:schemeClr val="tx1"/>
+          </a:solidFill>
+          <a:latin typeface="+mn-lt"/>
+          <a:ea typeface="+mn-ea"/>
+          <a:cs typeface="+mn-cs"/>
+        </a:defRPr>
+      </a:lvl6pPr>
+      <a:lvl7pPr marL="2971800" indent="-228600" algn="l" defTabSz="914400" rtl="0" eaLnBrk="1" latinLnBrk="0" hangingPunct="1">
+        <a:lnSpc>
+          <a:spcPct val="90000"/>
+        </a:lnSpc>
+        <a:spcBef>
+          <a:spcPts val="500"/>
+        </a:spcBef>
+        <a:buFont typeface="Arial" panose="020B0604020202020204" pitchFamily="34" charset="0"/>
+        <a:buChar char="•"/>
+        <a:defRPr sz="1800" kern="1200">
+          <a:solidFill>
+            <a:schemeClr val="tx1"/>
+          </a:solidFill>
+          <a:latin typeface="+mn-lt"/>
+          <a:ea typeface="+mn-ea"/>
+          <a:cs typeface="+mn-cs"/>
+        </a:defRPr>
+      </a:lvl7pPr>
+      <a:lvl8pPr marL="3429000" indent="-228600" algn="l" defTabSz="914400" rtl="0" eaLnBrk="1" latinLnBrk="0" hangingPunct="1">
+        <a:lnSpc>
+          <a:spcPct val="90000"/>
+        </a:lnSpc>
+        <a:spcBef>
+          <a:spcPts val="500"/>
+        </a:spcBef>
+        <a:buFont typeface="Arial" panose="020B0604020202020204" pitchFamily="34" charset="0"/>
+        <a:buChar char="•"/>
+        <a:defRPr sz="1800" kern="1200">
+          <a:solidFill>
+            <a:schemeClr val="tx1"/>
+          </a:solidFill>
+          <a:latin typeface="+mn-lt"/>
+          <a:ea typeface="+mn-ea"/>
+          <a:cs typeface="+mn-cs"/>
+        </a:defRPr>
+      </a:lvl8pPr>
+      <a:lvl9pPr marL="3886200" indent="-228600" algn="l" defTabSz="914400" rtl="0" eaLnBrk="1" latinLnBrk="0" hangingPunct="1">
+        <a:lnSpc>
+          <a:spcPct val="90000"/>
+        </a:lnSpc>
+        <a:spcBef>
+          <a:spcPts val="500"/>
+        </a:spcBef>
+        <a:buFont typeface="Arial" panose="020B0604020202020204" pitchFamily="34" charset="0"/>
+        <a:buChar char="•"/>
+        <a:defRPr sz="1800" kern="1200">
+          <a:solidFill>
+            <a:schemeClr val="tx1"/>
+          </a:solidFill>
+          <a:latin typeface="+mn-lt"/>
+          <a:ea typeface="+mn-ea"/>
+          <a:cs typeface="+mn-cs"/>
+        </a:defRPr>
+      </a:lvl9pPr>
+    </p:bodyStyle>
+    <p:otherStyle>
+      <a:defPPr>
+        <a:defRPr lang="fr-FR"/>
+      </a:defPPr>
+      <a:lvl1pPr marL="0" algn="l" defTabSz="914400" rtl="0" eaLnBrk="1" latinLnBrk="0" hangingPunct="1">
+        <a:defRPr sz="1800" kern="1200">
+          <a:solidFill>
+            <a:schemeClr val="tx1"/>
+          </a:solidFill>
+          <a:latin typeface="+mn-lt"/>
+          <a:ea typeface="+mn-ea"/>
+          <a:cs typeface="+mn-cs"/>
+        </a:defRPr>
+      </a:lvl1pPr>
+      <a:lvl2pPr marL="457200" algn="l" defTabSz="914400" rtl="0" eaLnBrk="1" latinLnBrk="0" hangingPunct="1">
+        <a:defRPr sz="1800" kern="1200">
+          <a:solidFill>
+            <a:schemeClr val="tx1"/>
+          </a:solidFill>
+          <a:latin typeface="+mn-lt"/>
+          <a:ea typeface="+mn-ea"/>
+          <a:cs typeface="+mn-cs"/>
+        </a:defRPr>
+      </a:lvl2pPr>
+      <a:lvl3pPr marL="914400" algn="l" defTabSz="914400" rtl="0" eaLnBrk="1" latinLnBrk="0" hangingPunct="1">
+        <a:defRPr sz="1800" kern="1200">
+          <a:solidFill>
+            <a:schemeClr val="tx1"/>
+          </a:solidFill>
+          <a:latin typeface="+mn-lt"/>
+          <a:ea typeface="+mn-ea"/>
+          <a:cs typeface="+mn-cs"/>
+        </a:defRPr>
+      </a:lvl3pPr>
+      <a:lvl4pPr marL="1371600" algn="l" defTabSz="914400" rtl="0" eaLnBrk="1" latinLnBrk="0" hangingPunct="1">
+        <a:defRPr sz="1800" kern="1200">
+          <a:solidFill>
+            <a:schemeClr val="tx1"/>
+          </a:solidFill>
+          <a:latin typeface="+mn-lt"/>
+          <a:ea typeface="+mn-ea"/>
+          <a:cs typeface="+mn-cs"/>
+        </a:defRPr>
+      </a:lvl4pPr>
+      <a:lvl5pPr marL="1828800" algn="l" defTabSz="914400" rtl="0" eaLnBrk="1" latinLnBrk="0" hangingPunct="1">
+        <a:defRPr sz="1800" kern="1200">
+          <a:solidFill>
+            <a:schemeClr val="tx1"/>
+          </a:solidFill>
+          <a:latin typeface="+mn-lt"/>
+          <a:ea typeface="+mn-ea"/>
+          <a:cs typeface="+mn-cs"/>
+        </a:defRPr>
+      </a:lvl5pPr>
+      <a:lvl6pPr marL="2286000" algn="l" defTabSz="914400" rtl="0" eaLnBrk="1" latinLnBrk="0" hangingPunct="1">
+        <a:defRPr sz="1800" kern="1200">
+          <a:solidFill>
+            <a:schemeClr val="tx1"/>
+          </a:solidFill>
+          <a:latin typeface="+mn-lt"/>
+          <a:ea typeface="+mn-ea"/>
+          <a:cs typeface="+mn-cs"/>
+        </a:defRPr>
+      </a:lvl6pPr>
+      <a:lvl7pPr marL="2743200" algn="l" defTabSz="914400" rtl="0" eaLnBrk="1" latinLnBrk="0" hangingPunct="1">
+        <a:defRPr sz="1800" kern="1200">
+          <a:solidFill>
+            <a:schemeClr val="tx1"/>
+          </a:solidFill>
+          <a:latin typeface="+mn-lt"/>
+          <a:ea typeface="+mn-ea"/>
+          <a:cs typeface="+mn-cs"/>
+        </a:defRPr>
+      </a:lvl7pPr>
+      <a:lvl8pPr marL="3200400" algn="l" defTabSz="914400" rtl="0" eaLnBrk="1" latinLnBrk="0" hangingPunct="1">
+        <a:defRPr sz="1800" kern="1200">
+          <a:solidFill>
+            <a:schemeClr val="tx1"/>
+          </a:solidFill>
+          <a:latin typeface="+mn-lt"/>
+          <a:ea typeface="+mn-ea"/>
+          <a:cs typeface="+mn-cs"/>
+        </a:defRPr>
+      </a:lvl8pPr>
+      <a:lvl9pPr marL="3657600" algn="l" defTabSz="914400" rtl="0" eaLnBrk="1" latinLnBrk="0" hangingPunct="1">
+        <a:defRPr sz="1800" kern="1200">
+          <a:solidFill>
+            <a:schemeClr val="tx1"/>
+          </a:solidFill>
+          <a:latin typeface="+mn-lt"/>
+          <a:ea typeface="+mn-ea"/>
+          <a:cs typeface="+mn-cs"/>
+        </a:defRPr>
+      </a:lvl9pPr>
+    </p:otherStyle>
+  </p:txStyles>
 </p:sldMaster>
 </file>
 
 <file path=ppt/slideMasters/slideMaster2.xml><?xml version="1.0" encoding="utf-8"?>
-<p:sldMaster xmlns:a="http://schemas.openxmlformats.org/drawingml/2006/main" xmlns:p="http://schemas.openxmlformats.org/presentationml/2006/main" xmlns:r="http://schemas.openxmlformats.org/officeDocument/2006/relationships" xmlns:p14="http://schemas.microsoft.com/office/powerpoint/2010/main" xmlns:p15="http://schemas.microsoft.com/office/powerpoint/2012/main" xmlns:mc="http://schemas.openxmlformats.org/markup-compatibility/2006">
+<p:sldMaster xmlns:a="http://schemas.openxmlformats.org/drawingml/2006/main" xmlns:r="http://schemas.openxmlformats.org/officeDocument/2006/relationships" xmlns:p="http://schemas.openxmlformats.org/presentationml/2006/main">
   <p:cSld>
     <p:bg>
       <p:bgPr>
         <a:solidFill>
-          <a:srgbClr val="ffffff"/>
+          <a:srgbClr val="FFFFFF"/>
         </a:solidFill>
+        <a:effectLst/>
       </p:bgPr>
     </p:bg>
     <p:spTree>
@@ -5742,6 +6247,7 @@
           <a:bodyPr anchor="ctr">
             <a:noAutofit/>
           </a:bodyPr>
+          <a:lstStyle/>
           <a:p>
             <a:pPr indent="0">
               <a:lnSpc>
@@ -5750,7 +6256,7 @@
               <a:buNone/>
             </a:pPr>
             <a:r>
-              <a:rPr b="0" lang="fr-FR" sz="4400" spc="-1" strike="noStrike">
+              <a:rPr lang="fr-FR" sz="4400" b="0" strike="noStrike" spc="-1">
                 <a:solidFill>
                   <a:srgbClr val="000000"/>
                 </a:solidFill>
@@ -5758,7 +6264,7 @@
               </a:rPr>
               <a:t>Modifiez le style du titre</a:t>
             </a:r>
-            <a:endParaRPr b="0" lang="fr-FR" sz="4400" spc="-1" strike="noStrike">
+            <a:endParaRPr lang="fr-FR" sz="4400" b="0" strike="noStrike" spc="-1">
               <a:solidFill>
                 <a:srgbClr val="000000"/>
               </a:solidFill>
@@ -5794,6 +6300,7 @@
           <a:bodyPr anchor="t">
             <a:noAutofit/>
           </a:bodyPr>
+          <a:lstStyle/>
           <a:p>
             <a:pPr marL="228600" indent="-228600">
               <a:lnSpc>
@@ -5809,7 +6316,7 @@
               <a:buChar char="•"/>
             </a:pPr>
             <a:r>
-              <a:rPr b="0" lang="fr-FR" sz="2800" spc="-1" strike="noStrike">
+              <a:rPr lang="fr-FR" sz="2800" b="0" strike="noStrike" spc="-1">
                 <a:solidFill>
                   <a:srgbClr val="000000"/>
                 </a:solidFill>
@@ -5817,15 +6324,9 @@
               </a:rPr>
               <a:t>Cliquez pour modifier les styles du texte du masque</a:t>
             </a:r>
-            <a:endParaRPr b="0" lang="fr-FR" sz="2800" spc="-1" strike="noStrike">
-              <a:solidFill>
-                <a:srgbClr val="000000"/>
-              </a:solidFill>
-              <a:latin typeface="Calibri"/>
-            </a:endParaRPr>
-          </a:p>
-          <a:p>
-            <a:pPr lvl="1" marL="685800" indent="-228600">
+          </a:p>
+          <a:p>
+            <a:pPr marL="685800" lvl="1" indent="-228600">
               <a:lnSpc>
                 <a:spcPct val="90000"/>
               </a:lnSpc>
@@ -5839,7 +6340,7 @@
               <a:buChar char="•"/>
             </a:pPr>
             <a:r>
-              <a:rPr b="0" lang="fr-FR" sz="2400" spc="-1" strike="noStrike">
+              <a:rPr lang="fr-FR" sz="2400" b="0" strike="noStrike" spc="-1">
                 <a:solidFill>
                   <a:srgbClr val="000000"/>
                 </a:solidFill>
@@ -5847,15 +6348,9 @@
               </a:rPr>
               <a:t>Deuxième niveau</a:t>
             </a:r>
-            <a:endParaRPr b="0" lang="fr-FR" sz="2400" spc="-1" strike="noStrike">
-              <a:solidFill>
-                <a:srgbClr val="000000"/>
-              </a:solidFill>
-              <a:latin typeface="Calibri"/>
-            </a:endParaRPr>
-          </a:p>
-          <a:p>
-            <a:pPr lvl="2" marL="1143000" indent="-228600">
+          </a:p>
+          <a:p>
+            <a:pPr marL="1143000" lvl="2" indent="-228600">
               <a:lnSpc>
                 <a:spcPct val="90000"/>
               </a:lnSpc>
@@ -5869,7 +6364,7 @@
               <a:buChar char="•"/>
             </a:pPr>
             <a:r>
-              <a:rPr b="0" lang="fr-FR" sz="2000" spc="-1" strike="noStrike">
+              <a:rPr lang="fr-FR" sz="2000" b="0" strike="noStrike" spc="-1">
                 <a:solidFill>
                   <a:srgbClr val="000000"/>
                 </a:solidFill>
@@ -5877,15 +6372,9 @@
               </a:rPr>
               <a:t>Troisième niveau</a:t>
             </a:r>
-            <a:endParaRPr b="0" lang="fr-FR" sz="2000" spc="-1" strike="noStrike">
-              <a:solidFill>
-                <a:srgbClr val="000000"/>
-              </a:solidFill>
-              <a:latin typeface="Calibri"/>
-            </a:endParaRPr>
-          </a:p>
-          <a:p>
-            <a:pPr lvl="3" marL="1600200" indent="-228600">
+          </a:p>
+          <a:p>
+            <a:pPr marL="1600200" lvl="3" indent="-228600">
               <a:lnSpc>
                 <a:spcPct val="90000"/>
               </a:lnSpc>
@@ -5899,7 +6388,7 @@
               <a:buChar char="•"/>
             </a:pPr>
             <a:r>
-              <a:rPr b="0" lang="fr-FR" sz="1800" spc="-1" strike="noStrike">
+              <a:rPr lang="fr-FR" sz="1800" b="0" strike="noStrike" spc="-1">
                 <a:solidFill>
                   <a:srgbClr val="000000"/>
                 </a:solidFill>
@@ -5907,15 +6396,9 @@
               </a:rPr>
               <a:t>Quatrième niveau</a:t>
             </a:r>
-            <a:endParaRPr b="0" lang="fr-FR" sz="1800" spc="-1" strike="noStrike">
-              <a:solidFill>
-                <a:srgbClr val="000000"/>
-              </a:solidFill>
-              <a:latin typeface="Calibri"/>
-            </a:endParaRPr>
-          </a:p>
-          <a:p>
-            <a:pPr lvl="4" marL="2057400" indent="-228600">
+          </a:p>
+          <a:p>
+            <a:pPr marL="2057400" lvl="4" indent="-228600">
               <a:lnSpc>
                 <a:spcPct val="90000"/>
               </a:lnSpc>
@@ -5929,7 +6412,7 @@
               <a:buChar char="•"/>
             </a:pPr>
             <a:r>
-              <a:rPr b="0" lang="fr-FR" sz="1800" spc="-1" strike="noStrike">
+              <a:rPr lang="fr-FR" sz="1800" b="0" strike="noStrike" spc="-1">
                 <a:solidFill>
                   <a:srgbClr val="000000"/>
                 </a:solidFill>
@@ -5937,12 +6420,6 @@
               </a:rPr>
               <a:t>Cinquième niveau</a:t>
             </a:r>
-            <a:endParaRPr b="0" lang="fr-FR" sz="1800" spc="-1" strike="noStrike">
-              <a:solidFill>
-                <a:srgbClr val="000000"/>
-              </a:solidFill>
-              <a:latin typeface="Calibri"/>
-            </a:endParaRPr>
           </a:p>
         </p:txBody>
       </p:sp>
@@ -5979,9 +6456,9 @@
                 <a:spcPct val="100000"/>
               </a:lnSpc>
               <a:buNone/>
-              <a:defRPr b="0" lang="fr-FR" sz="1200" spc="-1" strike="noStrike">
+              <a:defRPr lang="fr-FR" sz="1200" b="0" strike="noStrike" spc="-1">
                 <a:solidFill>
-                  <a:srgbClr val="8b8b8b"/>
+                  <a:srgbClr val="8B8B8B"/>
                 </a:solidFill>
                 <a:latin typeface="Calibri"/>
               </a:defRPr>
@@ -5995,15 +6472,15 @@
               <a:buNone/>
             </a:pPr>
             <a:r>
-              <a:rPr b="0" lang="fr-FR" sz="1200" spc="-1" strike="noStrike">
+              <a:rPr lang="fr-FR" sz="1200" b="0" strike="noStrike" spc="-1">
                 <a:solidFill>
-                  <a:srgbClr val="8b8b8b"/>
+                  <a:srgbClr val="8B8B8B"/>
                 </a:solidFill>
                 <a:latin typeface="Calibri"/>
               </a:rPr>
               <a:t>&lt;date/heure&gt;</a:t>
             </a:r>
-            <a:endParaRPr b="0" lang="fr-FR" sz="1200" spc="-1" strike="noStrike">
+            <a:endParaRPr lang="fr-FR" sz="1200" b="0" strike="noStrike" spc="-1">
               <a:latin typeface="Times New Roman"/>
             </a:endParaRPr>
           </a:p>
@@ -6042,9 +6519,9 @@
                 <a:spcPct val="100000"/>
               </a:lnSpc>
               <a:buNone/>
-              <a:defRPr b="0" lang="en-US" sz="1200" spc="-1" strike="noStrike">
+              <a:defRPr lang="en-US" sz="1200" b="0" strike="noStrike" spc="-1">
                 <a:solidFill>
-                  <a:srgbClr val="8b8b8b"/>
+                  <a:srgbClr val="8B8B8B"/>
                 </a:solidFill>
                 <a:latin typeface="Calibri"/>
               </a:defRPr>
@@ -6058,15 +6535,15 @@
               <a:buNone/>
             </a:pPr>
             <a:r>
-              <a:rPr b="0" lang="en-US" sz="1200" spc="-1" strike="noStrike">
+              <a:rPr lang="en-US" sz="1200" b="0" strike="noStrike" spc="-1">
                 <a:solidFill>
-                  <a:srgbClr val="8b8b8b"/>
+                  <a:srgbClr val="8B8B8B"/>
                 </a:solidFill>
                 <a:latin typeface="Calibri"/>
               </a:rPr>
               <a:t>&lt;pied de page&gt;</a:t>
             </a:r>
-            <a:endParaRPr b="0" lang="fr-FR" sz="1200" spc="-1" strike="noStrike">
+            <a:endParaRPr lang="fr-FR" sz="1200" b="0" strike="noStrike" spc="-1">
               <a:latin typeface="Times New Roman"/>
             </a:endParaRPr>
           </a:p>
@@ -6105,9 +6582,9 @@
                 <a:spcPct val="100000"/>
               </a:lnSpc>
               <a:buNone/>
-              <a:defRPr b="0" lang="fr-FR" sz="1200" spc="-1" strike="noStrike">
+              <a:defRPr lang="fr-FR" sz="1200" b="0" strike="noStrike" spc="-1">
                 <a:solidFill>
-                  <a:srgbClr val="8b8b8b"/>
+                  <a:srgbClr val="8B8B8B"/>
                 </a:solidFill>
                 <a:latin typeface="Calibri"/>
               </a:defRPr>
@@ -6121,15 +6598,15 @@
               <a:buNone/>
             </a:pPr>
             <a:fld id="{60093556-7ABE-4ED8-B5B4-AB430A4FA11B}" type="slidenum">
-              <a:rPr b="0" lang="fr-FR" sz="1200" spc="-1" strike="noStrike">
+              <a:rPr lang="fr-FR" sz="1200" b="0" strike="noStrike" spc="-1">
                 <a:solidFill>
-                  <a:srgbClr val="8b8b8b"/>
+                  <a:srgbClr val="8B8B8B"/>
                 </a:solidFill>
                 <a:latin typeface="Calibri"/>
               </a:rPr>
-              <a:t>&lt;numéro&gt;</a:t>
+              <a:t>‹N°›</a:t>
             </a:fld>
-            <a:endParaRPr b="0" lang="fr-FR" sz="1200" spc="-1" strike="noStrike">
+            <a:endParaRPr lang="fr-FR" sz="1200" b="0" strike="noStrike" spc="-1">
               <a:latin typeface="Times New Roman"/>
             </a:endParaRPr>
           </a:p>
@@ -6137,32 +6614,313 @@
       </p:sp>
     </p:spTree>
   </p:cSld>
-  <p:clrMap bg1="lt1" bg2="lt2" tx1="dk1" tx2="dk2" accent1="accent1" accent2="accent2" accent3="accent3" accent4="accent4" accent5="accent5" accent6="accent6" hlink="hlink" folHlink="folHlink"/>
+  <p:clrMap bg1="lt1" tx1="dk1" bg2="lt2" tx2="dk2" accent1="accent1" accent2="accent2" accent3="accent3" accent4="accent4" accent5="accent5" accent6="accent6" hlink="hlink" folHlink="folHlink"/>
   <p:sldLayoutIdLst>
-    <p:sldLayoutId id="2147483662" r:id="rId2"/>
-    <p:sldLayoutId id="2147483663" r:id="rId3"/>
-    <p:sldLayoutId id="2147483664" r:id="rId4"/>
-    <p:sldLayoutId id="2147483665" r:id="rId5"/>
-    <p:sldLayoutId id="2147483666" r:id="rId6"/>
-    <p:sldLayoutId id="2147483667" r:id="rId7"/>
-    <p:sldLayoutId id="2147483668" r:id="rId8"/>
-    <p:sldLayoutId id="2147483669" r:id="rId9"/>
-    <p:sldLayoutId id="2147483670" r:id="rId10"/>
-    <p:sldLayoutId id="2147483671" r:id="rId11"/>
-    <p:sldLayoutId id="2147483672" r:id="rId12"/>
-    <p:sldLayoutId id="2147483673" r:id="rId13"/>
+    <p:sldLayoutId id="2147483662" r:id="rId1"/>
+    <p:sldLayoutId id="2147483663" r:id="rId2"/>
+    <p:sldLayoutId id="2147483664" r:id="rId3"/>
+    <p:sldLayoutId id="2147483665" r:id="rId4"/>
+    <p:sldLayoutId id="2147483666" r:id="rId5"/>
+    <p:sldLayoutId id="2147483667" r:id="rId6"/>
+    <p:sldLayoutId id="2147483668" r:id="rId7"/>
+    <p:sldLayoutId id="2147483669" r:id="rId8"/>
+    <p:sldLayoutId id="2147483670" r:id="rId9"/>
+    <p:sldLayoutId id="2147483671" r:id="rId10"/>
+    <p:sldLayoutId id="2147483672" r:id="rId11"/>
+    <p:sldLayoutId id="2147483673" r:id="rId12"/>
   </p:sldLayoutIdLst>
+  <p:txStyles>
+    <p:titleStyle>
+      <a:lvl1pPr algn="l" defTabSz="914400" rtl="0" eaLnBrk="1" latinLnBrk="0" hangingPunct="1">
+        <a:lnSpc>
+          <a:spcPct val="90000"/>
+        </a:lnSpc>
+        <a:spcBef>
+          <a:spcPct val="0"/>
+        </a:spcBef>
+        <a:buNone/>
+        <a:defRPr sz="4400" kern="1200">
+          <a:solidFill>
+            <a:schemeClr val="tx1"/>
+          </a:solidFill>
+          <a:latin typeface="+mj-lt"/>
+          <a:ea typeface="+mj-ea"/>
+          <a:cs typeface="+mj-cs"/>
+        </a:defRPr>
+      </a:lvl1pPr>
+    </p:titleStyle>
+    <p:bodyStyle>
+      <a:lvl1pPr marL="228600" indent="-228600" algn="l" defTabSz="914400" rtl="0" eaLnBrk="1" latinLnBrk="0" hangingPunct="1">
+        <a:lnSpc>
+          <a:spcPct val="90000"/>
+        </a:lnSpc>
+        <a:spcBef>
+          <a:spcPts val="1000"/>
+        </a:spcBef>
+        <a:buFont typeface="Arial" panose="020B0604020202020204" pitchFamily="34" charset="0"/>
+        <a:buChar char="•"/>
+        <a:defRPr sz="2800" kern="1200">
+          <a:solidFill>
+            <a:schemeClr val="tx1"/>
+          </a:solidFill>
+          <a:latin typeface="+mn-lt"/>
+          <a:ea typeface="+mn-ea"/>
+          <a:cs typeface="+mn-cs"/>
+        </a:defRPr>
+      </a:lvl1pPr>
+      <a:lvl2pPr marL="685800" indent="-228600" algn="l" defTabSz="914400" rtl="0" eaLnBrk="1" latinLnBrk="0" hangingPunct="1">
+        <a:lnSpc>
+          <a:spcPct val="90000"/>
+        </a:lnSpc>
+        <a:spcBef>
+          <a:spcPts val="500"/>
+        </a:spcBef>
+        <a:buFont typeface="Arial" panose="020B0604020202020204" pitchFamily="34" charset="0"/>
+        <a:buChar char="•"/>
+        <a:defRPr sz="2400" kern="1200">
+          <a:solidFill>
+            <a:schemeClr val="tx1"/>
+          </a:solidFill>
+          <a:latin typeface="+mn-lt"/>
+          <a:ea typeface="+mn-ea"/>
+          <a:cs typeface="+mn-cs"/>
+        </a:defRPr>
+      </a:lvl2pPr>
+      <a:lvl3pPr marL="1143000" indent="-228600" algn="l" defTabSz="914400" rtl="0" eaLnBrk="1" latinLnBrk="0" hangingPunct="1">
+        <a:lnSpc>
+          <a:spcPct val="90000"/>
+        </a:lnSpc>
+        <a:spcBef>
+          <a:spcPts val="500"/>
+        </a:spcBef>
+        <a:buFont typeface="Arial" panose="020B0604020202020204" pitchFamily="34" charset="0"/>
+        <a:buChar char="•"/>
+        <a:defRPr sz="2000" kern="1200">
+          <a:solidFill>
+            <a:schemeClr val="tx1"/>
+          </a:solidFill>
+          <a:latin typeface="+mn-lt"/>
+          <a:ea typeface="+mn-ea"/>
+          <a:cs typeface="+mn-cs"/>
+        </a:defRPr>
+      </a:lvl3pPr>
+      <a:lvl4pPr marL="1600200" indent="-228600" algn="l" defTabSz="914400" rtl="0" eaLnBrk="1" latinLnBrk="0" hangingPunct="1">
+        <a:lnSpc>
+          <a:spcPct val="90000"/>
+        </a:lnSpc>
+        <a:spcBef>
+          <a:spcPts val="500"/>
+        </a:spcBef>
+        <a:buFont typeface="Arial" panose="020B0604020202020204" pitchFamily="34" charset="0"/>
+        <a:buChar char="•"/>
+        <a:defRPr sz="1800" kern="1200">
+          <a:solidFill>
+            <a:schemeClr val="tx1"/>
+          </a:solidFill>
+          <a:latin typeface="+mn-lt"/>
+          <a:ea typeface="+mn-ea"/>
+          <a:cs typeface="+mn-cs"/>
+        </a:defRPr>
+      </a:lvl4pPr>
+      <a:lvl5pPr marL="2057400" indent="-228600" algn="l" defTabSz="914400" rtl="0" eaLnBrk="1" latinLnBrk="0" hangingPunct="1">
+        <a:lnSpc>
+          <a:spcPct val="90000"/>
+        </a:lnSpc>
+        <a:spcBef>
+          <a:spcPts val="500"/>
+        </a:spcBef>
+        <a:buFont typeface="Arial" panose="020B0604020202020204" pitchFamily="34" charset="0"/>
+        <a:buChar char="•"/>
+        <a:defRPr sz="1800" kern="1200">
+          <a:solidFill>
+            <a:schemeClr val="tx1"/>
+          </a:solidFill>
+          <a:latin typeface="+mn-lt"/>
+          <a:ea typeface="+mn-ea"/>
+          <a:cs typeface="+mn-cs"/>
+        </a:defRPr>
+      </a:lvl5pPr>
+      <a:lvl6pPr marL="2514600" indent="-228600" algn="l" defTabSz="914400" rtl="0" eaLnBrk="1" latinLnBrk="0" hangingPunct="1">
+        <a:lnSpc>
+          <a:spcPct val="90000"/>
+        </a:lnSpc>
+        <a:spcBef>
+          <a:spcPts val="500"/>
+        </a:spcBef>
+        <a:buFont typeface="Arial" panose="020B0604020202020204" pitchFamily="34" charset="0"/>
+        <a:buChar char="•"/>
+        <a:defRPr sz="1800" kern="1200">
+          <a:solidFill>
+            <a:schemeClr val="tx1"/>
+          </a:solidFill>
+          <a:latin typeface="+mn-lt"/>
+          <a:ea typeface="+mn-ea"/>
+          <a:cs typeface="+mn-cs"/>
+        </a:defRPr>
+      </a:lvl6pPr>
+      <a:lvl7pPr marL="2971800" indent="-228600" algn="l" defTabSz="914400" rtl="0" eaLnBrk="1" latinLnBrk="0" hangingPunct="1">
+        <a:lnSpc>
+          <a:spcPct val="90000"/>
+        </a:lnSpc>
+        <a:spcBef>
+          <a:spcPts val="500"/>
+        </a:spcBef>
+        <a:buFont typeface="Arial" panose="020B0604020202020204" pitchFamily="34" charset="0"/>
+        <a:buChar char="•"/>
+        <a:defRPr sz="1800" kern="1200">
+          <a:solidFill>
+            <a:schemeClr val="tx1"/>
+          </a:solidFill>
+          <a:latin typeface="+mn-lt"/>
+          <a:ea typeface="+mn-ea"/>
+          <a:cs typeface="+mn-cs"/>
+        </a:defRPr>
+      </a:lvl7pPr>
+      <a:lvl8pPr marL="3429000" indent="-228600" algn="l" defTabSz="914400" rtl="0" eaLnBrk="1" latinLnBrk="0" hangingPunct="1">
+        <a:lnSpc>
+          <a:spcPct val="90000"/>
+        </a:lnSpc>
+        <a:spcBef>
+          <a:spcPts val="500"/>
+        </a:spcBef>
+        <a:buFont typeface="Arial" panose="020B0604020202020204" pitchFamily="34" charset="0"/>
+        <a:buChar char="•"/>
+        <a:defRPr sz="1800" kern="1200">
+          <a:solidFill>
+            <a:schemeClr val="tx1"/>
+          </a:solidFill>
+          <a:latin typeface="+mn-lt"/>
+          <a:ea typeface="+mn-ea"/>
+          <a:cs typeface="+mn-cs"/>
+        </a:defRPr>
+      </a:lvl8pPr>
+      <a:lvl9pPr marL="3886200" indent="-228600" algn="l" defTabSz="914400" rtl="0" eaLnBrk="1" latinLnBrk="0" hangingPunct="1">
+        <a:lnSpc>
+          <a:spcPct val="90000"/>
+        </a:lnSpc>
+        <a:spcBef>
+          <a:spcPts val="500"/>
+        </a:spcBef>
+        <a:buFont typeface="Arial" panose="020B0604020202020204" pitchFamily="34" charset="0"/>
+        <a:buChar char="•"/>
+        <a:defRPr sz="1800" kern="1200">
+          <a:solidFill>
+            <a:schemeClr val="tx1"/>
+          </a:solidFill>
+          <a:latin typeface="+mn-lt"/>
+          <a:ea typeface="+mn-ea"/>
+          <a:cs typeface="+mn-cs"/>
+        </a:defRPr>
+      </a:lvl9pPr>
+    </p:bodyStyle>
+    <p:otherStyle>
+      <a:defPPr>
+        <a:defRPr lang="fr-FR"/>
+      </a:defPPr>
+      <a:lvl1pPr marL="0" algn="l" defTabSz="914400" rtl="0" eaLnBrk="1" latinLnBrk="0" hangingPunct="1">
+        <a:defRPr sz="1800" kern="1200">
+          <a:solidFill>
+            <a:schemeClr val="tx1"/>
+          </a:solidFill>
+          <a:latin typeface="+mn-lt"/>
+          <a:ea typeface="+mn-ea"/>
+          <a:cs typeface="+mn-cs"/>
+        </a:defRPr>
+      </a:lvl1pPr>
+      <a:lvl2pPr marL="457200" algn="l" defTabSz="914400" rtl="0" eaLnBrk="1" latinLnBrk="0" hangingPunct="1">
+        <a:defRPr sz="1800" kern="1200">
+          <a:solidFill>
+            <a:schemeClr val="tx1"/>
+          </a:solidFill>
+          <a:latin typeface="+mn-lt"/>
+          <a:ea typeface="+mn-ea"/>
+          <a:cs typeface="+mn-cs"/>
+        </a:defRPr>
+      </a:lvl2pPr>
+      <a:lvl3pPr marL="914400" algn="l" defTabSz="914400" rtl="0" eaLnBrk="1" latinLnBrk="0" hangingPunct="1">
+        <a:defRPr sz="1800" kern="1200">
+          <a:solidFill>
+            <a:schemeClr val="tx1"/>
+          </a:solidFill>
+          <a:latin typeface="+mn-lt"/>
+          <a:ea typeface="+mn-ea"/>
+          <a:cs typeface="+mn-cs"/>
+        </a:defRPr>
+      </a:lvl3pPr>
+      <a:lvl4pPr marL="1371600" algn="l" defTabSz="914400" rtl="0" eaLnBrk="1" latinLnBrk="0" hangingPunct="1">
+        <a:defRPr sz="1800" kern="1200">
+          <a:solidFill>
+            <a:schemeClr val="tx1"/>
+          </a:solidFill>
+          <a:latin typeface="+mn-lt"/>
+          <a:ea typeface="+mn-ea"/>
+          <a:cs typeface="+mn-cs"/>
+        </a:defRPr>
+      </a:lvl4pPr>
+      <a:lvl5pPr marL="1828800" algn="l" defTabSz="914400" rtl="0" eaLnBrk="1" latinLnBrk="0" hangingPunct="1">
+        <a:defRPr sz="1800" kern="1200">
+          <a:solidFill>
+            <a:schemeClr val="tx1"/>
+          </a:solidFill>
+          <a:latin typeface="+mn-lt"/>
+          <a:ea typeface="+mn-ea"/>
+          <a:cs typeface="+mn-cs"/>
+        </a:defRPr>
+      </a:lvl5pPr>
+      <a:lvl6pPr marL="2286000" algn="l" defTabSz="914400" rtl="0" eaLnBrk="1" latinLnBrk="0" hangingPunct="1">
+        <a:defRPr sz="1800" kern="1200">
+          <a:solidFill>
+            <a:schemeClr val="tx1"/>
+          </a:solidFill>
+          <a:latin typeface="+mn-lt"/>
+          <a:ea typeface="+mn-ea"/>
+          <a:cs typeface="+mn-cs"/>
+        </a:defRPr>
+      </a:lvl6pPr>
+      <a:lvl7pPr marL="2743200" algn="l" defTabSz="914400" rtl="0" eaLnBrk="1" latinLnBrk="0" hangingPunct="1">
+        <a:defRPr sz="1800" kern="1200">
+          <a:solidFill>
+            <a:schemeClr val="tx1"/>
+          </a:solidFill>
+          <a:latin typeface="+mn-lt"/>
+          <a:ea typeface="+mn-ea"/>
+          <a:cs typeface="+mn-cs"/>
+        </a:defRPr>
+      </a:lvl7pPr>
+      <a:lvl8pPr marL="3200400" algn="l" defTabSz="914400" rtl="0" eaLnBrk="1" latinLnBrk="0" hangingPunct="1">
+        <a:defRPr sz="1800" kern="1200">
+          <a:solidFill>
+            <a:schemeClr val="tx1"/>
+          </a:solidFill>
+          <a:latin typeface="+mn-lt"/>
+          <a:ea typeface="+mn-ea"/>
+          <a:cs typeface="+mn-cs"/>
+        </a:defRPr>
+      </a:lvl8pPr>
+      <a:lvl9pPr marL="3657600" algn="l" defTabSz="914400" rtl="0" eaLnBrk="1" latinLnBrk="0" hangingPunct="1">
+        <a:defRPr sz="1800" kern="1200">
+          <a:solidFill>
+            <a:schemeClr val="tx1"/>
+          </a:solidFill>
+          <a:latin typeface="+mn-lt"/>
+          <a:ea typeface="+mn-ea"/>
+          <a:cs typeface="+mn-cs"/>
+        </a:defRPr>
+      </a:lvl9pPr>
+    </p:otherStyle>
+  </p:txStyles>
 </p:sldMaster>
 </file>
 
 <file path=ppt/slides/slide1.xml><?xml version="1.0" encoding="utf-8"?>
-<p:sld xmlns:a="http://schemas.openxmlformats.org/drawingml/2006/main" xmlns:p="http://schemas.openxmlformats.org/presentationml/2006/main" xmlns:r="http://schemas.openxmlformats.org/officeDocument/2006/relationships" xmlns:p14="http://schemas.microsoft.com/office/powerpoint/2010/main" xmlns:p15="http://schemas.microsoft.com/office/powerpoint/2012/main" xmlns:mc="http://schemas.openxmlformats.org/markup-compatibility/2006">
+<p:sld xmlns:a="http://schemas.openxmlformats.org/drawingml/2006/main" xmlns:r="http://schemas.openxmlformats.org/officeDocument/2006/relationships" xmlns:p="http://schemas.openxmlformats.org/presentationml/2006/main">
   <p:cSld>
     <p:bg>
       <p:bgPr>
         <a:solidFill>
-          <a:srgbClr val="ffffff"/>
+          <a:srgbClr val="FFFFFF"/>
         </a:solidFill>
+        <a:effectLst/>
       </p:bgPr>
     </p:bg>
     <p:spTree>
@@ -6235,9 +6993,9 @@
           <a:solidFill>
             <a:schemeClr val="bg1"/>
           </a:solidFill>
-          <a:ln cap="sq" w="127000">
+          <a:ln w="127000" cap="sq">
             <a:solidFill>
-              <a:srgbClr val="ffffff"/>
+              <a:srgbClr val="FFFFFF"/>
             </a:solidFill>
           </a:ln>
         </p:spPr>
@@ -6283,6 +7041,7 @@
           <a:bodyPr anchor="b">
             <a:normAutofit/>
           </a:bodyPr>
+          <a:lstStyle/>
           <a:p>
             <a:pPr indent="0" algn="ctr">
               <a:lnSpc>
@@ -6291,7 +7050,7 @@
               <a:buNone/>
             </a:pPr>
             <a:r>
-              <a:rPr b="0" lang="fr-FR" sz="6000" spc="-1" strike="noStrike">
+              <a:rPr lang="fr-FR" sz="6000" b="0" strike="noStrike" spc="-1">
                 <a:solidFill>
                   <a:srgbClr val="000000"/>
                 </a:solidFill>
@@ -6299,7 +7058,7 @@
               </a:rPr>
               <a:t>Organisation de la SAE S1.05</a:t>
             </a:r>
-            <a:endParaRPr b="0" lang="fr-FR" sz="6000" spc="-1" strike="noStrike">
+            <a:endParaRPr lang="fr-FR" sz="6000" b="0" strike="noStrike" spc="-1">
               <a:solidFill>
                 <a:srgbClr val="000000"/>
               </a:solidFill>
@@ -6335,6 +7094,7 @@
           <a:bodyPr anchor="t">
             <a:normAutofit/>
           </a:bodyPr>
+          <a:lstStyle/>
           <a:p>
             <a:pPr indent="0" algn="ctr">
               <a:lnSpc>
@@ -6345,11 +7105,11 @@
               </a:spcBef>
               <a:buNone/>
               <a:tabLst>
-                <a:tab algn="l" pos="0"/>
+                <a:tab pos="0" algn="l"/>
               </a:tabLst>
             </a:pPr>
             <a:r>
-              <a:rPr b="0" lang="fr-FR" sz="2400" spc="-1" strike="noStrike">
+              <a:rPr lang="fr-FR" sz="2400" b="0" strike="noStrike" spc="-1">
                 <a:solidFill>
                   <a:srgbClr val="000000"/>
                 </a:solidFill>
@@ -6357,7 +7117,7 @@
               </a:rPr>
               <a:t>Recueil de besoins (site web de présentation du BUT informatique)</a:t>
             </a:r>
-            <a:endParaRPr b="0" lang="fr-FR" sz="2400" spc="-1" strike="noStrike">
+            <a:endParaRPr lang="fr-FR" sz="2400" b="0" strike="noStrike" spc="-1">
               <a:latin typeface="Arial"/>
             </a:endParaRPr>
           </a:p>
@@ -6423,9 +7183,9 @@
                 <a:spcPts val="601"/>
               </a:spcAft>
               <a:buNone/>
-              <a:defRPr b="0" lang="en-US" sz="1200" spc="-1" strike="noStrike">
+              <a:defRPr lang="en-US" sz="1200" b="0" strike="noStrike" spc="-1">
                 <a:solidFill>
-                  <a:srgbClr val="ffffff"/>
+                  <a:srgbClr val="FFFFFF"/>
                 </a:solidFill>
                 <a:latin typeface="Calibri"/>
               </a:defRPr>
@@ -6442,15 +7202,15 @@
               <a:buNone/>
             </a:pPr>
             <a:r>
-              <a:rPr b="0" lang="en-US" sz="1200" spc="-1" strike="noStrike">
+              <a:rPr lang="en-US" sz="1200" b="0" strike="noStrike" spc="-1">
                 <a:solidFill>
-                  <a:srgbClr val="ffffff"/>
+                  <a:srgbClr val="FFFFFF"/>
                 </a:solidFill>
                 <a:latin typeface="Calibri"/>
               </a:rPr>
               <a:t>Aymeric Beck, Antoine Buirey, Tanguy Horard     année scolaire 2022/2023</a:t>
             </a:r>
-            <a:endParaRPr b="0" lang="fr-FR" sz="1200" spc="-1" strike="noStrike">
+            <a:endParaRPr lang="fr-FR" sz="1200" b="0" strike="noStrike" spc="-1">
               <a:latin typeface="Times New Roman"/>
             </a:endParaRPr>
           </a:p>
@@ -6492,9 +7252,9 @@
                 <a:spcPts val="601"/>
               </a:spcAft>
               <a:buNone/>
-              <a:defRPr b="0" lang="fr-FR" sz="1200" spc="-1" strike="noStrike">
+              <a:defRPr lang="fr-FR" sz="1200" b="0" strike="noStrike" spc="-1">
                 <a:solidFill>
-                  <a:srgbClr val="ffffff"/>
+                  <a:srgbClr val="FFFFFF"/>
                 </a:solidFill>
                 <a:latin typeface="Calibri"/>
               </a:defRPr>
@@ -6511,15 +7271,15 @@
               <a:buNone/>
             </a:pPr>
             <a:fld id="{B15EDB59-DF86-40C4-ABAB-E9353C0471FB}" type="slidenum">
-              <a:rPr b="0" lang="fr-FR" sz="1200" spc="-1" strike="noStrike">
+              <a:rPr lang="fr-FR" sz="1200" b="0" strike="noStrike" spc="-1">
                 <a:solidFill>
-                  <a:srgbClr val="ffffff"/>
+                  <a:srgbClr val="FFFFFF"/>
                 </a:solidFill>
                 <a:latin typeface="Calibri"/>
               </a:rPr>
               <a:t>1</a:t>
             </a:fld>
-            <a:endParaRPr b="0" lang="fr-FR" sz="1200" spc="-1" strike="noStrike">
+            <a:endParaRPr lang="fr-FR" sz="1200" b="0" strike="noStrike" spc="-1">
               <a:latin typeface="Times New Roman"/>
             </a:endParaRPr>
           </a:p>
@@ -6527,25 +7287,21 @@
       </p:sp>
     </p:spTree>
   </p:cSld>
-  <mc:AlternateContent>
-    <mc:Choice Requires="p14">
-      <p:transition spd="slow" p14:dur="2000"/>
-    </mc:Choice>
-    <mc:Fallback>
-      <p:transition spd="slow"/>
-    </mc:Fallback>
-  </mc:AlternateContent>
+  <p:clrMapOvr>
+    <a:masterClrMapping/>
+  </p:clrMapOvr>
 </p:sld>
 </file>
 
 <file path=ppt/slides/slide2.xml><?xml version="1.0" encoding="utf-8"?>
-<p:sld xmlns:a="http://schemas.openxmlformats.org/drawingml/2006/main" xmlns:p="http://schemas.openxmlformats.org/presentationml/2006/main" xmlns:r="http://schemas.openxmlformats.org/officeDocument/2006/relationships" xmlns:p14="http://schemas.microsoft.com/office/powerpoint/2010/main" xmlns:p15="http://schemas.microsoft.com/office/powerpoint/2012/main" xmlns:mc="http://schemas.openxmlformats.org/markup-compatibility/2006">
+<p:sld xmlns:a="http://schemas.openxmlformats.org/drawingml/2006/main" xmlns:r="http://schemas.openxmlformats.org/officeDocument/2006/relationships" xmlns:p="http://schemas.openxmlformats.org/presentationml/2006/main">
   <p:cSld>
     <p:bg>
       <p:bgPr>
         <a:solidFill>
-          <a:srgbClr val="ffffff"/>
+          <a:srgbClr val="FFFFFF"/>
         </a:solidFill>
+        <a:effectLst/>
       </p:bgPr>
     </p:bg>
     <p:spTree>
@@ -6577,7 +7333,7 @@
             <a:avLst/>
           </a:prstGeom>
           <a:solidFill>
-            <a:srgbClr val="ffffff"/>
+            <a:srgbClr val="FFFFFF"/>
           </a:solidFill>
           <a:ln>
             <a:noFill/>
@@ -6613,7 +7369,7 @@
             <a:avLst/>
           </a:prstGeom>
           <a:solidFill>
-            <a:srgbClr val="7f7f7f"/>
+            <a:srgbClr val="7F7F7F"/>
           </a:solidFill>
           <a:ln>
             <a:noFill/>
@@ -6666,6 +7422,7 @@
           <a:bodyPr anchor="ctr">
             <a:normAutofit/>
           </a:bodyPr>
+          <a:lstStyle/>
           <a:p>
             <a:pPr indent="0" algn="ctr">
               <a:lnSpc>
@@ -6674,9 +7431,9 @@
               <a:buNone/>
             </a:pPr>
             <a:r>
-              <a:rPr b="0" lang="en-US" sz="2400" spc="-1" strike="noStrike">
+              <a:rPr lang="en-US" sz="2400" b="0" strike="noStrike" spc="-1">
                 <a:solidFill>
-                  <a:srgbClr val="ffffff"/>
+                  <a:srgbClr val="FFFFFF"/>
                 </a:solidFill>
                 <a:latin typeface="Calibri Light"/>
               </a:rPr>
@@ -6686,15 +7443,15 @@
               <a:rPr sz="2400"/>
             </a:br>
             <a:r>
-              <a:rPr b="0" lang="en-US" sz="2400" spc="-1" strike="noStrike">
+              <a:rPr lang="en-US" sz="2400" b="0" strike="noStrike" spc="-1">
                 <a:solidFill>
-                  <a:srgbClr val="ffffff"/>
+                  <a:srgbClr val="FFFFFF"/>
                 </a:solidFill>
                 <a:latin typeface="Calibri Light"/>
               </a:rPr>
               <a:t>l’utilisation de l’outil Trello</a:t>
             </a:r>
-            <a:endParaRPr b="0" lang="fr-FR" sz="2400" spc="-1" strike="noStrike">
+            <a:endParaRPr lang="fr-FR" sz="2400" b="0" strike="noStrike" spc="-1">
               <a:solidFill>
                 <a:srgbClr val="000000"/>
               </a:solidFill>
@@ -6705,12 +7462,12 @@
       </p:sp>
       <p:pic>
         <p:nvPicPr>
-          <p:cNvPr id="92" name="Espace réservé du contenu 6" descr=""/>
+          <p:cNvPr id="92" name="Espace réservé du contenu 6"/>
           <p:cNvPicPr/>
           <p:nvPr/>
         </p:nvPicPr>
         <p:blipFill>
-          <a:blip r:embed="rId1"/>
+          <a:blip r:embed="rId2"/>
           <a:stretch/>
         </p:blipFill>
         <p:spPr>
@@ -6762,7 +7519,7 @@
                 <a:spcPts val="601"/>
               </a:spcAft>
               <a:buNone/>
-              <a:defRPr b="0" lang="en-US" sz="1200" spc="-1" strike="noStrike">
+              <a:defRPr lang="en-US" sz="1200" b="0" strike="noStrike" spc="-1">
                 <a:solidFill>
                   <a:srgbClr val="999999"/>
                 </a:solidFill>
@@ -6781,24 +7538,15 @@
               <a:buNone/>
             </a:pPr>
             <a:r>
-              <a:rPr b="0" lang="en-US" sz="1200" spc="-1" strike="noStrike">
+              <a:rPr lang="en-US" sz="1200" b="0" strike="noStrike" spc="-1">
                 <a:solidFill>
                   <a:srgbClr val="999999"/>
                 </a:solidFill>
                 <a:latin typeface="Calibri"/>
               </a:rPr>
-              <a:t>Aymeric Beck, Antoine Buirey, Tanguy Horard</a:t>
+              <a:t>Aymeric Beck, Antoine Buirey, Tanguy Horard     année scolaire 2022/2023</a:t>
             </a:r>
-            <a:r>
-              <a:rPr b="0" lang="en-US" sz="1200" spc="-1" strike="noStrike">
-                <a:solidFill>
-                  <a:srgbClr val="999999"/>
-                </a:solidFill>
-                <a:latin typeface="Calibri"/>
-              </a:rPr>
-              <a:t>     année scolaire 2022/2023</a:t>
-            </a:r>
-            <a:endParaRPr b="0" lang="fr-FR" sz="1200" spc="-1" strike="noStrike">
+            <a:endParaRPr lang="fr-FR" sz="1200" b="0" strike="noStrike" spc="-1">
               <a:solidFill>
                 <a:srgbClr val="999999"/>
               </a:solidFill>
@@ -6843,7 +7591,7 @@
                 <a:spcPts val="601"/>
               </a:spcAft>
               <a:buNone/>
-              <a:defRPr b="0" lang="en-US" sz="1200" spc="-1" strike="noStrike">
+              <a:defRPr lang="en-US" sz="1200" b="0" strike="noStrike" spc="-1">
                 <a:solidFill>
                   <a:srgbClr val="898989"/>
                 </a:solidFill>
@@ -6862,7 +7610,7 @@
               <a:buNone/>
             </a:pPr>
             <a:fld id="{2D0772AC-5AB1-451C-9DFB-8F135E49518F}" type="slidenum">
-              <a:rPr b="0" lang="en-US" sz="1200" spc="-1" strike="noStrike">
+              <a:rPr lang="en-US" sz="1200" b="0" strike="noStrike" spc="-1">
                 <a:solidFill>
                   <a:srgbClr val="898989"/>
                 </a:solidFill>
@@ -6870,7 +7618,7 @@
               </a:rPr>
               <a:t>2</a:t>
             </a:fld>
-            <a:endParaRPr b="0" lang="fr-FR" sz="1200" spc="-1" strike="noStrike">
+            <a:endParaRPr lang="fr-FR" sz="1200" b="0" strike="noStrike" spc="-1">
               <a:latin typeface="Times New Roman"/>
             </a:endParaRPr>
           </a:p>
@@ -6878,25 +7626,21 @@
       </p:sp>
     </p:spTree>
   </p:cSld>
-  <mc:AlternateContent>
-    <mc:Choice Requires="p14">
-      <p:transition spd="slow" p14:dur="2000"/>
-    </mc:Choice>
-    <mc:Fallback>
-      <p:transition spd="slow"/>
-    </mc:Fallback>
-  </mc:AlternateContent>
+  <p:clrMapOvr>
+    <a:masterClrMapping/>
+  </p:clrMapOvr>
 </p:sld>
 </file>
 
 <file path=ppt/slides/slide3.xml><?xml version="1.0" encoding="utf-8"?>
-<p:sld xmlns:a="http://schemas.openxmlformats.org/drawingml/2006/main" xmlns:p="http://schemas.openxmlformats.org/presentationml/2006/main" xmlns:r="http://schemas.openxmlformats.org/officeDocument/2006/relationships" xmlns:p14="http://schemas.microsoft.com/office/powerpoint/2010/main" xmlns:p15="http://schemas.microsoft.com/office/powerpoint/2012/main" xmlns:mc="http://schemas.openxmlformats.org/markup-compatibility/2006">
+<p:sld xmlns:a="http://schemas.openxmlformats.org/drawingml/2006/main" xmlns:r="http://schemas.openxmlformats.org/officeDocument/2006/relationships" xmlns:p="http://schemas.openxmlformats.org/presentationml/2006/main">
   <p:cSld>
     <p:bg>
       <p:bgPr>
         <a:solidFill>
-          <a:srgbClr val="ffffff"/>
+          <a:srgbClr val="FFFFFF"/>
         </a:solidFill>
+        <a:effectLst/>
       </p:bgPr>
     </p:bg>
     <p:spTree>
@@ -6933,7 +7677,7 @@
               <a:lumOff val="25000"/>
             </a:schemeClr>
           </a:solidFill>
-          <a:ln cap="sq" w="127000">
+          <a:ln w="127000" cap="sq">
             <a:solidFill>
               <a:srgbClr val="000000">
                 <a:lumMod val="75000"/>
@@ -6984,6 +7728,7 @@
           <a:bodyPr anchor="ctr">
             <a:normAutofit/>
           </a:bodyPr>
+          <a:lstStyle/>
           <a:p>
             <a:pPr indent="0">
               <a:lnSpc>
@@ -6992,15 +7737,15 @@
               <a:buNone/>
             </a:pPr>
             <a:r>
-              <a:rPr b="0" lang="fr-FR" sz="4400" spc="-1" strike="noStrike">
+              <a:rPr lang="fr-FR" sz="4400" b="0" strike="noStrike" spc="-1">
                 <a:solidFill>
-                  <a:srgbClr val="ffffff"/>
+                  <a:srgbClr val="FFFFFF"/>
                 </a:solidFill>
                 <a:latin typeface="Calibri Light"/>
               </a:rPr>
               <a:t>Le temps passé par tâche par personne</a:t>
             </a:r>
-            <a:endParaRPr b="0" lang="fr-FR" sz="4400" spc="-1" strike="noStrike">
+            <a:endParaRPr lang="fr-FR" sz="4400" b="0" strike="noStrike" spc="-1">
               <a:solidFill>
                 <a:srgbClr val="000000"/>
               </a:solidFill>
@@ -7045,7 +7790,7 @@
                 <a:spcPts val="601"/>
               </a:spcAft>
               <a:buNone/>
-              <a:defRPr b="0" lang="en-US" sz="1400" spc="-1" strike="noStrike">
+              <a:defRPr lang="en-US" sz="1400" b="0" strike="noStrike" spc="-1">
                 <a:solidFill>
                   <a:srgbClr val="898989"/>
                 </a:solidFill>
@@ -7064,7 +7809,7 @@
               <a:buNone/>
             </a:pPr>
             <a:r>
-              <a:rPr b="0" lang="en-US" sz="1400" spc="-1" strike="noStrike">
+              <a:rPr lang="en-US" sz="1400" b="0" strike="noStrike" spc="-1">
                 <a:solidFill>
                   <a:srgbClr val="898989"/>
                 </a:solidFill>
@@ -7073,7 +7818,7 @@
               <a:t>Aymeric Beck, Antoine Buirey, Tanguy Horard</a:t>
             </a:r>
             <a:r>
-              <a:rPr b="0" lang="en-US" sz="1200" spc="-1" strike="noStrike">
+              <a:rPr lang="en-US" sz="1200" b="0" strike="noStrike" spc="-1">
                 <a:solidFill>
                   <a:srgbClr val="999999"/>
                 </a:solidFill>
@@ -7081,7 +7826,7 @@
               </a:rPr>
               <a:t>     année scolaire 2022/2023</a:t>
             </a:r>
-            <a:endParaRPr b="0" lang="fr-FR" sz="1200" spc="-1" strike="noStrike">
+            <a:endParaRPr lang="fr-FR" sz="1200" b="0" strike="noStrike" spc="-1">
               <a:latin typeface="Times New Roman"/>
             </a:endParaRPr>
           </a:p>
@@ -7123,7 +7868,7 @@
                 <a:spcPts val="601"/>
               </a:spcAft>
               <a:buNone/>
-              <a:defRPr b="0" lang="fr-FR" sz="1200" spc="-1" strike="noStrike">
+              <a:defRPr lang="fr-FR" sz="1200" b="0" strike="noStrike" spc="-1">
                 <a:solidFill>
                   <a:srgbClr val="898989"/>
                 </a:solidFill>
@@ -7142,7 +7887,7 @@
               <a:buNone/>
             </a:pPr>
             <a:fld id="{2317758B-7392-4BCD-AE0B-DC0DE5C07782}" type="slidenum">
-              <a:rPr b="0" lang="fr-FR" sz="1200" spc="-1" strike="noStrike">
+              <a:rPr lang="fr-FR" sz="1200" b="0" strike="noStrike" spc="-1">
                 <a:solidFill>
                   <a:srgbClr val="898989"/>
                 </a:solidFill>
@@ -7150,7 +7895,7 @@
               </a:rPr>
               <a:t>3</a:t>
             </a:fld>
-            <a:endParaRPr b="0" lang="fr-FR" sz="1200" spc="-1" strike="noStrike">
+            <a:endParaRPr lang="fr-FR" sz="1200" b="0" strike="noStrike" spc="-1">
               <a:latin typeface="Times New Roman"/>
             </a:endParaRPr>
           </a:p>
@@ -7160,43 +7905,80 @@
         <p:nvGraphicFramePr>
           <p:cNvPr id="99" name="Tableau 6"/>
           <p:cNvGraphicFramePr/>
-          <p:nvPr/>
+          <p:nvPr>
+            <p:extLst>
+              <p:ext uri="{D42A27DB-BD31-4B8C-83A1-F6EECF244321}">
+                <p14:modId xmlns:p14="http://schemas.microsoft.com/office/powerpoint/2010/main" val="3765483291"/>
+              </p:ext>
+            </p:extLst>
+          </p:nvPr>
         </p:nvGraphicFramePr>
         <p:xfrm>
           <a:off x="838080" y="2417400"/>
-          <a:ext cx="10514880" cy="3666600"/>
+          <a:ext cx="10515240" cy="3666960"/>
         </p:xfrm>
         <a:graphic>
           <a:graphicData uri="http://schemas.openxmlformats.org/drawingml/2006/table">
             <a:tbl>
               <a:tblPr/>
               <a:tblGrid>
-                <a:gridCol w="2648880"/>
-                <a:gridCol w="2567880"/>
-                <a:gridCol w="2648880"/>
-                <a:gridCol w="2649600"/>
+                <a:gridCol w="2648880">
+                  <a:extLst>
+                    <a:ext uri="{9D8B030D-6E8A-4147-A177-3AD203B41FA5}">
+                      <a16:colId xmlns:a16="http://schemas.microsoft.com/office/drawing/2014/main" val="20000"/>
+                    </a:ext>
+                  </a:extLst>
+                </a:gridCol>
+                <a:gridCol w="2567880">
+                  <a:extLst>
+                    <a:ext uri="{9D8B030D-6E8A-4147-A177-3AD203B41FA5}">
+                      <a16:colId xmlns:a16="http://schemas.microsoft.com/office/drawing/2014/main" val="20001"/>
+                    </a:ext>
+                  </a:extLst>
+                </a:gridCol>
+                <a:gridCol w="2648880">
+                  <a:extLst>
+                    <a:ext uri="{9D8B030D-6E8A-4147-A177-3AD203B41FA5}">
+                      <a16:colId xmlns:a16="http://schemas.microsoft.com/office/drawing/2014/main" val="20002"/>
+                    </a:ext>
+                  </a:extLst>
+                </a:gridCol>
+                <a:gridCol w="2649600">
+                  <a:extLst>
+                    <a:ext uri="{9D8B030D-6E8A-4147-A177-3AD203B41FA5}">
+                      <a16:colId xmlns:a16="http://schemas.microsoft.com/office/drawing/2014/main" val="20003"/>
+                    </a:ext>
+                  </a:extLst>
+                </a:gridCol>
               </a:tblGrid>
               <a:tr h="405360">
                 <a:tc>
-                  <a:tcPr anchor="t" marL="91800" marR="91800">
+                  <a:txBody>
+                    <a:bodyPr/>
+                    <a:lstStyle/>
+                    <a:p>
+                      <a:endParaRPr lang="fr-FR"/>
+                    </a:p>
+                  </a:txBody>
+                  <a:tcPr marL="91800" marR="91800">
                     <a:lnL w="12240">
                       <a:solidFill>
-                        <a:srgbClr val="ffffff"/>
+                        <a:srgbClr val="FFFFFF"/>
                       </a:solidFill>
                     </a:lnL>
                     <a:lnR w="12240">
                       <a:solidFill>
-                        <a:srgbClr val="ffffff"/>
+                        <a:srgbClr val="FFFFFF"/>
                       </a:solidFill>
                     </a:lnR>
                     <a:lnT w="12240">
                       <a:solidFill>
-                        <a:srgbClr val="ffffff"/>
+                        <a:srgbClr val="FFFFFF"/>
                       </a:solidFill>
                     </a:lnT>
                     <a:lnB w="38160">
                       <a:solidFill>
-                        <a:srgbClr val="ffffff"/>
+                        <a:srgbClr val="FFFFFF"/>
                       </a:solidFill>
                     </a:lnB>
                     <a:solidFill>
@@ -7206,9 +7988,8 @@
                 </a:tc>
                 <a:tc>
                   <a:txBody>
-                    <a:bodyPr lIns="91800" rIns="91800" anchor="t">
-                      <a:noAutofit/>
-                    </a:bodyPr>
+                    <a:bodyPr/>
+                    <a:lstStyle/>
                     <a:p>
                       <a:pPr>
                         <a:lnSpc>
@@ -7216,7 +7997,7 @@
                         </a:lnSpc>
                       </a:pPr>
                       <a:r>
-                        <a:rPr b="1" lang="fr-FR" sz="1800" spc="-1" strike="noStrike">
+                        <a:rPr lang="fr-FR" sz="1800" b="1" strike="noStrike" spc="-1">
                           <a:solidFill>
                             <a:schemeClr val="lt1"/>
                           </a:solidFill>
@@ -7224,30 +8005,30 @@
                         </a:rPr>
                         <a:t>Aymeric Beck</a:t>
                       </a:r>
-                      <a:endParaRPr b="0" lang="fr-FR" sz="1800" spc="-1" strike="noStrike">
+                      <a:endParaRPr lang="fr-FR" sz="1800" b="0" strike="noStrike" spc="-1">
                         <a:latin typeface="Arial"/>
                       </a:endParaRPr>
                     </a:p>
                   </a:txBody>
-                  <a:tcPr anchor="t" marL="91800" marR="91800">
+                  <a:tcPr marL="91800" marR="91800">
                     <a:lnL w="12240">
                       <a:solidFill>
-                        <a:srgbClr val="ffffff"/>
+                        <a:srgbClr val="FFFFFF"/>
                       </a:solidFill>
                     </a:lnL>
                     <a:lnR w="12240">
                       <a:solidFill>
-                        <a:srgbClr val="ffffff"/>
+                        <a:srgbClr val="FFFFFF"/>
                       </a:solidFill>
                     </a:lnR>
                     <a:lnT w="12240">
                       <a:solidFill>
-                        <a:srgbClr val="ffffff"/>
+                        <a:srgbClr val="FFFFFF"/>
                       </a:solidFill>
                     </a:lnT>
                     <a:lnB w="38160">
                       <a:solidFill>
-                        <a:srgbClr val="ffffff"/>
+                        <a:srgbClr val="FFFFFF"/>
                       </a:solidFill>
                     </a:lnB>
                     <a:solidFill>
@@ -7257,9 +8038,8 @@
                 </a:tc>
                 <a:tc>
                   <a:txBody>
-                    <a:bodyPr lIns="91800" rIns="91800" anchor="t">
-                      <a:noAutofit/>
-                    </a:bodyPr>
+                    <a:bodyPr/>
+                    <a:lstStyle/>
                     <a:p>
                       <a:pPr>
                         <a:lnSpc>
@@ -7267,7 +8047,7 @@
                         </a:lnSpc>
                       </a:pPr>
                       <a:r>
-                        <a:rPr b="1" lang="fr-FR" sz="1800" spc="-1" strike="noStrike">
+                        <a:rPr lang="fr-FR" sz="1800" b="1" strike="noStrike" spc="-1">
                           <a:solidFill>
                             <a:schemeClr val="lt1"/>
                           </a:solidFill>
@@ -7275,30 +8055,30 @@
                         </a:rPr>
                         <a:t>Antoine Buirey</a:t>
                       </a:r>
-                      <a:endParaRPr b="0" lang="fr-FR" sz="1800" spc="-1" strike="noStrike">
+                      <a:endParaRPr lang="fr-FR" sz="1800" b="0" strike="noStrike" spc="-1">
                         <a:latin typeface="Arial"/>
                       </a:endParaRPr>
                     </a:p>
                   </a:txBody>
-                  <a:tcPr anchor="t" marL="91800" marR="91800">
+                  <a:tcPr marL="91800" marR="91800">
                     <a:lnL w="12240">
                       <a:solidFill>
-                        <a:srgbClr val="ffffff"/>
+                        <a:srgbClr val="FFFFFF"/>
                       </a:solidFill>
                     </a:lnL>
                     <a:lnR w="12240">
                       <a:solidFill>
-                        <a:srgbClr val="ffffff"/>
+                        <a:srgbClr val="FFFFFF"/>
                       </a:solidFill>
                     </a:lnR>
                     <a:lnT w="12240">
                       <a:solidFill>
-                        <a:srgbClr val="ffffff"/>
+                        <a:srgbClr val="FFFFFF"/>
                       </a:solidFill>
                     </a:lnT>
                     <a:lnB w="38160">
                       <a:solidFill>
-                        <a:srgbClr val="ffffff"/>
+                        <a:srgbClr val="FFFFFF"/>
                       </a:solidFill>
                     </a:lnB>
                     <a:solidFill>
@@ -7308,9 +8088,8 @@
                 </a:tc>
                 <a:tc>
                   <a:txBody>
-                    <a:bodyPr lIns="91800" rIns="91800" anchor="t">
-                      <a:noAutofit/>
-                    </a:bodyPr>
+                    <a:bodyPr/>
+                    <a:lstStyle/>
                     <a:p>
                       <a:pPr>
                         <a:lnSpc>
@@ -7318,7 +8097,7 @@
                         </a:lnSpc>
                       </a:pPr>
                       <a:r>
-                        <a:rPr b="1" lang="fr-FR" sz="1800" spc="-1" strike="noStrike">
+                        <a:rPr lang="fr-FR" sz="1800" b="1" strike="noStrike" spc="-1">
                           <a:solidFill>
                             <a:schemeClr val="lt1"/>
                           </a:solidFill>
@@ -7326,30 +8105,30 @@
                         </a:rPr>
                         <a:t>Tanguy Horard</a:t>
                       </a:r>
-                      <a:endParaRPr b="0" lang="fr-FR" sz="1800" spc="-1" strike="noStrike">
+                      <a:endParaRPr lang="fr-FR" sz="1800" b="0" strike="noStrike" spc="-1">
                         <a:latin typeface="Arial"/>
                       </a:endParaRPr>
                     </a:p>
                   </a:txBody>
-                  <a:tcPr anchor="t" marL="91800" marR="91800">
+                  <a:tcPr marL="91800" marR="91800">
                     <a:lnL w="12240">
                       <a:solidFill>
-                        <a:srgbClr val="ffffff"/>
+                        <a:srgbClr val="FFFFFF"/>
                       </a:solidFill>
                     </a:lnL>
                     <a:lnR w="12240">
                       <a:solidFill>
-                        <a:srgbClr val="ffffff"/>
+                        <a:srgbClr val="FFFFFF"/>
                       </a:solidFill>
                     </a:lnR>
                     <a:lnT w="12240">
                       <a:solidFill>
-                        <a:srgbClr val="ffffff"/>
+                        <a:srgbClr val="FFFFFF"/>
                       </a:solidFill>
                     </a:lnT>
                     <a:lnB w="38160">
                       <a:solidFill>
-                        <a:srgbClr val="ffffff"/>
+                        <a:srgbClr val="FFFFFF"/>
                       </a:solidFill>
                     </a:lnB>
                     <a:solidFill>
@@ -7357,13 +8136,17 @@
                     </a:solidFill>
                   </a:tcPr>
                 </a:tc>
+                <a:extLst>
+                  <a:ext uri="{0D108BD9-81ED-4DB2-BD59-A6C34878D82A}">
+                    <a16:rowId xmlns:a16="http://schemas.microsoft.com/office/drawing/2014/main" val="10000"/>
+                  </a:ext>
+                </a:extLst>
               </a:tr>
               <a:tr h="405360">
                 <a:tc>
                   <a:txBody>
-                    <a:bodyPr lIns="91800" rIns="91800" anchor="t">
-                      <a:noAutofit/>
-                    </a:bodyPr>
+                    <a:bodyPr/>
+                    <a:lstStyle/>
                     <a:p>
                       <a:pPr>
                         <a:lnSpc>
@@ -7371,7 +8154,7 @@
                         </a:lnSpc>
                       </a:pPr>
                       <a:r>
-                        <a:rPr b="0" lang="fr-FR" sz="1800" spc="-1" strike="noStrike">
+                        <a:rPr lang="fr-FR" sz="1800" b="0" strike="noStrike" spc="-1">
                           <a:solidFill>
                             <a:schemeClr val="dk1"/>
                           </a:solidFill>
@@ -7379,159 +8162,182 @@
                         </a:rPr>
                         <a:t>R1.11 - Flyer</a:t>
                       </a:r>
-                      <a:endParaRPr b="0" lang="fr-FR" sz="1800" spc="-1" strike="noStrike">
+                      <a:endParaRPr lang="fr-FR" sz="1800" b="0" strike="noStrike" spc="-1">
                         <a:latin typeface="Arial"/>
                       </a:endParaRPr>
                     </a:p>
                   </a:txBody>
-                  <a:tcPr anchor="t" marL="91800" marR="91800">
+                  <a:tcPr marL="91800" marR="91800">
                     <a:lnL w="12240">
                       <a:solidFill>
-                        <a:srgbClr val="ffffff"/>
+                        <a:srgbClr val="FFFFFF"/>
                       </a:solidFill>
                     </a:lnL>
                     <a:lnR w="12240">
                       <a:solidFill>
-                        <a:srgbClr val="ffffff"/>
+                        <a:srgbClr val="FFFFFF"/>
                       </a:solidFill>
                     </a:lnR>
-                    <a:lnT w="12240">
-                      <a:solidFill>
-                        <a:srgbClr val="ffffff"/>
-                      </a:solidFill>
+                    <a:lnT w="38160" cap="flat" cmpd="sng" algn="ctr">
+                      <a:solidFill>
+                        <a:srgbClr val="FFFFFF"/>
+                      </a:solidFill>
+                      <a:prstDash val="solid"/>
+                      <a:round/>
+                      <a:headEnd type="none" w="med" len="med"/>
+                      <a:tailEnd type="none" w="med" len="med"/>
                     </a:lnT>
                     <a:lnB w="12240">
                       <a:solidFill>
-                        <a:srgbClr val="ffffff"/>
+                        <a:srgbClr val="FFFFFF"/>
                       </a:solidFill>
                     </a:lnB>
                     <a:solidFill>
-                      <a:srgbClr val="cfd5e9"/>
+                      <a:srgbClr val="CFD5E9"/>
                     </a:solidFill>
                   </a:tcPr>
                 </a:tc>
                 <a:tc>
                   <a:txBody>
-                    <a:bodyPr lIns="91800" rIns="91800" anchor="t">
-                      <a:noAutofit/>
-                    </a:bodyPr>
+                    <a:bodyPr/>
+                    <a:lstStyle/>
                     <a:p>
                       <a:pPr algn="ctr"/>
                       <a:r>
-                        <a:rPr b="0" lang="fr-FR" sz="1800" spc="-1" strike="noStrike">
+                        <a:rPr lang="fr-FR" sz="1800" b="0" strike="noStrike" spc="-1" dirty="0">
                           <a:latin typeface="Arial"/>
                         </a:rPr>
                         <a:t>-</a:t>
                       </a:r>
-                      <a:endParaRPr b="0" lang="fr-FR" sz="1800" spc="-1" strike="noStrike">
-                        <a:latin typeface="Arial"/>
-                      </a:endParaRPr>
                     </a:p>
                   </a:txBody>
-                  <a:tcPr anchor="t" marL="91800" marR="91800">
+                  <a:tcPr marL="91800" marR="91800">
                     <a:lnL w="12240">
                       <a:solidFill>
-                        <a:srgbClr val="ffffff"/>
+                        <a:srgbClr val="FFFFFF"/>
                       </a:solidFill>
                     </a:lnL>
                     <a:lnR w="12240">
                       <a:solidFill>
-                        <a:srgbClr val="ffffff"/>
+                        <a:srgbClr val="FFFFFF"/>
                       </a:solidFill>
                     </a:lnR>
-                    <a:lnT w="12240">
-                      <a:solidFill>
-                        <a:srgbClr val="ffffff"/>
-                      </a:solidFill>
+                    <a:lnT w="38160" cap="flat" cmpd="sng" algn="ctr">
+                      <a:solidFill>
+                        <a:srgbClr val="FFFFFF"/>
+                      </a:solidFill>
+                      <a:prstDash val="solid"/>
+                      <a:round/>
+                      <a:headEnd type="none" w="med" len="med"/>
+                      <a:tailEnd type="none" w="med" len="med"/>
                     </a:lnT>
                     <a:lnB w="12240">
                       <a:solidFill>
-                        <a:srgbClr val="ffffff"/>
+                        <a:srgbClr val="FFFFFF"/>
                       </a:solidFill>
                     </a:lnB>
                     <a:solidFill>
-                      <a:srgbClr val="cfd5e9"/>
+                      <a:srgbClr val="CFD5E9"/>
                     </a:solidFill>
                   </a:tcPr>
                 </a:tc>
                 <a:tc>
                   <a:txBody>
-                    <a:bodyPr lIns="91800" rIns="91800" anchor="t">
-                      <a:noAutofit/>
-                    </a:bodyPr>
+                    <a:bodyPr/>
+                    <a:lstStyle/>
                     <a:p>
                       <a:pPr algn="ctr"/>
                       <a:r>
-                        <a:rPr b="0" lang="fr-FR" sz="1800" spc="-1" strike="noStrike">
+                        <a:rPr lang="fr-FR" sz="1800" b="0" strike="noStrike" spc="-1">
                           <a:latin typeface="Arial"/>
                         </a:rPr>
                         <a:t>-</a:t>
                       </a:r>
-                      <a:endParaRPr b="0" lang="fr-FR" sz="1800" spc="-1" strike="noStrike">
-                        <a:latin typeface="Arial"/>
-                      </a:endParaRPr>
                     </a:p>
                   </a:txBody>
-                  <a:tcPr anchor="t" marL="91800" marR="91800">
+                  <a:tcPr marL="91800" marR="91800">
                     <a:lnL w="12240">
                       <a:solidFill>
-                        <a:srgbClr val="ffffff"/>
+                        <a:srgbClr val="FFFFFF"/>
                       </a:solidFill>
                     </a:lnL>
                     <a:lnR w="12240">
                       <a:solidFill>
-                        <a:srgbClr val="ffffff"/>
+                        <a:srgbClr val="FFFFFF"/>
                       </a:solidFill>
                     </a:lnR>
-                    <a:lnT w="12240">
-                      <a:solidFill>
-                        <a:srgbClr val="ffffff"/>
-                      </a:solidFill>
+                    <a:lnT w="38160" cap="flat" cmpd="sng" algn="ctr">
+                      <a:solidFill>
+                        <a:srgbClr val="FFFFFF"/>
+                      </a:solidFill>
+                      <a:prstDash val="solid"/>
+                      <a:round/>
+                      <a:headEnd type="none" w="med" len="med"/>
+                      <a:tailEnd type="none" w="med" len="med"/>
                     </a:lnT>
                     <a:lnB w="12240">
                       <a:solidFill>
-                        <a:srgbClr val="ffffff"/>
+                        <a:srgbClr val="FFFFFF"/>
                       </a:solidFill>
                     </a:lnB>
                     <a:solidFill>
-                      <a:srgbClr val="cfd5e9"/>
+                      <a:srgbClr val="CFD5E9"/>
                     </a:solidFill>
                   </a:tcPr>
                 </a:tc>
                 <a:tc>
-                  <a:tcPr anchor="t" marL="91800" marR="91800">
+                  <a:txBody>
+                    <a:bodyPr/>
+                    <a:lstStyle/>
+                    <a:p>
+                      <a:pPr algn="ctr"/>
+                      <a:r>
+                        <a:rPr lang="fr-FR" dirty="0"/>
+                        <a:t>2h</a:t>
+                      </a:r>
+                    </a:p>
+                  </a:txBody>
+                  <a:tcPr marL="91800" marR="91800">
                     <a:lnL w="12240">
                       <a:solidFill>
-                        <a:srgbClr val="ffffff"/>
+                        <a:srgbClr val="FFFFFF"/>
                       </a:solidFill>
                     </a:lnL>
                     <a:lnR w="12240">
                       <a:solidFill>
-                        <a:srgbClr val="ffffff"/>
+                        <a:srgbClr val="FFFFFF"/>
                       </a:solidFill>
                     </a:lnR>
-                    <a:lnT w="12240">
-                      <a:solidFill>
-                        <a:srgbClr val="ffffff"/>
-                      </a:solidFill>
+                    <a:lnT w="38160" cap="flat" cmpd="sng" algn="ctr">
+                      <a:solidFill>
+                        <a:srgbClr val="FFFFFF"/>
+                      </a:solidFill>
+                      <a:prstDash val="solid"/>
+                      <a:round/>
+                      <a:headEnd type="none" w="med" len="med"/>
+                      <a:tailEnd type="none" w="med" len="med"/>
                     </a:lnT>
                     <a:lnB w="12240">
                       <a:solidFill>
-                        <a:srgbClr val="ffffff"/>
+                        <a:srgbClr val="FFFFFF"/>
                       </a:solidFill>
                     </a:lnB>
                     <a:solidFill>
-                      <a:srgbClr val="cfd5e9"/>
+                      <a:srgbClr val="CFD5E9"/>
                     </a:solidFill>
                   </a:tcPr>
                 </a:tc>
+                <a:extLst>
+                  <a:ext uri="{0D108BD9-81ED-4DB2-BD59-A6C34878D82A}">
+                    <a16:rowId xmlns:a16="http://schemas.microsoft.com/office/drawing/2014/main" val="10001"/>
+                  </a:ext>
+                </a:extLst>
               </a:tr>
               <a:tr h="405360">
                 <a:tc>
                   <a:txBody>
-                    <a:bodyPr lIns="91800" rIns="91800" anchor="t">
-                      <a:noAutofit/>
-                    </a:bodyPr>
+                    <a:bodyPr/>
+                    <a:lstStyle/>
                     <a:p>
                       <a:pPr>
                         <a:lnSpc>
@@ -7539,7 +8345,7 @@
                         </a:lnSpc>
                       </a:pPr>
                       <a:r>
-                        <a:rPr b="0" lang="fr-FR" sz="1800" spc="-1" strike="noStrike">
+                        <a:rPr lang="fr-FR" sz="1800" b="0" strike="noStrike" spc="-1">
                           <a:solidFill>
                             <a:schemeClr val="dk1"/>
                           </a:solidFill>
@@ -7547,142 +8353,164 @@
                         </a:rPr>
                         <a:t>R1.11 - Note d’intention</a:t>
                       </a:r>
-                      <a:endParaRPr b="0" lang="fr-FR" sz="1800" spc="-1" strike="noStrike">
+                      <a:endParaRPr lang="fr-FR" sz="1800" b="0" strike="noStrike" spc="-1">
                         <a:latin typeface="Arial"/>
                       </a:endParaRPr>
                     </a:p>
                   </a:txBody>
-                  <a:tcPr anchor="t" marL="91800" marR="91800">
+                  <a:tcPr marL="91800" marR="91800">
                     <a:lnL w="12240">
                       <a:solidFill>
-                        <a:srgbClr val="ffffff"/>
+                        <a:srgbClr val="FFFFFF"/>
                       </a:solidFill>
                     </a:lnL>
                     <a:lnR w="12240">
                       <a:solidFill>
-                        <a:srgbClr val="ffffff"/>
+                        <a:srgbClr val="FFFFFF"/>
                       </a:solidFill>
                     </a:lnR>
                     <a:lnT w="12240">
                       <a:solidFill>
-                        <a:srgbClr val="ffffff"/>
+                        <a:srgbClr val="FFFFFF"/>
                       </a:solidFill>
                     </a:lnT>
                     <a:lnB w="12240">
                       <a:solidFill>
-                        <a:srgbClr val="ffffff"/>
+                        <a:srgbClr val="FFFFFF"/>
                       </a:solidFill>
                     </a:lnB>
                     <a:solidFill>
-                      <a:srgbClr val="e8ebf4"/>
+                      <a:srgbClr val="E8EBF4"/>
                     </a:solidFill>
                   </a:tcPr>
                 </a:tc>
                 <a:tc>
                   <a:txBody>
-                    <a:bodyPr lIns="91800" rIns="91800" anchor="t">
-                      <a:noAutofit/>
-                    </a:bodyPr>
+                    <a:bodyPr/>
+                    <a:lstStyle/>
                     <a:p>
                       <a:pPr algn="ctr"/>
                       <a:r>
-                        <a:rPr b="0" lang="fr-FR" sz="1800" spc="-1" strike="noStrike">
+                        <a:rPr lang="fr-FR" sz="1800" b="0" strike="noStrike" spc="-1" dirty="0">
                           <a:latin typeface="Arial"/>
                         </a:rPr>
-                        <a:t>35mn</a:t>
+                        <a:t>35 mn</a:t>
                       </a:r>
-                      <a:endParaRPr b="0" lang="fr-FR" sz="1800" spc="-1" strike="noStrike">
-                        <a:latin typeface="Arial"/>
-                      </a:endParaRPr>
                     </a:p>
                   </a:txBody>
-                  <a:tcPr anchor="t" marL="91800" marR="91800">
+                  <a:tcPr marL="91800" marR="91800">
                     <a:lnL w="12240">
                       <a:solidFill>
-                        <a:srgbClr val="ffffff"/>
+                        <a:srgbClr val="FFFFFF"/>
                       </a:solidFill>
                     </a:lnL>
                     <a:lnR w="12240">
                       <a:solidFill>
-                        <a:srgbClr val="ffffff"/>
+                        <a:srgbClr val="FFFFFF"/>
                       </a:solidFill>
                     </a:lnR>
                     <a:lnT w="12240">
                       <a:solidFill>
-                        <a:srgbClr val="ffffff"/>
+                        <a:srgbClr val="FFFFFF"/>
                       </a:solidFill>
                     </a:lnT>
                     <a:lnB w="12240">
                       <a:solidFill>
-                        <a:srgbClr val="ffffff"/>
+                        <a:srgbClr val="FFFFFF"/>
                       </a:solidFill>
                     </a:lnB>
                     <a:solidFill>
-                      <a:srgbClr val="e8ebf4"/>
+                      <a:srgbClr val="E8EBF4"/>
                     </a:solidFill>
                   </a:tcPr>
                 </a:tc>
                 <a:tc>
-                  <a:tcPr anchor="t" marL="91800" marR="91800">
+                  <a:txBody>
+                    <a:bodyPr/>
+                    <a:lstStyle/>
+                    <a:p>
+                      <a:pPr algn="ctr"/>
+                      <a:r>
+                        <a:rPr lang="fr-FR" dirty="0"/>
+                        <a:t>-</a:t>
+                      </a:r>
+                    </a:p>
+                  </a:txBody>
+                  <a:tcPr marL="91800" marR="91800">
                     <a:lnL w="12240">
                       <a:solidFill>
-                        <a:srgbClr val="ffffff"/>
+                        <a:srgbClr val="FFFFFF"/>
                       </a:solidFill>
                     </a:lnL>
                     <a:lnR w="12240">
                       <a:solidFill>
-                        <a:srgbClr val="ffffff"/>
+                        <a:srgbClr val="FFFFFF"/>
                       </a:solidFill>
                     </a:lnR>
                     <a:lnT w="12240">
                       <a:solidFill>
-                        <a:srgbClr val="ffffff"/>
+                        <a:srgbClr val="FFFFFF"/>
                       </a:solidFill>
                     </a:lnT>
                     <a:lnB w="12240">
                       <a:solidFill>
-                        <a:srgbClr val="ffffff"/>
+                        <a:srgbClr val="FFFFFF"/>
                       </a:solidFill>
                     </a:lnB>
                     <a:solidFill>
-                      <a:srgbClr val="e8ebf4"/>
+                      <a:srgbClr val="E8EBF4"/>
                     </a:solidFill>
                   </a:tcPr>
                 </a:tc>
                 <a:tc>
-                  <a:tcPr anchor="t" marL="91800" marR="91800">
+                  <a:txBody>
+                    <a:bodyPr/>
+                    <a:lstStyle/>
+                    <a:p>
+                      <a:pPr algn="ctr"/>
+                      <a:r>
+                        <a:rPr lang="fr-FR" dirty="0"/>
+                        <a:t>-</a:t>
+                      </a:r>
+                    </a:p>
+                  </a:txBody>
+                  <a:tcPr marL="91800" marR="91800">
                     <a:lnL w="12240">
                       <a:solidFill>
-                        <a:srgbClr val="ffffff"/>
+                        <a:srgbClr val="FFFFFF"/>
                       </a:solidFill>
                     </a:lnL>
                     <a:lnR w="12240">
                       <a:solidFill>
-                        <a:srgbClr val="ffffff"/>
+                        <a:srgbClr val="FFFFFF"/>
                       </a:solidFill>
                     </a:lnR>
                     <a:lnT w="12240">
                       <a:solidFill>
-                        <a:srgbClr val="ffffff"/>
+                        <a:srgbClr val="FFFFFF"/>
                       </a:solidFill>
                     </a:lnT>
                     <a:lnB w="12240">
                       <a:solidFill>
-                        <a:srgbClr val="ffffff"/>
+                        <a:srgbClr val="FFFFFF"/>
                       </a:solidFill>
                     </a:lnB>
                     <a:solidFill>
-                      <a:srgbClr val="e8ebf4"/>
+                      <a:srgbClr val="E8EBF4"/>
                     </a:solidFill>
                   </a:tcPr>
                 </a:tc>
+                <a:extLst>
+                  <a:ext uri="{0D108BD9-81ED-4DB2-BD59-A6C34878D82A}">
+                    <a16:rowId xmlns:a16="http://schemas.microsoft.com/office/drawing/2014/main" val="10002"/>
+                  </a:ext>
+                </a:extLst>
               </a:tr>
               <a:tr h="681840">
                 <a:tc>
                   <a:txBody>
-                    <a:bodyPr lIns="91800" rIns="91800" anchor="t">
-                      <a:noAutofit/>
-                    </a:bodyPr>
+                    <a:bodyPr/>
+                    <a:lstStyle/>
                     <a:p>
                       <a:pPr>
                         <a:lnSpc>
@@ -7690,7 +8518,7 @@
                         </a:lnSpc>
                       </a:pPr>
                       <a:r>
-                        <a:rPr b="0" lang="fr-FR" sz="1800" spc="-1" strike="noStrike">
+                        <a:rPr lang="fr-FR" sz="1800" b="0" strike="noStrike" spc="-1">
                           <a:solidFill>
                             <a:schemeClr val="dk1"/>
                           </a:solidFill>
@@ -7698,86 +8526,81 @@
                         </a:rPr>
                         <a:t>R1.08 - Diagramme des tâches</a:t>
                       </a:r>
-                      <a:endParaRPr b="0" lang="fr-FR" sz="1800" spc="-1" strike="noStrike">
+                      <a:endParaRPr lang="fr-FR" sz="1800" b="0" strike="noStrike" spc="-1">
                         <a:latin typeface="Arial"/>
                       </a:endParaRPr>
                     </a:p>
                   </a:txBody>
-                  <a:tcPr anchor="t" marL="91800" marR="91800">
+                  <a:tcPr marL="91800" marR="91800">
                     <a:lnL w="12240">
                       <a:solidFill>
-                        <a:srgbClr val="ffffff"/>
+                        <a:srgbClr val="FFFFFF"/>
                       </a:solidFill>
                     </a:lnL>
                     <a:lnR w="12240">
                       <a:solidFill>
-                        <a:srgbClr val="ffffff"/>
+                        <a:srgbClr val="FFFFFF"/>
                       </a:solidFill>
                     </a:lnR>
                     <a:lnT w="12240">
                       <a:solidFill>
-                        <a:srgbClr val="ffffff"/>
+                        <a:srgbClr val="FFFFFF"/>
                       </a:solidFill>
                     </a:lnT>
                     <a:lnB w="12240">
                       <a:solidFill>
-                        <a:srgbClr val="ffffff"/>
+                        <a:srgbClr val="FFFFFF"/>
                       </a:solidFill>
                     </a:lnB>
                     <a:solidFill>
-                      <a:srgbClr val="cfd5e9"/>
+                      <a:srgbClr val="CFD5E9"/>
                     </a:solidFill>
                   </a:tcPr>
                 </a:tc>
                 <a:tc>
                   <a:txBody>
-                    <a:bodyPr lIns="91800" rIns="91800" anchor="t">
-                      <a:noAutofit/>
-                    </a:bodyPr>
+                    <a:bodyPr/>
+                    <a:lstStyle/>
                     <a:p>
                       <a:pPr algn="ctr"/>
                       <a:r>
-                        <a:rPr b="0" lang="fr-FR" sz="1800" spc="-1" strike="noStrike">
+                        <a:rPr lang="fr-FR" sz="1800" b="0" strike="noStrike" spc="-1">
                           <a:latin typeface="Arial"/>
                         </a:rPr>
                         <a:t>-</a:t>
                       </a:r>
-                      <a:endParaRPr b="0" lang="fr-FR" sz="1800" spc="-1" strike="noStrike">
-                        <a:latin typeface="Arial"/>
-                      </a:endParaRPr>
                     </a:p>
                   </a:txBody>
-                  <a:tcPr anchor="t" marL="91800" marR="91800">
+                  <a:tcPr marL="91800" marR="91800">
                     <a:lnL w="12240">
                       <a:solidFill>
-                        <a:srgbClr val="ffffff"/>
+                        <a:srgbClr val="FFFFFF"/>
                       </a:solidFill>
                     </a:lnL>
                     <a:lnR w="12240">
                       <a:solidFill>
-                        <a:srgbClr val="ffffff"/>
+                        <a:srgbClr val="FFFFFF"/>
                       </a:solidFill>
                     </a:lnR>
                     <a:lnT w="12240">
                       <a:solidFill>
-                        <a:srgbClr val="ffffff"/>
+                        <a:srgbClr val="FFFFFF"/>
                       </a:solidFill>
                     </a:lnT>
                     <a:lnB w="12240">
                       <a:solidFill>
-                        <a:srgbClr val="ffffff"/>
+                        <a:srgbClr val="FFFFFF"/>
                       </a:solidFill>
                     </a:lnB>
                     <a:solidFill>
-                      <a:srgbClr val="cfd5e9"/>
+                      <a:srgbClr val="CFD5E9"/>
                     </a:solidFill>
                   </a:tcPr>
                 </a:tc>
                 <a:tc>
                   <a:txBody>
-                    <a:bodyPr lIns="91800" rIns="91800" anchor="t">
-                      <a:noAutofit/>
-                    </a:bodyPr>
+                    <a:bodyPr/>
+                    <a:lstStyle/>
                     <a:p>
                       <a:pPr algn="ctr">
                         <a:lnSpc>
@@ -7785,7 +8608,7 @@
                         </a:lnSpc>
                       </a:pPr>
                       <a:r>
-                        <a:rPr b="0" lang="fr-FR" sz="1800" spc="-1" strike="noStrike">
+                        <a:rPr lang="fr-FR" sz="1800" b="0" strike="noStrike" spc="-1" dirty="0">
                           <a:solidFill>
                             <a:schemeClr val="dk1"/>
                           </a:solidFill>
@@ -7793,71 +8616,86 @@
                         </a:rPr>
                         <a:t>2h</a:t>
                       </a:r>
-                      <a:endParaRPr b="0" lang="fr-FR" sz="1800" spc="-1" strike="noStrike">
+                      <a:endParaRPr lang="fr-FR" sz="1800" b="0" strike="noStrike" spc="-1" dirty="0">
                         <a:latin typeface="Arial"/>
                       </a:endParaRPr>
                     </a:p>
                   </a:txBody>
-                  <a:tcPr anchor="t" marL="91800" marR="91800">
+                  <a:tcPr marL="91800" marR="91800">
                     <a:lnL w="12240">
                       <a:solidFill>
-                        <a:srgbClr val="ffffff"/>
+                        <a:srgbClr val="FFFFFF"/>
                       </a:solidFill>
                     </a:lnL>
                     <a:lnR w="12240">
                       <a:solidFill>
-                        <a:srgbClr val="ffffff"/>
+                        <a:srgbClr val="FFFFFF"/>
                       </a:solidFill>
                     </a:lnR>
                     <a:lnT w="12240">
                       <a:solidFill>
-                        <a:srgbClr val="ffffff"/>
+                        <a:srgbClr val="FFFFFF"/>
                       </a:solidFill>
                     </a:lnT>
                     <a:lnB w="12240">
                       <a:solidFill>
-                        <a:srgbClr val="ffffff"/>
+                        <a:srgbClr val="FFFFFF"/>
                       </a:solidFill>
                     </a:lnB>
                     <a:solidFill>
-                      <a:srgbClr val="cfd5e9"/>
+                      <a:srgbClr val="CFD5E9"/>
                     </a:solidFill>
                   </a:tcPr>
                 </a:tc>
                 <a:tc>
-                  <a:tcPr anchor="t" marL="91800" marR="91800">
+                  <a:txBody>
+                    <a:bodyPr/>
+                    <a:lstStyle/>
+                    <a:p>
+                      <a:pPr algn="ctr"/>
+                      <a:r>
+                        <a:rPr lang="fr-FR" dirty="0"/>
+                        <a:t>-</a:t>
+                      </a:r>
+                    </a:p>
+                  </a:txBody>
+                  <a:tcPr marL="91800" marR="91800">
                     <a:lnL w="12240">
                       <a:solidFill>
-                        <a:srgbClr val="ffffff"/>
+                        <a:srgbClr val="FFFFFF"/>
                       </a:solidFill>
                     </a:lnL>
                     <a:lnR w="12240">
                       <a:solidFill>
-                        <a:srgbClr val="ffffff"/>
+                        <a:srgbClr val="FFFFFF"/>
                       </a:solidFill>
                     </a:lnR>
                     <a:lnT w="12240">
                       <a:solidFill>
-                        <a:srgbClr val="ffffff"/>
+                        <a:srgbClr val="FFFFFF"/>
                       </a:solidFill>
                     </a:lnT>
                     <a:lnB w="12240">
                       <a:solidFill>
-                        <a:srgbClr val="ffffff"/>
+                        <a:srgbClr val="FFFFFF"/>
                       </a:solidFill>
                     </a:lnB>
                     <a:solidFill>
-                      <a:srgbClr val="cfd5e9"/>
+                      <a:srgbClr val="CFD5E9"/>
                     </a:solidFill>
                   </a:tcPr>
                 </a:tc>
+                <a:extLst>
+                  <a:ext uri="{0D108BD9-81ED-4DB2-BD59-A6C34878D82A}">
+                    <a16:rowId xmlns:a16="http://schemas.microsoft.com/office/drawing/2014/main" val="10003"/>
+                  </a:ext>
+                </a:extLst>
               </a:tr>
               <a:tr h="405360">
                 <a:tc>
                   <a:txBody>
-                    <a:bodyPr lIns="91800" rIns="91800" anchor="t">
-                      <a:noAutofit/>
-                    </a:bodyPr>
+                    <a:bodyPr/>
+                    <a:lstStyle/>
                     <a:p>
                       <a:pPr>
                         <a:lnSpc>
@@ -7865,7 +8703,7 @@
                         </a:lnSpc>
                       </a:pPr>
                       <a:r>
-                        <a:rPr b="0" lang="fr-FR" sz="1800" spc="-1" strike="noStrike">
+                        <a:rPr lang="fr-FR" sz="1800" b="0" strike="noStrike" spc="-1">
                           <a:solidFill>
                             <a:schemeClr val="dk1"/>
                           </a:solidFill>
@@ -7873,159 +8711,166 @@
                         </a:rPr>
                         <a:t>R1.08 - Note explicative</a:t>
                       </a:r>
-                      <a:endParaRPr b="0" lang="fr-FR" sz="1800" spc="-1" strike="noStrike">
+                      <a:endParaRPr lang="fr-FR" sz="1800" b="0" strike="noStrike" spc="-1">
                         <a:latin typeface="Arial"/>
                       </a:endParaRPr>
                     </a:p>
                   </a:txBody>
-                  <a:tcPr anchor="t" marL="91800" marR="91800">
+                  <a:tcPr marL="91800" marR="91800">
                     <a:lnL w="12240">
                       <a:solidFill>
-                        <a:srgbClr val="ffffff"/>
+                        <a:srgbClr val="FFFFFF"/>
                       </a:solidFill>
                     </a:lnL>
                     <a:lnR w="12240">
                       <a:solidFill>
-                        <a:srgbClr val="ffffff"/>
+                        <a:srgbClr val="FFFFFF"/>
                       </a:solidFill>
                     </a:lnR>
                     <a:lnT w="12240">
                       <a:solidFill>
-                        <a:srgbClr val="ffffff"/>
+                        <a:srgbClr val="FFFFFF"/>
                       </a:solidFill>
                     </a:lnT>
                     <a:lnB w="12240">
                       <a:solidFill>
-                        <a:srgbClr val="ffffff"/>
+                        <a:srgbClr val="FFFFFF"/>
                       </a:solidFill>
                     </a:lnB>
                     <a:solidFill>
-                      <a:srgbClr val="e8ebf4"/>
+                      <a:srgbClr val="E8EBF4"/>
                     </a:solidFill>
                   </a:tcPr>
                 </a:tc>
                 <a:tc>
                   <a:txBody>
-                    <a:bodyPr lIns="91800" rIns="91800" anchor="t">
-                      <a:noAutofit/>
-                    </a:bodyPr>
+                    <a:bodyPr/>
+                    <a:lstStyle/>
                     <a:p>
                       <a:pPr algn="ctr"/>
                       <a:r>
-                        <a:rPr b="0" lang="fr-FR" sz="1800" spc="-1" strike="noStrike">
+                        <a:rPr lang="fr-FR" sz="1800" b="0" strike="noStrike" spc="-1">
                           <a:latin typeface="Arial"/>
                         </a:rPr>
                         <a:t>30 mn</a:t>
                       </a:r>
-                      <a:endParaRPr b="0" lang="fr-FR" sz="1800" spc="-1" strike="noStrike">
-                        <a:latin typeface="Arial"/>
-                      </a:endParaRPr>
                     </a:p>
                   </a:txBody>
-                  <a:tcPr anchor="t" marL="91800" marR="91800">
+                  <a:tcPr marL="91800" marR="91800">
                     <a:lnL w="12240">
                       <a:solidFill>
-                        <a:srgbClr val="ffffff"/>
+                        <a:srgbClr val="FFFFFF"/>
                       </a:solidFill>
                     </a:lnL>
                     <a:lnR w="12240">
                       <a:solidFill>
-                        <a:srgbClr val="ffffff"/>
+                        <a:srgbClr val="FFFFFF"/>
                       </a:solidFill>
                     </a:lnR>
                     <a:lnT w="12240">
                       <a:solidFill>
-                        <a:srgbClr val="ffffff"/>
+                        <a:srgbClr val="FFFFFF"/>
                       </a:solidFill>
                     </a:lnT>
                     <a:lnB w="12240">
                       <a:solidFill>
-                        <a:srgbClr val="ffffff"/>
+                        <a:srgbClr val="FFFFFF"/>
                       </a:solidFill>
                     </a:lnB>
                     <a:solidFill>
-                      <a:srgbClr val="e8ebf4"/>
+                      <a:srgbClr val="E8EBF4"/>
                     </a:solidFill>
                   </a:tcPr>
                 </a:tc>
                 <a:tc>
                   <a:txBody>
-                    <a:bodyPr lIns="91800" rIns="91800" anchor="t">
-                      <a:noAutofit/>
-                    </a:bodyPr>
+                    <a:bodyPr/>
+                    <a:lstStyle/>
                     <a:p>
                       <a:pPr algn="ctr"/>
                       <a:r>
-                        <a:rPr b="0" lang="fr-FR" sz="1800" spc="-1" strike="noStrike">
+                        <a:rPr lang="fr-FR" sz="1800" b="0" strike="noStrike" spc="-1">
                           <a:latin typeface="Arial"/>
                         </a:rPr>
                         <a:t>-</a:t>
                       </a:r>
-                      <a:endParaRPr b="0" lang="fr-FR" sz="1800" spc="-1" strike="noStrike">
-                        <a:latin typeface="Arial"/>
-                      </a:endParaRPr>
                     </a:p>
                   </a:txBody>
-                  <a:tcPr anchor="t" marL="91800" marR="91800">
+                  <a:tcPr marL="91800" marR="91800">
                     <a:lnL w="12240">
                       <a:solidFill>
-                        <a:srgbClr val="ffffff"/>
+                        <a:srgbClr val="FFFFFF"/>
                       </a:solidFill>
                     </a:lnL>
                     <a:lnR w="12240">
                       <a:solidFill>
-                        <a:srgbClr val="ffffff"/>
+                        <a:srgbClr val="FFFFFF"/>
                       </a:solidFill>
                     </a:lnR>
                     <a:lnT w="12240">
                       <a:solidFill>
-                        <a:srgbClr val="ffffff"/>
+                        <a:srgbClr val="FFFFFF"/>
                       </a:solidFill>
                     </a:lnT>
                     <a:lnB w="12240">
                       <a:solidFill>
-                        <a:srgbClr val="ffffff"/>
+                        <a:srgbClr val="FFFFFF"/>
                       </a:solidFill>
                     </a:lnB>
                     <a:solidFill>
-                      <a:srgbClr val="e8ebf4"/>
+                      <a:srgbClr val="E8EBF4"/>
                     </a:solidFill>
                   </a:tcPr>
                 </a:tc>
                 <a:tc>
-                  <a:tcPr anchor="t" marL="91800" marR="91800">
+                  <a:txBody>
+                    <a:bodyPr/>
+                    <a:lstStyle/>
+                    <a:p>
+                      <a:pPr algn="ctr"/>
+                      <a:r>
+                        <a:rPr lang="fr-FR" dirty="0"/>
+                        <a:t>-</a:t>
+                      </a:r>
+                    </a:p>
+                  </a:txBody>
+                  <a:tcPr marL="91800" marR="91800">
                     <a:lnL w="12240">
                       <a:solidFill>
-                        <a:srgbClr val="ffffff"/>
+                        <a:srgbClr val="FFFFFF"/>
                       </a:solidFill>
                     </a:lnL>
                     <a:lnR w="12240">
                       <a:solidFill>
-                        <a:srgbClr val="ffffff"/>
+                        <a:srgbClr val="FFFFFF"/>
                       </a:solidFill>
                     </a:lnR>
                     <a:lnT w="12240">
                       <a:solidFill>
-                        <a:srgbClr val="ffffff"/>
+                        <a:srgbClr val="FFFFFF"/>
                       </a:solidFill>
                     </a:lnT>
                     <a:lnB w="12240">
                       <a:solidFill>
-                        <a:srgbClr val="ffffff"/>
+                        <a:srgbClr val="FFFFFF"/>
                       </a:solidFill>
                     </a:lnB>
                     <a:solidFill>
-                      <a:srgbClr val="e8ebf4"/>
+                      <a:srgbClr val="E8EBF4"/>
                     </a:solidFill>
                   </a:tcPr>
                 </a:tc>
+                <a:extLst>
+                  <a:ext uri="{0D108BD9-81ED-4DB2-BD59-A6C34878D82A}">
+                    <a16:rowId xmlns:a16="http://schemas.microsoft.com/office/drawing/2014/main" val="10004"/>
+                  </a:ext>
+                </a:extLst>
               </a:tr>
               <a:tr h="681840">
                 <a:tc>
                   <a:txBody>
-                    <a:bodyPr lIns="91800" rIns="91800" anchor="t">
-                      <a:noAutofit/>
-                    </a:bodyPr>
+                    <a:bodyPr/>
+                    <a:lstStyle/>
                     <a:p>
                       <a:pPr>
                         <a:lnSpc>
@@ -8033,7 +8878,7 @@
                         </a:lnSpc>
                       </a:pPr>
                       <a:r>
-                        <a:rPr b="0" lang="fr-FR" sz="1800" spc="-1" strike="noStrike">
+                        <a:rPr lang="fr-FR" sz="1800" b="0" strike="noStrike" spc="-1">
                           <a:solidFill>
                             <a:schemeClr val="dk1"/>
                           </a:solidFill>
@@ -8041,86 +8886,81 @@
                         </a:rPr>
                         <a:t>R1.08 - Présentation PowerPoint</a:t>
                       </a:r>
-                      <a:endParaRPr b="0" lang="fr-FR" sz="1800" spc="-1" strike="noStrike">
+                      <a:endParaRPr lang="fr-FR" sz="1800" b="0" strike="noStrike" spc="-1">
                         <a:latin typeface="Arial"/>
                       </a:endParaRPr>
                     </a:p>
                   </a:txBody>
-                  <a:tcPr anchor="t" marL="91800" marR="91800">
+                  <a:tcPr marL="91800" marR="91800">
                     <a:lnL w="12240">
                       <a:solidFill>
-                        <a:srgbClr val="ffffff"/>
+                        <a:srgbClr val="FFFFFF"/>
                       </a:solidFill>
                     </a:lnL>
                     <a:lnR w="12240">
                       <a:solidFill>
-                        <a:srgbClr val="ffffff"/>
+                        <a:srgbClr val="FFFFFF"/>
                       </a:solidFill>
                     </a:lnR>
                     <a:lnT w="12240">
                       <a:solidFill>
-                        <a:srgbClr val="ffffff"/>
+                        <a:srgbClr val="FFFFFF"/>
                       </a:solidFill>
                     </a:lnT>
                     <a:lnB w="12240">
                       <a:solidFill>
-                        <a:srgbClr val="ffffff"/>
+                        <a:srgbClr val="FFFFFF"/>
                       </a:solidFill>
                     </a:lnB>
                     <a:solidFill>
-                      <a:srgbClr val="cfd5e9"/>
+                      <a:srgbClr val="CFD5E9"/>
                     </a:solidFill>
                   </a:tcPr>
                 </a:tc>
                 <a:tc>
                   <a:txBody>
-                    <a:bodyPr lIns="91800" rIns="91800" anchor="t">
-                      <a:noAutofit/>
-                    </a:bodyPr>
+                    <a:bodyPr/>
+                    <a:lstStyle/>
                     <a:p>
                       <a:pPr algn="ctr"/>
                       <a:r>
-                        <a:rPr b="0" lang="fr-FR" sz="1800" spc="-1" strike="noStrike">
+                        <a:rPr lang="fr-FR" sz="1800" b="0" strike="noStrike" spc="-1">
                           <a:latin typeface="Arial"/>
                         </a:rPr>
                         <a:t>5 mn</a:t>
                       </a:r>
-                      <a:endParaRPr b="0" lang="fr-FR" sz="1800" spc="-1" strike="noStrike">
-                        <a:latin typeface="Arial"/>
-                      </a:endParaRPr>
                     </a:p>
                   </a:txBody>
-                  <a:tcPr anchor="t" marL="91800" marR="91800">
+                  <a:tcPr marL="91800" marR="91800">
                     <a:lnL w="12240">
                       <a:solidFill>
-                        <a:srgbClr val="ffffff"/>
+                        <a:srgbClr val="FFFFFF"/>
                       </a:solidFill>
                     </a:lnL>
                     <a:lnR w="12240">
                       <a:solidFill>
-                        <a:srgbClr val="ffffff"/>
+                        <a:srgbClr val="FFFFFF"/>
                       </a:solidFill>
                     </a:lnR>
                     <a:lnT w="12240">
                       <a:solidFill>
-                        <a:srgbClr val="ffffff"/>
+                        <a:srgbClr val="FFFFFF"/>
                       </a:solidFill>
                     </a:lnT>
                     <a:lnB w="12240">
                       <a:solidFill>
-                        <a:srgbClr val="ffffff"/>
+                        <a:srgbClr val="FFFFFF"/>
                       </a:solidFill>
                     </a:lnB>
                     <a:solidFill>
-                      <a:srgbClr val="cfd5e9"/>
+                      <a:srgbClr val="CFD5E9"/>
                     </a:solidFill>
                   </a:tcPr>
                 </a:tc>
                 <a:tc>
                   <a:txBody>
-                    <a:bodyPr lIns="91800" rIns="91800" anchor="t">
-                      <a:noAutofit/>
-                    </a:bodyPr>
+                    <a:bodyPr/>
+                    <a:lstStyle/>
                     <a:p>
                       <a:pPr algn="ctr">
                         <a:lnSpc>
@@ -8128,79 +8968,94 @@
                         </a:lnSpc>
                       </a:pPr>
                       <a:r>
-                        <a:rPr b="0" lang="fr-FR" sz="1800" spc="-1" strike="noStrike">
+                        <a:rPr lang="fr-FR" sz="1800" b="0" strike="noStrike" spc="-1" dirty="0">
                           <a:solidFill>
                             <a:schemeClr val="dk1"/>
                           </a:solidFill>
                           <a:latin typeface="Calibri"/>
                         </a:rPr>
-                        <a:t>45mn</a:t>
+                        <a:t>45 mn</a:t>
                       </a:r>
-                      <a:endParaRPr b="0" lang="fr-FR" sz="1800" spc="-1" strike="noStrike">
+                      <a:endParaRPr lang="fr-FR" sz="1800" b="0" strike="noStrike" spc="-1" dirty="0">
                         <a:latin typeface="Arial"/>
                       </a:endParaRPr>
                     </a:p>
                   </a:txBody>
-                  <a:tcPr anchor="t" marL="91800" marR="91800">
+                  <a:tcPr marL="91800" marR="91800">
                     <a:lnL w="12240">
                       <a:solidFill>
-                        <a:srgbClr val="ffffff"/>
+                        <a:srgbClr val="FFFFFF"/>
                       </a:solidFill>
                     </a:lnL>
                     <a:lnR w="12240">
                       <a:solidFill>
-                        <a:srgbClr val="ffffff"/>
+                        <a:srgbClr val="FFFFFF"/>
                       </a:solidFill>
                     </a:lnR>
                     <a:lnT w="12240">
                       <a:solidFill>
-                        <a:srgbClr val="ffffff"/>
+                        <a:srgbClr val="FFFFFF"/>
                       </a:solidFill>
                     </a:lnT>
                     <a:lnB w="12240">
                       <a:solidFill>
-                        <a:srgbClr val="ffffff"/>
+                        <a:srgbClr val="FFFFFF"/>
                       </a:solidFill>
                     </a:lnB>
                     <a:solidFill>
-                      <a:srgbClr val="cfd5e9"/>
+                      <a:srgbClr val="CFD5E9"/>
                     </a:solidFill>
                   </a:tcPr>
                 </a:tc>
                 <a:tc>
-                  <a:tcPr anchor="t" marL="91800" marR="91800">
+                  <a:txBody>
+                    <a:bodyPr/>
+                    <a:lstStyle/>
+                    <a:p>
+                      <a:pPr algn="ctr"/>
+                      <a:r>
+                        <a:rPr lang="fr-FR" dirty="0"/>
+                        <a:t>-</a:t>
+                      </a:r>
+                    </a:p>
+                  </a:txBody>
+                  <a:tcPr marL="91800" marR="91800">
                     <a:lnL w="12240">
                       <a:solidFill>
-                        <a:srgbClr val="ffffff"/>
+                        <a:srgbClr val="FFFFFF"/>
                       </a:solidFill>
                     </a:lnL>
                     <a:lnR w="12240">
                       <a:solidFill>
-                        <a:srgbClr val="ffffff"/>
+                        <a:srgbClr val="FFFFFF"/>
                       </a:solidFill>
                     </a:lnR>
                     <a:lnT w="12240">
                       <a:solidFill>
-                        <a:srgbClr val="ffffff"/>
+                        <a:srgbClr val="FFFFFF"/>
                       </a:solidFill>
                     </a:lnT>
                     <a:lnB w="12240">
                       <a:solidFill>
-                        <a:srgbClr val="ffffff"/>
+                        <a:srgbClr val="FFFFFF"/>
                       </a:solidFill>
                     </a:lnB>
                     <a:solidFill>
-                      <a:srgbClr val="cfd5e9"/>
+                      <a:srgbClr val="CFD5E9"/>
                     </a:solidFill>
                   </a:tcPr>
                 </a:tc>
+                <a:extLst>
+                  <a:ext uri="{0D108BD9-81ED-4DB2-BD59-A6C34878D82A}">
+                    <a16:rowId xmlns:a16="http://schemas.microsoft.com/office/drawing/2014/main" val="10005"/>
+                  </a:ext>
+                </a:extLst>
               </a:tr>
               <a:tr h="681840">
                 <a:tc>
                   <a:txBody>
-                    <a:bodyPr lIns="91800" rIns="91800" anchor="t">
-                      <a:noAutofit/>
-                    </a:bodyPr>
+                    <a:bodyPr/>
+                    <a:lstStyle/>
                     <a:p>
                       <a:pPr>
                         <a:lnSpc>
@@ -8208,7 +9063,7 @@
                         </a:lnSpc>
                       </a:pPr>
                       <a:r>
-                        <a:rPr b="0" lang="fr-FR" sz="1800" spc="-1" strike="noStrike">
+                        <a:rPr lang="fr-FR" sz="1800" b="0" strike="noStrike" spc="-1">
                           <a:solidFill>
                             <a:schemeClr val="dk1"/>
                           </a:solidFill>
@@ -8216,86 +9071,81 @@
                         </a:rPr>
                         <a:t>R1.02 - Site de présentation du BUT</a:t>
                       </a:r>
-                      <a:endParaRPr b="0" lang="fr-FR" sz="1800" spc="-1" strike="noStrike">
+                      <a:endParaRPr lang="fr-FR" sz="1800" b="0" strike="noStrike" spc="-1">
                         <a:latin typeface="Arial"/>
                       </a:endParaRPr>
                     </a:p>
                   </a:txBody>
-                  <a:tcPr anchor="t" marL="91800" marR="91800">
+                  <a:tcPr marL="91800" marR="91800">
                     <a:lnL w="12240">
                       <a:solidFill>
-                        <a:srgbClr val="ffffff"/>
+                        <a:srgbClr val="FFFFFF"/>
                       </a:solidFill>
                     </a:lnL>
                     <a:lnR w="12240">
                       <a:solidFill>
-                        <a:srgbClr val="ffffff"/>
+                        <a:srgbClr val="FFFFFF"/>
                       </a:solidFill>
                     </a:lnR>
                     <a:lnT w="12240">
                       <a:solidFill>
-                        <a:srgbClr val="ffffff"/>
+                        <a:srgbClr val="FFFFFF"/>
                       </a:solidFill>
                     </a:lnT>
                     <a:lnB w="12240">
                       <a:solidFill>
-                        <a:srgbClr val="ffffff"/>
+                        <a:srgbClr val="FFFFFF"/>
                       </a:solidFill>
                     </a:lnB>
                     <a:solidFill>
-                      <a:srgbClr val="e8ebf4"/>
+                      <a:srgbClr val="E8EBF4"/>
                     </a:solidFill>
                   </a:tcPr>
                 </a:tc>
                 <a:tc>
                   <a:txBody>
-                    <a:bodyPr lIns="91800" rIns="91800" anchor="t">
-                      <a:noAutofit/>
-                    </a:bodyPr>
+                    <a:bodyPr/>
+                    <a:lstStyle/>
                     <a:p>
                       <a:pPr algn="ctr"/>
                       <a:r>
-                        <a:rPr b="0" lang="fr-FR" sz="1800" spc="-1" strike="noStrike">
+                        <a:rPr lang="fr-FR" sz="1800" b="0" strike="noStrike" spc="-1">
                           <a:latin typeface="Arial"/>
                         </a:rPr>
                         <a:t>13h</a:t>
                       </a:r>
-                      <a:endParaRPr b="0" lang="fr-FR" sz="1800" spc="-1" strike="noStrike">
-                        <a:latin typeface="Arial"/>
-                      </a:endParaRPr>
                     </a:p>
                   </a:txBody>
-                  <a:tcPr anchor="t" marL="91800" marR="91800">
+                  <a:tcPr marL="91800" marR="91800">
                     <a:lnL w="12240">
                       <a:solidFill>
-                        <a:srgbClr val="ffffff"/>
+                        <a:srgbClr val="FFFFFF"/>
                       </a:solidFill>
                     </a:lnL>
                     <a:lnR w="12240">
                       <a:solidFill>
-                        <a:srgbClr val="ffffff"/>
+                        <a:srgbClr val="FFFFFF"/>
                       </a:solidFill>
                     </a:lnR>
                     <a:lnT w="12240">
                       <a:solidFill>
-                        <a:srgbClr val="ffffff"/>
+                        <a:srgbClr val="FFFFFF"/>
                       </a:solidFill>
                     </a:lnT>
                     <a:lnB w="12240">
                       <a:solidFill>
-                        <a:srgbClr val="ffffff"/>
+                        <a:srgbClr val="FFFFFF"/>
                       </a:solidFill>
                     </a:lnB>
                     <a:solidFill>
-                      <a:srgbClr val="e8ebf4"/>
+                      <a:srgbClr val="E8EBF4"/>
                     </a:solidFill>
                   </a:tcPr>
                 </a:tc>
                 <a:tc>
                   <a:txBody>
-                    <a:bodyPr lIns="91800" rIns="91800" anchor="t">
-                      <a:noAutofit/>
-                    </a:bodyPr>
+                    <a:bodyPr/>
+                    <a:lstStyle/>
                     <a:p>
                       <a:pPr algn="ctr">
                         <a:lnSpc>
@@ -8303,7 +9153,7 @@
                         </a:lnSpc>
                       </a:pPr>
                       <a:r>
-                        <a:rPr b="0" lang="fr-FR" sz="1800" spc="-1" strike="noStrike">
+                        <a:rPr lang="fr-FR" sz="1800" b="0" strike="noStrike" spc="-1">
                           <a:solidFill>
                             <a:schemeClr val="dk1"/>
                           </a:solidFill>
@@ -8311,64 +9161,80 @@
                         </a:rPr>
                         <a:t>4h</a:t>
                       </a:r>
-                      <a:endParaRPr b="0" lang="fr-FR" sz="1800" spc="-1" strike="noStrike">
+                      <a:endParaRPr lang="fr-FR" sz="1800" b="0" strike="noStrike" spc="-1">
                         <a:latin typeface="Arial"/>
                       </a:endParaRPr>
                     </a:p>
                   </a:txBody>
-                  <a:tcPr anchor="t" marL="91800" marR="91800">
+                  <a:tcPr marL="91800" marR="91800">
                     <a:lnL w="12240">
                       <a:solidFill>
-                        <a:srgbClr val="ffffff"/>
+                        <a:srgbClr val="FFFFFF"/>
                       </a:solidFill>
                     </a:lnL>
                     <a:lnR w="12240">
                       <a:solidFill>
-                        <a:srgbClr val="ffffff"/>
+                        <a:srgbClr val="FFFFFF"/>
                       </a:solidFill>
                     </a:lnR>
                     <a:lnT w="12240">
                       <a:solidFill>
-                        <a:srgbClr val="ffffff"/>
+                        <a:srgbClr val="FFFFFF"/>
                       </a:solidFill>
                     </a:lnT>
                     <a:lnB w="12240">
                       <a:solidFill>
-                        <a:srgbClr val="ffffff"/>
+                        <a:srgbClr val="FFFFFF"/>
                       </a:solidFill>
                     </a:lnB>
                     <a:solidFill>
-                      <a:srgbClr val="e8ebf4"/>
+                      <a:srgbClr val="E8EBF4"/>
                     </a:solidFill>
                   </a:tcPr>
                 </a:tc>
                 <a:tc>
-                  <a:tcPr anchor="t" marL="91800" marR="91800">
+                  <a:txBody>
+                    <a:bodyPr/>
+                    <a:lstStyle/>
+                    <a:p>
+                      <a:pPr algn="ctr"/>
+                      <a:r>
+                        <a:rPr lang="fr-FR" dirty="0"/>
+                        <a:t>-</a:t>
+                      </a:r>
+                    </a:p>
+                  </a:txBody>
+                  <a:tcPr marL="91800" marR="91800">
                     <a:lnL w="12240">
                       <a:solidFill>
-                        <a:srgbClr val="ffffff"/>
+                        <a:srgbClr val="FFFFFF"/>
                       </a:solidFill>
                     </a:lnL>
                     <a:lnR w="12240">
                       <a:solidFill>
-                        <a:srgbClr val="ffffff"/>
+                        <a:srgbClr val="FFFFFF"/>
                       </a:solidFill>
                     </a:lnR>
                     <a:lnT w="12240">
                       <a:solidFill>
-                        <a:srgbClr val="ffffff"/>
+                        <a:srgbClr val="FFFFFF"/>
                       </a:solidFill>
                     </a:lnT>
                     <a:lnB w="12240">
                       <a:solidFill>
-                        <a:srgbClr val="ffffff"/>
+                        <a:srgbClr val="FFFFFF"/>
                       </a:solidFill>
                     </a:lnB>
                     <a:solidFill>
-                      <a:srgbClr val="e8ebf4"/>
+                      <a:srgbClr val="E8EBF4"/>
                     </a:solidFill>
                   </a:tcPr>
                 </a:tc>
+                <a:extLst>
+                  <a:ext uri="{0D108BD9-81ED-4DB2-BD59-A6C34878D82A}">
+                    <a16:rowId xmlns:a16="http://schemas.microsoft.com/office/drawing/2014/main" val="10006"/>
+                  </a:ext>
+                </a:extLst>
               </a:tr>
             </a:tbl>
           </a:graphicData>
@@ -8376,25 +9242,21 @@
       </p:graphicFrame>
     </p:spTree>
   </p:cSld>
-  <mc:AlternateContent>
-    <mc:Choice Requires="p14">
-      <p:transition spd="slow" p14:dur="2000"/>
-    </mc:Choice>
-    <mc:Fallback>
-      <p:transition spd="slow"/>
-    </mc:Fallback>
-  </mc:AlternateContent>
+  <p:clrMapOvr>
+    <a:masterClrMapping/>
+  </p:clrMapOvr>
 </p:sld>
 </file>
 
 <file path=ppt/slides/slide4.xml><?xml version="1.0" encoding="utf-8"?>
-<p:sld xmlns:a="http://schemas.openxmlformats.org/drawingml/2006/main" xmlns:p="http://schemas.openxmlformats.org/presentationml/2006/main" xmlns:r="http://schemas.openxmlformats.org/officeDocument/2006/relationships" xmlns:p14="http://schemas.microsoft.com/office/powerpoint/2010/main" xmlns:p15="http://schemas.microsoft.com/office/powerpoint/2012/main" xmlns:mc="http://schemas.openxmlformats.org/markup-compatibility/2006">
+<p:sld xmlns:a="http://schemas.openxmlformats.org/drawingml/2006/main" xmlns:r="http://schemas.openxmlformats.org/officeDocument/2006/relationships" xmlns:p="http://schemas.openxmlformats.org/presentationml/2006/main">
   <p:cSld>
     <p:bg>
       <p:bgPr>
         <a:solidFill>
-          <a:srgbClr val="ffffff"/>
+          <a:srgbClr val="FFFFFF"/>
         </a:solidFill>
+        <a:effectLst/>
       </p:bgPr>
     </p:bg>
     <p:spTree>
@@ -8467,9 +9329,9 @@
           <a:solidFill>
             <a:schemeClr val="bg1"/>
           </a:solidFill>
-          <a:ln cap="sq" w="127000">
+          <a:ln w="127000" cap="sq">
             <a:solidFill>
-              <a:srgbClr val="ffffff"/>
+              <a:srgbClr val="FFFFFF"/>
             </a:solidFill>
           </a:ln>
         </p:spPr>
@@ -8515,6 +9377,7 @@
           <a:bodyPr anchor="ctr">
             <a:normAutofit/>
           </a:bodyPr>
+          <a:lstStyle/>
           <a:p>
             <a:pPr indent="0">
               <a:lnSpc>
@@ -8523,7 +9386,7 @@
               <a:buNone/>
             </a:pPr>
             <a:r>
-              <a:rPr b="0" lang="fr-FR" sz="4400" spc="-1" strike="noStrike">
+              <a:rPr lang="fr-FR" sz="4400" b="0" strike="noStrike" spc="-1">
                 <a:solidFill>
                   <a:srgbClr val="000000"/>
                 </a:solidFill>
@@ -8531,7 +9394,7 @@
               </a:rPr>
               <a:t>La Note explicative</a:t>
             </a:r>
-            <a:endParaRPr b="0" lang="fr-FR" sz="4400" spc="-1" strike="noStrike">
+            <a:endParaRPr lang="fr-FR" sz="4400" b="0" strike="noStrike" spc="-1">
               <a:solidFill>
                 <a:srgbClr val="000000"/>
               </a:solidFill>
@@ -8567,6 +9430,7 @@
           <a:bodyPr anchor="t">
             <a:normAutofit fontScale="87000"/>
           </a:bodyPr>
+          <a:lstStyle/>
           <a:p>
             <a:pPr indent="0" algn="just">
               <a:lnSpc>
@@ -8580,11 +9444,11 @@
               </a:spcAft>
               <a:buNone/>
               <a:tabLst>
-                <a:tab algn="l" pos="0"/>
+                <a:tab pos="0" algn="l"/>
               </a:tabLst>
             </a:pPr>
             <a:r>
-              <a:rPr b="0" lang="fr-FR" sz="1800" spc="-1" strike="noStrike">
+              <a:rPr lang="fr-FR" sz="1800" b="0" strike="noStrike" spc="-1">
                 <a:solidFill>
                   <a:srgbClr val="000000"/>
                 </a:solidFill>
@@ -8593,7 +9457,7 @@
               </a:rPr>
               <a:t>Pour le contenu du site, toutes les indications étaient données dans le sujet (présenter les SAE, présenter les compétences, faire un glossaire, …). Un morceau de la structure nous était également fourni à savoir faire un menu pour naviguer facilement à travers les différentes rubriques. D’autres choses étaient imposées tels que le responsive design dont on reparlera ainsi que la conformité aux standards du W3C. pour l’aspect graphique, nous avons voulu rester très sobre sans fioriture inutile qui aurait pu amoindrir la compréhension générale du site déjà chargé en information mais également pour rester le plus fidèle à la charte graphique de l’IUT d’Aix-Marseille. Pour les choix techniques, nous avons décidé d’utiliser le Framework bootstrap afin d’avoir une bonne gestion de la mise en page du site et de facilité la mise en place du responsive design. Nous avons également fait le choix d’utiliser un fichier CSS supplémentaire pour des modifications qui n’étaient pas disponible via les classes de bootstrap ou qui étaient trop compliqué à mettre en place. Dans cette SAE, nous n’avons eu que deux problèmes, mais ce sont des problèmes majeur e quelque sorte. Le premier qui a mis presque une semaine à être résolu concerne bootstrap en lui-même. Nous avions la mauvaise version de bootstrap installé (version 4 installé au lieu de la version 5). De ce fait, tous ce que nous faisions ne marchait pas car ce n’était évidemment pas la bonne version. Le second problème majeur concerne cette fois ci le responsive design. En effet notre menu, réalisé grâce aux classes navbar de bootstrap, disparaissait lors du rétrécissement de l’écran et c’est notamment une des raisons pour laquelle nous avons utilisé un fichier CSS tierce. </a:t>
             </a:r>
-            <a:endParaRPr b="0" lang="fr-FR" sz="1800" spc="-1" strike="noStrike">
+            <a:endParaRPr lang="fr-FR" sz="1800" b="0" strike="noStrike" spc="-1">
               <a:solidFill>
                 <a:srgbClr val="000000"/>
               </a:solidFill>
@@ -8638,7 +9502,7 @@
                 <a:spcPts val="601"/>
               </a:spcAft>
               <a:buNone/>
-              <a:defRPr b="0" lang="en-US" sz="1400" spc="-1" strike="noStrike">
+              <a:defRPr lang="en-US" sz="1400" b="0" strike="noStrike" spc="-1">
                 <a:solidFill>
                   <a:srgbClr val="000000"/>
                 </a:solidFill>
@@ -8657,7 +9521,7 @@
               <a:buNone/>
             </a:pPr>
             <a:r>
-              <a:rPr b="0" lang="en-US" sz="1400" spc="-1" strike="noStrike">
+              <a:rPr lang="en-US" sz="1400" b="0" strike="noStrike" spc="-1">
                 <a:solidFill>
                   <a:srgbClr val="000000"/>
                 </a:solidFill>
@@ -8666,7 +9530,7 @@
               <a:t>Aymeric Beck, Antoine Buirey, Tanguy Horard</a:t>
             </a:r>
             <a:r>
-              <a:rPr b="0" lang="en-US" sz="1200" spc="-1" strike="noStrike">
+              <a:rPr lang="en-US" sz="1200" b="0" strike="noStrike" spc="-1">
                 <a:solidFill>
                   <a:srgbClr val="000000"/>
                 </a:solidFill>
@@ -8674,7 +9538,7 @@
               </a:rPr>
               <a:t>     année scolaire 2022/2023</a:t>
             </a:r>
-            <a:endParaRPr b="0" lang="fr-FR" sz="1200" spc="-1" strike="noStrike">
+            <a:endParaRPr lang="fr-FR" sz="1200" b="0" strike="noStrike" spc="-1">
               <a:solidFill>
                 <a:srgbClr val="000000"/>
               </a:solidFill>
@@ -8719,7 +9583,7 @@
                 <a:spcPts val="601"/>
               </a:spcAft>
               <a:buNone/>
-              <a:defRPr b="0" lang="fr-FR" sz="1200" spc="-1" strike="noStrike">
+              <a:defRPr lang="fr-FR" sz="1200" b="0" strike="noStrike" spc="-1">
                 <a:solidFill>
                   <a:srgbClr val="404040"/>
                 </a:solidFill>
@@ -8738,15 +9602,15 @@
               <a:buNone/>
             </a:pPr>
             <a:fld id="{16281407-4440-4736-9E77-ADE1782701DB}" type="slidenum">
-              <a:rPr b="0" lang="fr-FR" sz="1200" spc="-1" strike="noStrike">
+              <a:rPr lang="fr-FR" sz="1200" b="0" strike="noStrike" spc="-1">
                 <a:solidFill>
                   <a:srgbClr val="404040"/>
                 </a:solidFill>
                 <a:latin typeface="Calibri"/>
               </a:rPr>
-              <a:t>&lt;numéro&gt;</a:t>
+              <a:t>4</a:t>
             </a:fld>
-            <a:endParaRPr b="0" lang="fr-FR" sz="1200" spc="-1" strike="noStrike">
+            <a:endParaRPr lang="fr-FR" sz="1200" b="0" strike="noStrike" spc="-1">
               <a:latin typeface="Times New Roman"/>
             </a:endParaRPr>
           </a:p>
@@ -8754,14 +9618,9 @@
       </p:sp>
     </p:spTree>
   </p:cSld>
-  <mc:AlternateContent>
-    <mc:Choice Requires="p14">
-      <p:transition spd="slow" p14:dur="2000"/>
-    </mc:Choice>
-    <mc:Fallback>
-      <p:transition spd="slow"/>
-    </mc:Fallback>
-  </mc:AlternateContent>
+  <p:clrMapOvr>
+    <a:masterClrMapping/>
+  </p:clrMapOvr>
 </p:sld>
 </file>
 
@@ -8773,37 +9632,37 @@
         <a:srgbClr val="000000"/>
       </a:dk1>
       <a:lt1>
-        <a:srgbClr val="ffffff"/>
+        <a:srgbClr val="FFFFFF"/>
       </a:lt1>
       <a:dk2>
-        <a:srgbClr val="44546a"/>
+        <a:srgbClr val="44546A"/>
       </a:dk2>
       <a:lt2>
-        <a:srgbClr val="e7e6e6"/>
+        <a:srgbClr val="E7E6E6"/>
       </a:lt2>
       <a:accent1>
-        <a:srgbClr val="4472c4"/>
+        <a:srgbClr val="4472C4"/>
       </a:accent1>
       <a:accent2>
-        <a:srgbClr val="ed7d31"/>
+        <a:srgbClr val="ED7D31"/>
       </a:accent2>
       <a:accent3>
-        <a:srgbClr val="a5a5a5"/>
+        <a:srgbClr val="A5A5A5"/>
       </a:accent3>
       <a:accent4>
-        <a:srgbClr val="ffc000"/>
+        <a:srgbClr val="FFC000"/>
       </a:accent4>
       <a:accent5>
-        <a:srgbClr val="5b9bd5"/>
+        <a:srgbClr val="5B9BD5"/>
       </a:accent5>
       <a:accent6>
-        <a:srgbClr val="70ad47"/>
+        <a:srgbClr val="70AD47"/>
       </a:accent6>
       <a:hlink>
-        <a:srgbClr val="0563c1"/>
+        <a:srgbClr val="0563C1"/>
       </a:hlink>
       <a:folHlink>
-        <a:srgbClr val="954f72"/>
+        <a:srgbClr val="954F72"/>
       </a:folHlink>
     </a:clrScheme>
     <a:fontScheme name="Office">
@@ -8988,6 +9847,8 @@
       </a:bgFillStyleLst>
     </a:fmtScheme>
   </a:themeElements>
+  <a:objectDefaults/>
+  <a:extraClrSchemeLst/>
 </a:theme>
 </file>
 
@@ -8999,37 +9860,37 @@
         <a:srgbClr val="000000"/>
       </a:dk1>
       <a:lt1>
-        <a:srgbClr val="ffffff"/>
+        <a:srgbClr val="FFFFFF"/>
       </a:lt1>
       <a:dk2>
-        <a:srgbClr val="44546a"/>
+        <a:srgbClr val="44546A"/>
       </a:dk2>
       <a:lt2>
-        <a:srgbClr val="e7e6e6"/>
+        <a:srgbClr val="E7E6E6"/>
       </a:lt2>
       <a:accent1>
-        <a:srgbClr val="4472c4"/>
+        <a:srgbClr val="4472C4"/>
       </a:accent1>
       <a:accent2>
-        <a:srgbClr val="ed7d31"/>
+        <a:srgbClr val="ED7D31"/>
       </a:accent2>
       <a:accent3>
-        <a:srgbClr val="a5a5a5"/>
+        <a:srgbClr val="A5A5A5"/>
       </a:accent3>
       <a:accent4>
-        <a:srgbClr val="ffc000"/>
+        <a:srgbClr val="FFC000"/>
       </a:accent4>
       <a:accent5>
-        <a:srgbClr val="5b9bd5"/>
+        <a:srgbClr val="5B9BD5"/>
       </a:accent5>
       <a:accent6>
-        <a:srgbClr val="70ad47"/>
+        <a:srgbClr val="70AD47"/>
       </a:accent6>
       <a:hlink>
-        <a:srgbClr val="0563c1"/>
+        <a:srgbClr val="0563C1"/>
       </a:hlink>
       <a:folHlink>
-        <a:srgbClr val="954f72"/>
+        <a:srgbClr val="954F72"/>
       </a:folHlink>
     </a:clrScheme>
     <a:fontScheme name="Office">
@@ -9214,5 +10075,7 @@
       </a:bgFillStyleLst>
     </a:fmtScheme>
   </a:themeElements>
+  <a:objectDefaults/>
+  <a:extraClrSchemeLst/>
 </a:theme>
 </file>
--- a/Aymeric Beck Antoine Buirey Tanguy Horard.pptx
+++ b/Aymeric Beck Antoine Buirey Tanguy Horard.pptx
@@ -7467,13 +7467,20 @@
           <p:nvPr/>
         </p:nvPicPr>
         <p:blipFill>
-          <a:blip r:embed="rId2"/>
+          <a:blip r:embed="rId2">
+            <a:extLst>
+              <a:ext uri="{28A0092B-C50C-407E-A947-70E740481C1C}">
+                <a14:useLocalDpi xmlns:a14="http://schemas.microsoft.com/office/drawing/2010/main" val="0"/>
+              </a:ext>
+            </a:extLst>
+          </a:blip>
+          <a:srcRect/>
           <a:stretch/>
         </p:blipFill>
         <p:spPr>
           <a:xfrm>
-            <a:off x="3561480" y="1464840"/>
-            <a:ext cx="8578800" cy="4114440"/>
+            <a:off x="3561480" y="1597358"/>
+            <a:ext cx="8578800" cy="3849403"/>
           </a:xfrm>
           <a:prstGeom prst="rect">
             <a:avLst/>
@@ -7779,7 +7786,7 @@
         </p:spPr>
         <p:txBody>
           <a:bodyPr anchor="ctr">
-            <a:normAutofit fontScale="83000"/>
+            <a:normAutofit fontScale="90500" lnSpcReduction="20000"/>
           </a:bodyPr>
           <a:lstStyle>
             <a:lvl1pPr indent="0" algn="ctr">
@@ -7908,7 +7915,7 @@
           <p:nvPr>
             <p:extLst>
               <p:ext uri="{D42A27DB-BD31-4B8C-83A1-F6EECF244321}">
-                <p14:modId xmlns:p14="http://schemas.microsoft.com/office/powerpoint/2010/main" val="3765483291"/>
+                <p14:modId xmlns:p14="http://schemas.microsoft.com/office/powerpoint/2010/main" val="2119930541"/>
               </p:ext>
             </p:extLst>
           </p:nvPr>
@@ -9109,10 +9116,10 @@
                     <a:p>
                       <a:pPr algn="ctr"/>
                       <a:r>
-                        <a:rPr lang="fr-FR" sz="1800" b="0" strike="noStrike" spc="-1">
+                        <a:rPr lang="fr-FR" sz="1800" b="0" strike="noStrike" spc="-1" dirty="0">
                           <a:latin typeface="Arial"/>
                         </a:rPr>
-                        <a:t>13h</a:t>
+                        <a:t>11h</a:t>
                       </a:r>
                     </a:p>
                   </a:txBody>
@@ -9200,7 +9207,7 @@
                       <a:pPr algn="ctr"/>
                       <a:r>
                         <a:rPr lang="fr-FR" dirty="0"/>
-                        <a:t>-</a:t>
+                        <a:t>2h</a:t>
                       </a:r>
                     </a:p>
                   </a:txBody>
@@ -9428,7 +9435,7 @@
         </p:spPr>
         <p:txBody>
           <a:bodyPr anchor="t">
-            <a:normAutofit fontScale="87000"/>
+            <a:normAutofit fontScale="87000" lnSpcReduction="10000"/>
           </a:bodyPr>
           <a:lstStyle/>
           <a:p>
@@ -9491,7 +9498,7 @@
         </p:spPr>
         <p:txBody>
           <a:bodyPr anchor="ctr">
-            <a:normAutofit fontScale="83000"/>
+            <a:normAutofit fontScale="90500" lnSpcReduction="20000"/>
           </a:bodyPr>
           <a:lstStyle>
             <a:lvl1pPr indent="0" algn="ctr">
